--- a/ApproachAvoidanceConflict/media/instructions/instructions_T/Instructions.pptx
+++ b/ApproachAvoidanceConflict/media/instructions/instructions_T/Instructions.pptx
@@ -5,7 +5,7 @@
     <p:sldMasterId id="2147483660" r:id="rId1"/>
   </p:sldMasterIdLst>
   <p:notesMasterIdLst>
-    <p:notesMasterId r:id="rId11"/>
+    <p:notesMasterId r:id="rId15"/>
   </p:notesMasterIdLst>
   <p:sldIdLst>
     <p:sldId id="346" r:id="rId2"/>
@@ -17,6 +17,10 @@
     <p:sldId id="520" r:id="rId8"/>
     <p:sldId id="519" r:id="rId9"/>
     <p:sldId id="521" r:id="rId10"/>
+    <p:sldId id="522" r:id="rId11"/>
+    <p:sldId id="523" r:id="rId12"/>
+    <p:sldId id="524" r:id="rId13"/>
+    <p:sldId id="525" r:id="rId14"/>
   </p:sldIdLst>
   <p:sldSz cx="9144000" cy="6858000" type="screen4x3"/>
   <p:notesSz cx="6858000" cy="9144000"/>
@@ -115,6 +119,22 @@
       </a:defRPr>
     </a:lvl9pPr>
   </p:defaultTextStyle>
+  <p:extLst>
+    <p:ext uri="{EFAFB233-063F-42B5-8137-9DF3F51BA10A}">
+      <p15:sldGuideLst xmlns:p15="http://schemas.microsoft.com/office/powerpoint/2012/main">
+        <p15:guide id="1" orient="horz" pos="2160">
+          <p15:clr>
+            <a:srgbClr val="A4A3A4"/>
+          </p15:clr>
+        </p15:guide>
+        <p15:guide id="2" pos="2880">
+          <p15:clr>
+            <a:srgbClr val="A4A3A4"/>
+          </p15:clr>
+        </p15:guide>
+      </p15:sldGuideLst>
+    </p:ext>
+  </p:extLst>
 </p:presentation>
 </file>
 
@@ -207,7 +227,7 @@
           <a:p>
             <a:fld id="{5ACDFB13-8C7E-2148-B293-047F9641DD71}" type="datetimeFigureOut">
               <a:rPr lang="en-US" smtClean="0"/>
-              <a:t>9/12/15</a:t>
+              <a:t>2/21/2021</a:t>
             </a:fld>
             <a:endParaRPr lang="en-US" dirty="0"/>
           </a:p>
@@ -271,38 +291,37 @@
           <a:p>
             <a:pPr lvl="0"/>
             <a:r>
-              <a:rPr lang="en-US" smtClean="0"/>
+              <a:rPr lang="en-US"/>
               <a:t>Click to edit Master text styles</a:t>
             </a:r>
           </a:p>
           <a:p>
             <a:pPr lvl="1"/>
             <a:r>
-              <a:rPr lang="en-US" smtClean="0"/>
+              <a:rPr lang="en-US"/>
               <a:t>Second level</a:t>
             </a:r>
           </a:p>
           <a:p>
             <a:pPr lvl="2"/>
             <a:r>
-              <a:rPr lang="en-US" smtClean="0"/>
+              <a:rPr lang="en-US"/>
               <a:t>Third level</a:t>
             </a:r>
           </a:p>
           <a:p>
             <a:pPr lvl="3"/>
             <a:r>
-              <a:rPr lang="en-US" smtClean="0"/>
+              <a:rPr lang="en-US"/>
               <a:t>Fourth level</a:t>
             </a:r>
           </a:p>
           <a:p>
             <a:pPr lvl="4"/>
             <a:r>
-              <a:rPr lang="en-US" smtClean="0"/>
+              <a:rPr lang="en-US"/>
               <a:t>Fifth level</a:t>
             </a:r>
-            <a:endParaRPr lang="en-US"/>
           </a:p>
         </p:txBody>
       </p:sp>
@@ -520,11 +539,11 @@
           <a:lstStyle/>
           <a:p>
             <a:r>
-              <a:rPr lang="en-US" dirty="0" smtClean="0"/>
+              <a:rPr lang="en-US" dirty="0"/>
               <a:t>Do</a:t>
             </a:r>
             <a:r>
-              <a:rPr lang="en-US" baseline="0" dirty="0" smtClean="0"/>
+              <a:rPr lang="en-US" baseline="0" dirty="0"/>
               <a:t> we need to label this differently for the subject’s purpose?</a:t>
             </a:r>
             <a:endParaRPr lang="en-US" dirty="0"/>
@@ -558,6 +577,350 @@
     <p:extLst>
       <p:ext uri="{BB962C8B-B14F-4D97-AF65-F5344CB8AC3E}">
         <p14:creationId xmlns:p14="http://schemas.microsoft.com/office/powerpoint/2010/main" val="2120275705"/>
+      </p:ext>
+    </p:extLst>
+  </p:cSld>
+  <p:clrMapOvr>
+    <a:masterClrMapping/>
+  </p:clrMapOvr>
+</p:notes>
+</file>
+
+<file path=ppt/notesSlides/notesSlide10.xml><?xml version="1.0" encoding="utf-8"?>
+<p:notes xmlns:a="http://schemas.openxmlformats.org/drawingml/2006/main" xmlns:r="http://schemas.openxmlformats.org/officeDocument/2006/relationships" xmlns:p="http://schemas.openxmlformats.org/presentationml/2006/main">
+  <p:cSld>
+    <p:spTree>
+      <p:nvGrpSpPr>
+        <p:cNvPr id="1" name=""/>
+        <p:cNvGrpSpPr/>
+        <p:nvPr/>
+      </p:nvGrpSpPr>
+      <p:grpSpPr>
+        <a:xfrm>
+          <a:off x="0" y="0"/>
+          <a:ext cx="0" cy="0"/>
+          <a:chOff x="0" y="0"/>
+          <a:chExt cx="0" cy="0"/>
+        </a:xfrm>
+      </p:grpSpPr>
+      <p:sp>
+        <p:nvSpPr>
+          <p:cNvPr id="2" name="Slide Image Placeholder 1"/>
+          <p:cNvSpPr>
+            <a:spLocks noGrp="1" noRot="1" noChangeAspect="1"/>
+          </p:cNvSpPr>
+          <p:nvPr>
+            <p:ph type="sldImg"/>
+          </p:nvPr>
+        </p:nvSpPr>
+        <p:spPr/>
+      </p:sp>
+      <p:sp>
+        <p:nvSpPr>
+          <p:cNvPr id="3" name="Notes Placeholder 2"/>
+          <p:cNvSpPr>
+            <a:spLocks noGrp="1"/>
+          </p:cNvSpPr>
+          <p:nvPr>
+            <p:ph type="body" idx="1"/>
+          </p:nvPr>
+        </p:nvSpPr>
+        <p:spPr/>
+        <p:txBody>
+          <a:bodyPr/>
+          <a:lstStyle/>
+          <a:p>
+            <a:r>
+              <a:rPr lang="en-US" dirty="0"/>
+              <a:t>Do</a:t>
+            </a:r>
+            <a:r>
+              <a:rPr lang="en-US" baseline="0" dirty="0"/>
+              <a:t> we need to label this differently for the subject’s purpose?</a:t>
+            </a:r>
+            <a:endParaRPr lang="en-US" dirty="0"/>
+          </a:p>
+        </p:txBody>
+      </p:sp>
+      <p:sp>
+        <p:nvSpPr>
+          <p:cNvPr id="4" name="Slide Number Placeholder 3"/>
+          <p:cNvSpPr>
+            <a:spLocks noGrp="1"/>
+          </p:cNvSpPr>
+          <p:nvPr>
+            <p:ph type="sldNum" sz="quarter" idx="10"/>
+          </p:nvPr>
+        </p:nvSpPr>
+        <p:spPr/>
+        <p:txBody>
+          <a:bodyPr/>
+          <a:lstStyle/>
+          <a:p>
+            <a:fld id="{BCAE12D7-AE97-9243-8341-9A20FCA5A307}" type="slidenum">
+              <a:rPr lang="en-US" smtClean="0"/>
+              <a:t>10</a:t>
+            </a:fld>
+            <a:endParaRPr lang="en-US"/>
+          </a:p>
+        </p:txBody>
+      </p:sp>
+    </p:spTree>
+    <p:extLst>
+      <p:ext uri="{BB962C8B-B14F-4D97-AF65-F5344CB8AC3E}">
+        <p14:creationId xmlns:p14="http://schemas.microsoft.com/office/powerpoint/2010/main" val="2368643625"/>
+      </p:ext>
+    </p:extLst>
+  </p:cSld>
+  <p:clrMapOvr>
+    <a:masterClrMapping/>
+  </p:clrMapOvr>
+</p:notes>
+</file>
+
+<file path=ppt/notesSlides/notesSlide11.xml><?xml version="1.0" encoding="utf-8"?>
+<p:notes xmlns:a="http://schemas.openxmlformats.org/drawingml/2006/main" xmlns:r="http://schemas.openxmlformats.org/officeDocument/2006/relationships" xmlns:p="http://schemas.openxmlformats.org/presentationml/2006/main">
+  <p:cSld>
+    <p:spTree>
+      <p:nvGrpSpPr>
+        <p:cNvPr id="1" name=""/>
+        <p:cNvGrpSpPr/>
+        <p:nvPr/>
+      </p:nvGrpSpPr>
+      <p:grpSpPr>
+        <a:xfrm>
+          <a:off x="0" y="0"/>
+          <a:ext cx="0" cy="0"/>
+          <a:chOff x="0" y="0"/>
+          <a:chExt cx="0" cy="0"/>
+        </a:xfrm>
+      </p:grpSpPr>
+      <p:sp>
+        <p:nvSpPr>
+          <p:cNvPr id="2" name="Slide Image Placeholder 1"/>
+          <p:cNvSpPr>
+            <a:spLocks noGrp="1" noRot="1" noChangeAspect="1"/>
+          </p:cNvSpPr>
+          <p:nvPr>
+            <p:ph type="sldImg"/>
+          </p:nvPr>
+        </p:nvSpPr>
+        <p:spPr/>
+      </p:sp>
+      <p:sp>
+        <p:nvSpPr>
+          <p:cNvPr id="3" name="Notes Placeholder 2"/>
+          <p:cNvSpPr>
+            <a:spLocks noGrp="1"/>
+          </p:cNvSpPr>
+          <p:nvPr>
+            <p:ph type="body" idx="1"/>
+          </p:nvPr>
+        </p:nvSpPr>
+        <p:spPr/>
+        <p:txBody>
+          <a:bodyPr/>
+          <a:lstStyle/>
+          <a:p>
+            <a:endParaRPr lang="en-US" dirty="0"/>
+          </a:p>
+        </p:txBody>
+      </p:sp>
+      <p:sp>
+        <p:nvSpPr>
+          <p:cNvPr id="4" name="Slide Number Placeholder 3"/>
+          <p:cNvSpPr>
+            <a:spLocks noGrp="1"/>
+          </p:cNvSpPr>
+          <p:nvPr>
+            <p:ph type="sldNum" sz="quarter" idx="10"/>
+          </p:nvPr>
+        </p:nvSpPr>
+        <p:spPr/>
+        <p:txBody>
+          <a:bodyPr/>
+          <a:lstStyle/>
+          <a:p>
+            <a:fld id="{BCAE12D7-AE97-9243-8341-9A20FCA5A307}" type="slidenum">
+              <a:rPr lang="en-US" smtClean="0"/>
+              <a:t>11</a:t>
+            </a:fld>
+            <a:endParaRPr lang="en-US"/>
+          </a:p>
+        </p:txBody>
+      </p:sp>
+    </p:spTree>
+    <p:extLst>
+      <p:ext uri="{BB962C8B-B14F-4D97-AF65-F5344CB8AC3E}">
+        <p14:creationId xmlns:p14="http://schemas.microsoft.com/office/powerpoint/2010/main" val="642382861"/>
+      </p:ext>
+    </p:extLst>
+  </p:cSld>
+  <p:clrMapOvr>
+    <a:masterClrMapping/>
+  </p:clrMapOvr>
+</p:notes>
+</file>
+
+<file path=ppt/notesSlides/notesSlide12.xml><?xml version="1.0" encoding="utf-8"?>
+<p:notes xmlns:a="http://schemas.openxmlformats.org/drawingml/2006/main" xmlns:r="http://schemas.openxmlformats.org/officeDocument/2006/relationships" xmlns:p="http://schemas.openxmlformats.org/presentationml/2006/main">
+  <p:cSld>
+    <p:spTree>
+      <p:nvGrpSpPr>
+        <p:cNvPr id="1" name=""/>
+        <p:cNvGrpSpPr/>
+        <p:nvPr/>
+      </p:nvGrpSpPr>
+      <p:grpSpPr>
+        <a:xfrm>
+          <a:off x="0" y="0"/>
+          <a:ext cx="0" cy="0"/>
+          <a:chOff x="0" y="0"/>
+          <a:chExt cx="0" cy="0"/>
+        </a:xfrm>
+      </p:grpSpPr>
+      <p:sp>
+        <p:nvSpPr>
+          <p:cNvPr id="2" name="Slide Image Placeholder 1"/>
+          <p:cNvSpPr>
+            <a:spLocks noGrp="1" noRot="1" noChangeAspect="1"/>
+          </p:cNvSpPr>
+          <p:nvPr>
+            <p:ph type="sldImg"/>
+          </p:nvPr>
+        </p:nvSpPr>
+        <p:spPr/>
+      </p:sp>
+      <p:sp>
+        <p:nvSpPr>
+          <p:cNvPr id="3" name="Notes Placeholder 2"/>
+          <p:cNvSpPr>
+            <a:spLocks noGrp="1"/>
+          </p:cNvSpPr>
+          <p:nvPr>
+            <p:ph type="body" idx="1"/>
+          </p:nvPr>
+        </p:nvSpPr>
+        <p:spPr/>
+        <p:txBody>
+          <a:bodyPr/>
+          <a:lstStyle/>
+          <a:p>
+            <a:endParaRPr lang="en-US" dirty="0"/>
+          </a:p>
+        </p:txBody>
+      </p:sp>
+      <p:sp>
+        <p:nvSpPr>
+          <p:cNvPr id="4" name="Slide Number Placeholder 3"/>
+          <p:cNvSpPr>
+            <a:spLocks noGrp="1"/>
+          </p:cNvSpPr>
+          <p:nvPr>
+            <p:ph type="sldNum" sz="quarter" idx="10"/>
+          </p:nvPr>
+        </p:nvSpPr>
+        <p:spPr/>
+        <p:txBody>
+          <a:bodyPr/>
+          <a:lstStyle/>
+          <a:p>
+            <a:fld id="{BCAE12D7-AE97-9243-8341-9A20FCA5A307}" type="slidenum">
+              <a:rPr lang="en-US" smtClean="0"/>
+              <a:t>12</a:t>
+            </a:fld>
+            <a:endParaRPr lang="en-US"/>
+          </a:p>
+        </p:txBody>
+      </p:sp>
+    </p:spTree>
+    <p:extLst>
+      <p:ext uri="{BB962C8B-B14F-4D97-AF65-F5344CB8AC3E}">
+        <p14:creationId xmlns:p14="http://schemas.microsoft.com/office/powerpoint/2010/main" val="2706322409"/>
+      </p:ext>
+    </p:extLst>
+  </p:cSld>
+  <p:clrMapOvr>
+    <a:masterClrMapping/>
+  </p:clrMapOvr>
+</p:notes>
+</file>
+
+<file path=ppt/notesSlides/notesSlide13.xml><?xml version="1.0" encoding="utf-8"?>
+<p:notes xmlns:a="http://schemas.openxmlformats.org/drawingml/2006/main" xmlns:r="http://schemas.openxmlformats.org/officeDocument/2006/relationships" xmlns:p="http://schemas.openxmlformats.org/presentationml/2006/main">
+  <p:cSld>
+    <p:spTree>
+      <p:nvGrpSpPr>
+        <p:cNvPr id="1" name=""/>
+        <p:cNvGrpSpPr/>
+        <p:nvPr/>
+      </p:nvGrpSpPr>
+      <p:grpSpPr>
+        <a:xfrm>
+          <a:off x="0" y="0"/>
+          <a:ext cx="0" cy="0"/>
+          <a:chOff x="0" y="0"/>
+          <a:chExt cx="0" cy="0"/>
+        </a:xfrm>
+      </p:grpSpPr>
+      <p:sp>
+        <p:nvSpPr>
+          <p:cNvPr id="2" name="Slide Image Placeholder 1"/>
+          <p:cNvSpPr>
+            <a:spLocks noGrp="1" noRot="1" noChangeAspect="1"/>
+          </p:cNvSpPr>
+          <p:nvPr>
+            <p:ph type="sldImg"/>
+          </p:nvPr>
+        </p:nvSpPr>
+        <p:spPr/>
+      </p:sp>
+      <p:sp>
+        <p:nvSpPr>
+          <p:cNvPr id="3" name="Notes Placeholder 2"/>
+          <p:cNvSpPr>
+            <a:spLocks noGrp="1"/>
+          </p:cNvSpPr>
+          <p:nvPr>
+            <p:ph type="body" idx="1"/>
+          </p:nvPr>
+        </p:nvSpPr>
+        <p:spPr/>
+        <p:txBody>
+          <a:bodyPr/>
+          <a:lstStyle/>
+          <a:p>
+            <a:endParaRPr lang="en-US" dirty="0"/>
+          </a:p>
+        </p:txBody>
+      </p:sp>
+      <p:sp>
+        <p:nvSpPr>
+          <p:cNvPr id="4" name="Slide Number Placeholder 3"/>
+          <p:cNvSpPr>
+            <a:spLocks noGrp="1"/>
+          </p:cNvSpPr>
+          <p:nvPr>
+            <p:ph type="sldNum" sz="quarter" idx="10"/>
+          </p:nvPr>
+        </p:nvSpPr>
+        <p:spPr/>
+        <p:txBody>
+          <a:bodyPr/>
+          <a:lstStyle/>
+          <a:p>
+            <a:fld id="{BCAE12D7-AE97-9243-8341-9A20FCA5A307}" type="slidenum">
+              <a:rPr lang="en-US" smtClean="0"/>
+              <a:t>13</a:t>
+            </a:fld>
+            <a:endParaRPr lang="en-US"/>
+          </a:p>
+        </p:txBody>
+      </p:sp>
+    </p:spTree>
+    <p:extLst>
+      <p:ext uri="{BB962C8B-B14F-4D97-AF65-F5344CB8AC3E}">
+        <p14:creationId xmlns:p14="http://schemas.microsoft.com/office/powerpoint/2010/main" val="256699337"/>
       </p:ext>
     </p:extLst>
   </p:cSld>
@@ -948,11 +1311,11 @@
           <a:lstStyle/>
           <a:p>
             <a:r>
-              <a:rPr lang="en-US" dirty="0" smtClean="0"/>
+              <a:rPr lang="en-US" dirty="0"/>
               <a:t>Do</a:t>
             </a:r>
             <a:r>
-              <a:rPr lang="en-US" baseline="0" dirty="0" smtClean="0"/>
+              <a:rPr lang="en-US" baseline="0" dirty="0"/>
               <a:t> we need to label this differently for the subject’s purpose?</a:t>
             </a:r>
             <a:endParaRPr lang="en-US" dirty="0"/>
@@ -1124,11 +1487,11 @@
           <a:lstStyle/>
           <a:p>
             <a:r>
-              <a:rPr lang="en-US" dirty="0" smtClean="0"/>
+              <a:rPr lang="en-US" dirty="0"/>
               <a:t>Do</a:t>
             </a:r>
             <a:r>
-              <a:rPr lang="en-US" baseline="0" dirty="0" smtClean="0"/>
+              <a:rPr lang="en-US" baseline="0" dirty="0"/>
               <a:t> we need to label this differently for the subject’s purpose?</a:t>
             </a:r>
             <a:endParaRPr lang="en-US" dirty="0"/>
@@ -1293,10 +1656,9 @@
           <a:lstStyle/>
           <a:p>
             <a:r>
-              <a:rPr lang="en-US" smtClean="0"/>
+              <a:rPr lang="en-US"/>
               <a:t>Click to edit Master title style</a:t>
             </a:r>
-            <a:endParaRPr lang="en-US"/>
           </a:p>
         </p:txBody>
       </p:sp>
@@ -1412,10 +1774,9 @@
           </a:lstStyle>
           <a:p>
             <a:r>
-              <a:rPr lang="en-US" smtClean="0"/>
+              <a:rPr lang="en-US"/>
               <a:t>Click to edit Master subtitle style</a:t>
             </a:r>
-            <a:endParaRPr lang="en-US"/>
           </a:p>
         </p:txBody>
       </p:sp>
@@ -1436,7 +1797,7 @@
           <a:p>
             <a:fld id="{E69A4D3A-6EF8-7448-AC6F-AD52FEDAA6A8}" type="datetimeFigureOut">
               <a:rPr lang="en-US" smtClean="0"/>
-              <a:t>9/12/15</a:t>
+              <a:t>2/21/2021</a:t>
             </a:fld>
             <a:endParaRPr lang="en-US" dirty="0"/>
           </a:p>
@@ -1530,10 +1891,9 @@
           <a:lstStyle/>
           <a:p>
             <a:r>
-              <a:rPr lang="en-US" smtClean="0"/>
+              <a:rPr lang="en-US"/>
               <a:t>Click to edit Master title style</a:t>
             </a:r>
-            <a:endParaRPr lang="en-US"/>
           </a:p>
         </p:txBody>
       </p:sp>
@@ -1554,38 +1914,37 @@
           <a:p>
             <a:pPr lvl="0"/>
             <a:r>
-              <a:rPr lang="en-US" smtClean="0"/>
+              <a:rPr lang="en-US"/>
               <a:t>Click to edit Master text styles</a:t>
             </a:r>
           </a:p>
           <a:p>
             <a:pPr lvl="1"/>
             <a:r>
-              <a:rPr lang="en-US" smtClean="0"/>
+              <a:rPr lang="en-US"/>
               <a:t>Second level</a:t>
             </a:r>
           </a:p>
           <a:p>
             <a:pPr lvl="2"/>
             <a:r>
-              <a:rPr lang="en-US" smtClean="0"/>
+              <a:rPr lang="en-US"/>
               <a:t>Third level</a:t>
             </a:r>
           </a:p>
           <a:p>
             <a:pPr lvl="3"/>
             <a:r>
-              <a:rPr lang="en-US" smtClean="0"/>
+              <a:rPr lang="en-US"/>
               <a:t>Fourth level</a:t>
             </a:r>
           </a:p>
           <a:p>
             <a:pPr lvl="4"/>
             <a:r>
-              <a:rPr lang="en-US" smtClean="0"/>
+              <a:rPr lang="en-US"/>
               <a:t>Fifth level</a:t>
             </a:r>
-            <a:endParaRPr lang="en-US"/>
           </a:p>
         </p:txBody>
       </p:sp>
@@ -1606,7 +1965,7 @@
           <a:p>
             <a:fld id="{E69A4D3A-6EF8-7448-AC6F-AD52FEDAA6A8}" type="datetimeFigureOut">
               <a:rPr lang="en-US" smtClean="0"/>
-              <a:t>9/12/15</a:t>
+              <a:t>2/21/2021</a:t>
             </a:fld>
             <a:endParaRPr lang="en-US" dirty="0"/>
           </a:p>
@@ -1705,10 +2064,9 @@
           <a:lstStyle/>
           <a:p>
             <a:r>
-              <a:rPr lang="en-US" smtClean="0"/>
+              <a:rPr lang="en-US"/>
               <a:t>Click to edit Master title style</a:t>
             </a:r>
-            <a:endParaRPr lang="en-US"/>
           </a:p>
         </p:txBody>
       </p:sp>
@@ -1734,38 +2092,37 @@
           <a:p>
             <a:pPr lvl="0"/>
             <a:r>
-              <a:rPr lang="en-US" smtClean="0"/>
+              <a:rPr lang="en-US"/>
               <a:t>Click to edit Master text styles</a:t>
             </a:r>
           </a:p>
           <a:p>
             <a:pPr lvl="1"/>
             <a:r>
-              <a:rPr lang="en-US" smtClean="0"/>
+              <a:rPr lang="en-US"/>
               <a:t>Second level</a:t>
             </a:r>
           </a:p>
           <a:p>
             <a:pPr lvl="2"/>
             <a:r>
-              <a:rPr lang="en-US" smtClean="0"/>
+              <a:rPr lang="en-US"/>
               <a:t>Third level</a:t>
             </a:r>
           </a:p>
           <a:p>
             <a:pPr lvl="3"/>
             <a:r>
-              <a:rPr lang="en-US" smtClean="0"/>
+              <a:rPr lang="en-US"/>
               <a:t>Fourth level</a:t>
             </a:r>
           </a:p>
           <a:p>
             <a:pPr lvl="4"/>
             <a:r>
-              <a:rPr lang="en-US" smtClean="0"/>
+              <a:rPr lang="en-US"/>
               <a:t>Fifth level</a:t>
             </a:r>
-            <a:endParaRPr lang="en-US"/>
           </a:p>
         </p:txBody>
       </p:sp>
@@ -1786,7 +2143,7 @@
           <a:p>
             <a:fld id="{E69A4D3A-6EF8-7448-AC6F-AD52FEDAA6A8}" type="datetimeFigureOut">
               <a:rPr lang="en-US" smtClean="0"/>
-              <a:t>9/12/15</a:t>
+              <a:t>2/21/2021</a:t>
             </a:fld>
             <a:endParaRPr lang="en-US" dirty="0"/>
           </a:p>
@@ -1880,10 +2237,9 @@
           <a:lstStyle/>
           <a:p>
             <a:r>
-              <a:rPr lang="en-US" smtClean="0"/>
+              <a:rPr lang="en-US"/>
               <a:t>Click to edit Master title style</a:t>
             </a:r>
-            <a:endParaRPr lang="en-US"/>
           </a:p>
         </p:txBody>
       </p:sp>
@@ -1904,38 +2260,37 @@
           <a:p>
             <a:pPr lvl="0"/>
             <a:r>
-              <a:rPr lang="en-US" smtClean="0"/>
+              <a:rPr lang="en-US"/>
               <a:t>Click to edit Master text styles</a:t>
             </a:r>
           </a:p>
           <a:p>
             <a:pPr lvl="1"/>
             <a:r>
-              <a:rPr lang="en-US" smtClean="0"/>
+              <a:rPr lang="en-US"/>
               <a:t>Second level</a:t>
             </a:r>
           </a:p>
           <a:p>
             <a:pPr lvl="2"/>
             <a:r>
-              <a:rPr lang="en-US" smtClean="0"/>
+              <a:rPr lang="en-US"/>
               <a:t>Third level</a:t>
             </a:r>
           </a:p>
           <a:p>
             <a:pPr lvl="3"/>
             <a:r>
-              <a:rPr lang="en-US" smtClean="0"/>
+              <a:rPr lang="en-US"/>
               <a:t>Fourth level</a:t>
             </a:r>
           </a:p>
           <a:p>
             <a:pPr lvl="4"/>
             <a:r>
-              <a:rPr lang="en-US" smtClean="0"/>
+              <a:rPr lang="en-US"/>
               <a:t>Fifth level</a:t>
             </a:r>
-            <a:endParaRPr lang="en-US"/>
           </a:p>
         </p:txBody>
       </p:sp>
@@ -1956,7 +2311,7 @@
           <a:p>
             <a:fld id="{E69A4D3A-6EF8-7448-AC6F-AD52FEDAA6A8}" type="datetimeFigureOut">
               <a:rPr lang="en-US" smtClean="0"/>
-              <a:t>9/12/15</a:t>
+              <a:t>2/21/2021</a:t>
             </a:fld>
             <a:endParaRPr lang="en-US" dirty="0"/>
           </a:p>
@@ -2059,10 +2414,9 @@
           </a:lstStyle>
           <a:p>
             <a:r>
-              <a:rPr lang="en-US" smtClean="0"/>
+              <a:rPr lang="en-US"/>
               <a:t>Click to edit Master title style</a:t>
             </a:r>
-            <a:endParaRPr lang="en-US"/>
           </a:p>
         </p:txBody>
       </p:sp>
@@ -2179,7 +2533,7 @@
           <a:p>
             <a:pPr lvl="0"/>
             <a:r>
-              <a:rPr lang="en-US" smtClean="0"/>
+              <a:rPr lang="en-US"/>
               <a:t>Click to edit Master text styles</a:t>
             </a:r>
           </a:p>
@@ -2202,7 +2556,7 @@
           <a:p>
             <a:fld id="{E69A4D3A-6EF8-7448-AC6F-AD52FEDAA6A8}" type="datetimeFigureOut">
               <a:rPr lang="en-US" smtClean="0"/>
-              <a:t>9/12/15</a:t>
+              <a:t>2/21/2021</a:t>
             </a:fld>
             <a:endParaRPr lang="en-US" dirty="0"/>
           </a:p>
@@ -2296,10 +2650,9 @@
           <a:lstStyle/>
           <a:p>
             <a:r>
-              <a:rPr lang="en-US" smtClean="0"/>
+              <a:rPr lang="en-US"/>
               <a:t>Click to edit Master title style</a:t>
             </a:r>
-            <a:endParaRPr lang="en-US"/>
           </a:p>
         </p:txBody>
       </p:sp>
@@ -2353,38 +2706,37 @@
           <a:p>
             <a:pPr lvl="0"/>
             <a:r>
-              <a:rPr lang="en-US" smtClean="0"/>
+              <a:rPr lang="en-US"/>
               <a:t>Click to edit Master text styles</a:t>
             </a:r>
           </a:p>
           <a:p>
             <a:pPr lvl="1"/>
             <a:r>
-              <a:rPr lang="en-US" smtClean="0"/>
+              <a:rPr lang="en-US"/>
               <a:t>Second level</a:t>
             </a:r>
           </a:p>
           <a:p>
             <a:pPr lvl="2"/>
             <a:r>
-              <a:rPr lang="en-US" smtClean="0"/>
+              <a:rPr lang="en-US"/>
               <a:t>Third level</a:t>
             </a:r>
           </a:p>
           <a:p>
             <a:pPr lvl="3"/>
             <a:r>
-              <a:rPr lang="en-US" smtClean="0"/>
+              <a:rPr lang="en-US"/>
               <a:t>Fourth level</a:t>
             </a:r>
           </a:p>
           <a:p>
             <a:pPr lvl="4"/>
             <a:r>
-              <a:rPr lang="en-US" smtClean="0"/>
+              <a:rPr lang="en-US"/>
               <a:t>Fifth level</a:t>
             </a:r>
-            <a:endParaRPr lang="en-US"/>
           </a:p>
         </p:txBody>
       </p:sp>
@@ -2438,38 +2790,37 @@
           <a:p>
             <a:pPr lvl="0"/>
             <a:r>
-              <a:rPr lang="en-US" smtClean="0"/>
+              <a:rPr lang="en-US"/>
               <a:t>Click to edit Master text styles</a:t>
             </a:r>
           </a:p>
           <a:p>
             <a:pPr lvl="1"/>
             <a:r>
-              <a:rPr lang="en-US" smtClean="0"/>
+              <a:rPr lang="en-US"/>
               <a:t>Second level</a:t>
             </a:r>
           </a:p>
           <a:p>
             <a:pPr lvl="2"/>
             <a:r>
-              <a:rPr lang="en-US" smtClean="0"/>
+              <a:rPr lang="en-US"/>
               <a:t>Third level</a:t>
             </a:r>
           </a:p>
           <a:p>
             <a:pPr lvl="3"/>
             <a:r>
-              <a:rPr lang="en-US" smtClean="0"/>
+              <a:rPr lang="en-US"/>
               <a:t>Fourth level</a:t>
             </a:r>
           </a:p>
           <a:p>
             <a:pPr lvl="4"/>
             <a:r>
-              <a:rPr lang="en-US" smtClean="0"/>
+              <a:rPr lang="en-US"/>
               <a:t>Fifth level</a:t>
             </a:r>
-            <a:endParaRPr lang="en-US"/>
           </a:p>
         </p:txBody>
       </p:sp>
@@ -2490,7 +2841,7 @@
           <a:p>
             <a:fld id="{E69A4D3A-6EF8-7448-AC6F-AD52FEDAA6A8}" type="datetimeFigureOut">
               <a:rPr lang="en-US" smtClean="0"/>
-              <a:t>9/12/15</a:t>
+              <a:t>2/21/2021</a:t>
             </a:fld>
             <a:endParaRPr lang="en-US" dirty="0"/>
           </a:p>
@@ -2588,10 +2939,9 @@
           </a:lstStyle>
           <a:p>
             <a:r>
-              <a:rPr lang="en-US" smtClean="0"/>
+              <a:rPr lang="en-US"/>
               <a:t>Click to edit Master title style</a:t>
             </a:r>
-            <a:endParaRPr lang="en-US"/>
           </a:p>
         </p:txBody>
       </p:sp>
@@ -2654,7 +3004,7 @@
           <a:p>
             <a:pPr lvl="0"/>
             <a:r>
-              <a:rPr lang="en-US" smtClean="0"/>
+              <a:rPr lang="en-US"/>
               <a:t>Click to edit Master text styles</a:t>
             </a:r>
           </a:p>
@@ -2710,38 +3060,37 @@
           <a:p>
             <a:pPr lvl="0"/>
             <a:r>
-              <a:rPr lang="en-US" smtClean="0"/>
+              <a:rPr lang="en-US"/>
               <a:t>Click to edit Master text styles</a:t>
             </a:r>
           </a:p>
           <a:p>
             <a:pPr lvl="1"/>
             <a:r>
-              <a:rPr lang="en-US" smtClean="0"/>
+              <a:rPr lang="en-US"/>
               <a:t>Second level</a:t>
             </a:r>
           </a:p>
           <a:p>
             <a:pPr lvl="2"/>
             <a:r>
-              <a:rPr lang="en-US" smtClean="0"/>
+              <a:rPr lang="en-US"/>
               <a:t>Third level</a:t>
             </a:r>
           </a:p>
           <a:p>
             <a:pPr lvl="3"/>
             <a:r>
-              <a:rPr lang="en-US" smtClean="0"/>
+              <a:rPr lang="en-US"/>
               <a:t>Fourth level</a:t>
             </a:r>
           </a:p>
           <a:p>
             <a:pPr lvl="4"/>
             <a:r>
-              <a:rPr lang="en-US" smtClean="0"/>
+              <a:rPr lang="en-US"/>
               <a:t>Fifth level</a:t>
             </a:r>
-            <a:endParaRPr lang="en-US"/>
           </a:p>
         </p:txBody>
       </p:sp>
@@ -2804,7 +3153,7 @@
           <a:p>
             <a:pPr lvl="0"/>
             <a:r>
-              <a:rPr lang="en-US" smtClean="0"/>
+              <a:rPr lang="en-US"/>
               <a:t>Click to edit Master text styles</a:t>
             </a:r>
           </a:p>
@@ -2860,38 +3209,37 @@
           <a:p>
             <a:pPr lvl="0"/>
             <a:r>
-              <a:rPr lang="en-US" smtClean="0"/>
+              <a:rPr lang="en-US"/>
               <a:t>Click to edit Master text styles</a:t>
             </a:r>
           </a:p>
           <a:p>
             <a:pPr lvl="1"/>
             <a:r>
-              <a:rPr lang="en-US" smtClean="0"/>
+              <a:rPr lang="en-US"/>
               <a:t>Second level</a:t>
             </a:r>
           </a:p>
           <a:p>
             <a:pPr lvl="2"/>
             <a:r>
-              <a:rPr lang="en-US" smtClean="0"/>
+              <a:rPr lang="en-US"/>
               <a:t>Third level</a:t>
             </a:r>
           </a:p>
           <a:p>
             <a:pPr lvl="3"/>
             <a:r>
-              <a:rPr lang="en-US" smtClean="0"/>
+              <a:rPr lang="en-US"/>
               <a:t>Fourth level</a:t>
             </a:r>
           </a:p>
           <a:p>
             <a:pPr lvl="4"/>
             <a:r>
-              <a:rPr lang="en-US" smtClean="0"/>
+              <a:rPr lang="en-US"/>
               <a:t>Fifth level</a:t>
             </a:r>
-            <a:endParaRPr lang="en-US"/>
           </a:p>
         </p:txBody>
       </p:sp>
@@ -2912,7 +3260,7 @@
           <a:p>
             <a:fld id="{E69A4D3A-6EF8-7448-AC6F-AD52FEDAA6A8}" type="datetimeFigureOut">
               <a:rPr lang="en-US" smtClean="0"/>
-              <a:t>9/12/15</a:t>
+              <a:t>2/21/2021</a:t>
             </a:fld>
             <a:endParaRPr lang="en-US" dirty="0"/>
           </a:p>
@@ -3006,10 +3354,9 @@
           <a:lstStyle/>
           <a:p>
             <a:r>
-              <a:rPr lang="en-US" smtClean="0"/>
+              <a:rPr lang="en-US"/>
               <a:t>Click to edit Master title style</a:t>
             </a:r>
-            <a:endParaRPr lang="en-US"/>
           </a:p>
         </p:txBody>
       </p:sp>
@@ -3030,7 +3377,7 @@
           <a:p>
             <a:fld id="{E69A4D3A-6EF8-7448-AC6F-AD52FEDAA6A8}" type="datetimeFigureOut">
               <a:rPr lang="en-US" smtClean="0"/>
-              <a:t>9/12/15</a:t>
+              <a:t>2/21/2021</a:t>
             </a:fld>
             <a:endParaRPr lang="en-US" dirty="0"/>
           </a:p>
@@ -3125,7 +3472,7 @@
           <a:p>
             <a:fld id="{E69A4D3A-6EF8-7448-AC6F-AD52FEDAA6A8}" type="datetimeFigureOut">
               <a:rPr lang="en-US" smtClean="0"/>
-              <a:t>9/12/15</a:t>
+              <a:t>2/21/2021</a:t>
             </a:fld>
             <a:endParaRPr lang="en-US" dirty="0"/>
           </a:p>
@@ -3228,10 +3575,9 @@
           </a:lstStyle>
           <a:p>
             <a:r>
-              <a:rPr lang="en-US" smtClean="0"/>
+              <a:rPr lang="en-US"/>
               <a:t>Click to edit Master title style</a:t>
             </a:r>
-            <a:endParaRPr lang="en-US"/>
           </a:p>
         </p:txBody>
       </p:sp>
@@ -3285,38 +3631,37 @@
           <a:p>
             <a:pPr lvl="0"/>
             <a:r>
-              <a:rPr lang="en-US" smtClean="0"/>
+              <a:rPr lang="en-US"/>
               <a:t>Click to edit Master text styles</a:t>
             </a:r>
           </a:p>
           <a:p>
             <a:pPr lvl="1"/>
             <a:r>
-              <a:rPr lang="en-US" smtClean="0"/>
+              <a:rPr lang="en-US"/>
               <a:t>Second level</a:t>
             </a:r>
           </a:p>
           <a:p>
             <a:pPr lvl="2"/>
             <a:r>
-              <a:rPr lang="en-US" smtClean="0"/>
+              <a:rPr lang="en-US"/>
               <a:t>Third level</a:t>
             </a:r>
           </a:p>
           <a:p>
             <a:pPr lvl="3"/>
             <a:r>
-              <a:rPr lang="en-US" smtClean="0"/>
+              <a:rPr lang="en-US"/>
               <a:t>Fourth level</a:t>
             </a:r>
           </a:p>
           <a:p>
             <a:pPr lvl="4"/>
             <a:r>
-              <a:rPr lang="en-US" smtClean="0"/>
+              <a:rPr lang="en-US"/>
               <a:t>Fifth level</a:t>
             </a:r>
-            <a:endParaRPr lang="en-US"/>
           </a:p>
         </p:txBody>
       </p:sp>
@@ -3379,7 +3724,7 @@
           <a:p>
             <a:pPr lvl="0"/>
             <a:r>
-              <a:rPr lang="en-US" smtClean="0"/>
+              <a:rPr lang="en-US"/>
               <a:t>Click to edit Master text styles</a:t>
             </a:r>
           </a:p>
@@ -3402,7 +3747,7 @@
           <a:p>
             <a:fld id="{E69A4D3A-6EF8-7448-AC6F-AD52FEDAA6A8}" type="datetimeFigureOut">
               <a:rPr lang="en-US" smtClean="0"/>
-              <a:t>9/12/15</a:t>
+              <a:t>2/21/2021</a:t>
             </a:fld>
             <a:endParaRPr lang="en-US" dirty="0"/>
           </a:p>
@@ -3505,10 +3850,9 @@
           </a:lstStyle>
           <a:p>
             <a:r>
-              <a:rPr lang="en-US" smtClean="0"/>
+              <a:rPr lang="en-US"/>
               <a:t>Click to edit Master title style</a:t>
             </a:r>
-            <a:endParaRPr lang="en-US"/>
           </a:p>
         </p:txBody>
       </p:sp>
@@ -3570,10 +3914,9 @@
           </a:lstStyle>
           <a:p>
             <a:r>
-              <a:rPr lang="en-US" dirty="0" smtClean="0"/>
+              <a:rPr lang="en-US" dirty="0"/>
               <a:t>Drag picture to placeholder or click icon to add</a:t>
             </a:r>
-            <a:endParaRPr lang="en-US" dirty="0"/>
           </a:p>
         </p:txBody>
       </p:sp>
@@ -3636,7 +3979,7 @@
           <a:p>
             <a:pPr lvl="0"/>
             <a:r>
-              <a:rPr lang="en-US" smtClean="0"/>
+              <a:rPr lang="en-US"/>
               <a:t>Click to edit Master text styles</a:t>
             </a:r>
           </a:p>
@@ -3659,7 +4002,7 @@
           <a:p>
             <a:fld id="{E69A4D3A-6EF8-7448-AC6F-AD52FEDAA6A8}" type="datetimeFigureOut">
               <a:rPr lang="en-US" smtClean="0"/>
-              <a:t>9/12/15</a:t>
+              <a:t>2/21/2021</a:t>
             </a:fld>
             <a:endParaRPr lang="en-US" dirty="0"/>
           </a:p>
@@ -3773,10 +4116,9 @@
           <a:lstStyle/>
           <a:p>
             <a:r>
-              <a:rPr lang="en-US" smtClean="0"/>
+              <a:rPr lang="en-US"/>
               <a:t>Click to edit Master title style</a:t>
             </a:r>
-            <a:endParaRPr lang="en-US"/>
           </a:p>
         </p:txBody>
       </p:sp>
@@ -3807,38 +4149,37 @@
           <a:p>
             <a:pPr lvl="0"/>
             <a:r>
-              <a:rPr lang="en-US" smtClean="0"/>
+              <a:rPr lang="en-US"/>
               <a:t>Click to edit Master text styles</a:t>
             </a:r>
           </a:p>
           <a:p>
             <a:pPr lvl="1"/>
             <a:r>
-              <a:rPr lang="en-US" smtClean="0"/>
+              <a:rPr lang="en-US"/>
               <a:t>Second level</a:t>
             </a:r>
           </a:p>
           <a:p>
             <a:pPr lvl="2"/>
             <a:r>
-              <a:rPr lang="en-US" smtClean="0"/>
+              <a:rPr lang="en-US"/>
               <a:t>Third level</a:t>
             </a:r>
           </a:p>
           <a:p>
             <a:pPr lvl="3"/>
             <a:r>
-              <a:rPr lang="en-US" smtClean="0"/>
+              <a:rPr lang="en-US"/>
               <a:t>Fourth level</a:t>
             </a:r>
           </a:p>
           <a:p>
             <a:pPr lvl="4"/>
             <a:r>
-              <a:rPr lang="en-US" smtClean="0"/>
+              <a:rPr lang="en-US"/>
               <a:t>Fifth level</a:t>
             </a:r>
-            <a:endParaRPr lang="en-US"/>
           </a:p>
         </p:txBody>
       </p:sp>
@@ -3877,7 +4218,7 @@
           <a:p>
             <a:fld id="{E69A4D3A-6EF8-7448-AC6F-AD52FEDAA6A8}" type="datetimeFigureOut">
               <a:rPr lang="en-US" smtClean="0"/>
-              <a:t>9/12/15</a:t>
+              <a:t>2/21/2021</a:t>
             </a:fld>
             <a:endParaRPr lang="en-US" dirty="0"/>
           </a:p>
@@ -4284,7 +4625,7 @@
           <a:noFill/>
           <a:extLst>
             <a:ext uri="{909E8E84-426E-40dd-AFC4-6F175D3DCCD1}">
-              <a14:hiddenFill xmlns:a14="http://schemas.microsoft.com/office/drawing/2010/main">
+              <a14:hiddenFill xmlns:a14="http://schemas.microsoft.com/office/drawing/2010/main" xmlns="">
                 <a:solidFill>
                   <a:srgbClr val="FFFFFF"/>
                 </a:solidFill>
@@ -4316,90 +4657,49 @@
           <a:lstStyle/>
           <a:p>
             <a:r>
-              <a:rPr lang="en-US" sz="2400" dirty="0" smtClean="0">
+              <a:rPr lang="en-US" sz="2400" dirty="0">
                 <a:solidFill>
                   <a:srgbClr val="FF0000"/>
                 </a:solidFill>
               </a:rPr>
-              <a:t>Run 2 out </a:t>
-            </a:r>
-            <a:r>
-              <a:rPr lang="en-US" sz="2400" smtClean="0">
-                <a:solidFill>
-                  <a:srgbClr val="FF0000"/>
-                </a:solidFill>
-              </a:rPr>
-              <a:t>of 7</a:t>
-            </a:r>
-            <a:r>
-              <a:rPr lang="en-US" sz="2400" dirty="0" smtClean="0">
-                <a:solidFill>
-                  <a:srgbClr val="FF0000"/>
-                </a:solidFill>
-              </a:rPr>
-              <a:t/>
+              <a:t>Run 2 out of 7</a:t>
             </a:r>
             <a:br>
-              <a:rPr lang="en-US" sz="2400" dirty="0" smtClean="0">
+              <a:rPr lang="en-US" sz="2400" dirty="0">
                 <a:solidFill>
                   <a:srgbClr val="FF0000"/>
                 </a:solidFill>
               </a:rPr>
             </a:br>
             <a:r>
-              <a:rPr lang="en-US" sz="5400" dirty="0" smtClean="0"/>
+              <a:rPr lang="en-US" sz="5400" dirty="0"/>
               <a:t>Runway Task (1/3)</a:t>
-            </a:r>
-            <a:br>
-              <a:rPr lang="en-US" sz="5400" dirty="0" smtClean="0"/>
-            </a:br>
-            <a:r>
-              <a:rPr lang="en-US" sz="5400" dirty="0"/>
-              <a:t/>
             </a:r>
             <a:br>
               <a:rPr lang="en-US" sz="5400" dirty="0"/>
             </a:br>
-            <a:r>
-              <a:rPr lang="en-US" sz="5400" dirty="0" smtClean="0"/>
-              <a:t/>
-            </a:r>
-            <a:br>
-              <a:rPr lang="en-US" sz="5400" dirty="0" smtClean="0"/>
-            </a:br>
-            <a:r>
-              <a:rPr lang="en-US" sz="5400" dirty="0"/>
-              <a:t/>
-            </a:r>
             <a:br>
               <a:rPr lang="en-US" sz="5400" dirty="0"/>
             </a:br>
-            <a:r>
-              <a:rPr lang="en-US" sz="5400" dirty="0" smtClean="0"/>
-              <a:t/>
-            </a:r>
             <a:br>
-              <a:rPr lang="en-US" sz="5400" dirty="0" smtClean="0"/>
+              <a:rPr lang="en-US" sz="5400" dirty="0"/>
             </a:br>
-            <a:r>
-              <a:rPr lang="en-US" sz="5400" dirty="0" smtClean="0"/>
-              <a:t/>
-            </a:r>
             <a:br>
-              <a:rPr lang="en-US" sz="5400" dirty="0" smtClean="0"/>
+              <a:rPr lang="en-US" sz="5400" dirty="0"/>
             </a:br>
-            <a:r>
-              <a:rPr lang="en-US" sz="2400" dirty="0"/>
-              <a:t/>
-            </a:r>
+            <a:br>
+              <a:rPr lang="en-US" sz="5400" dirty="0"/>
+            </a:br>
+            <a:br>
+              <a:rPr lang="en-US" sz="5400" dirty="0"/>
+            </a:br>
             <a:br>
               <a:rPr lang="en-US" sz="2400" dirty="0"/>
             </a:br>
             <a:r>
-              <a:rPr lang="en-US" sz="2400" dirty="0" smtClean="0"/>
+              <a:rPr lang="en-US" sz="2400" dirty="0"/>
               <a:t>You will be completing this task 3 times</a:t>
             </a:r>
-            <a:endParaRPr lang="en-US" sz="2400" dirty="0"/>
           </a:p>
         </p:txBody>
       </p:sp>
@@ -4581,7 +4881,7 @@
           </a:lstStyle>
           <a:p>
             <a:r>
-              <a:rPr lang="en-US" sz="1600" dirty="0" smtClean="0">
+              <a:rPr lang="en-US" sz="1600" dirty="0">
                 <a:solidFill>
                   <a:schemeClr val="bg2">
                     <a:lumMod val="20000"/>
@@ -4591,14 +4891,6 @@
               </a:rPr>
               <a:t>TRIGGER</a:t>
             </a:r>
-            <a:endParaRPr lang="en-US" sz="1600" dirty="0">
-              <a:solidFill>
-                <a:schemeClr val="bg2">
-                  <a:lumMod val="20000"/>
-                  <a:lumOff val="80000"/>
-                </a:schemeClr>
-              </a:solidFill>
-            </a:endParaRPr>
           </a:p>
         </p:txBody>
       </p:sp>
@@ -4679,34 +4971,13 @@
           </a:lstStyle>
           <a:p>
             <a:r>
-              <a:rPr lang="en-US" sz="3000" dirty="0" smtClean="0">
+              <a:rPr lang="en-US" sz="3000" dirty="0">
                 <a:solidFill>
                   <a:srgbClr val="FF0000"/>
                 </a:solidFill>
               </a:rPr>
-              <a:t>PRESS THE </a:t>
-            </a:r>
-            <a:r>
-              <a:rPr lang="en-US" sz="3000" dirty="0">
-                <a:solidFill>
-                  <a:srgbClr val="FF0000"/>
-                </a:solidFill>
-              </a:rPr>
-              <a:t>TRIGGER BUTTON </a:t>
-            </a:r>
-            <a:r>
-              <a:rPr lang="en-US" sz="3000" dirty="0" smtClean="0">
-                <a:solidFill>
-                  <a:srgbClr val="FF0000"/>
-                </a:solidFill>
-              </a:rPr>
-              <a:t>TO CONTINUE</a:t>
-            </a:r>
-            <a:endParaRPr lang="en-US" sz="3000" dirty="0">
-              <a:solidFill>
-                <a:srgbClr val="FF0000"/>
-              </a:solidFill>
-            </a:endParaRPr>
+              <a:t>PRESS THE TRIGGER BUTTON TO CONTINUE</a:t>
+            </a:r>
           </a:p>
         </p:txBody>
       </p:sp>
@@ -4738,10 +5009,9 @@
           <a:lstStyle/>
           <a:p>
             <a:r>
-              <a:rPr lang="en-US" b="1" dirty="0" smtClean="0"/>
+              <a:rPr lang="en-US" b="1" dirty="0"/>
               <a:t>Top Button</a:t>
             </a:r>
-            <a:endParaRPr lang="en-US" b="1" dirty="0"/>
           </a:p>
         </p:txBody>
       </p:sp>
@@ -4773,10 +5043,9 @@
           <a:lstStyle/>
           <a:p>
             <a:r>
-              <a:rPr lang="en-US" b="1" dirty="0" smtClean="0"/>
+              <a:rPr lang="en-US" b="1" dirty="0"/>
               <a:t>Trigger Button</a:t>
             </a:r>
-            <a:endParaRPr lang="en-US" b="1" dirty="0"/>
           </a:p>
         </p:txBody>
       </p:sp>
@@ -4862,17 +5131,10 @@
   <p:clrMapOvr>
     <a:masterClrMapping/>
   </p:clrMapOvr>
-  <p:timing>
-    <p:tnLst>
-      <p:par>
-        <p:cTn xmlns:p14="http://schemas.microsoft.com/office/powerpoint/2010/main" id="1" dur="indefinite" restart="never" nodeType="tmRoot"/>
-      </p:par>
-    </p:tnLst>
-  </p:timing>
 </p:sld>
 </file>
 
-<file path=ppt/slides/slide2.xml><?xml version="1.0" encoding="utf-8"?>
+<file path=ppt/slides/slide10.xml><?xml version="1.0" encoding="utf-8"?>
 <p:sld xmlns:a="http://schemas.openxmlformats.org/drawingml/2006/main" xmlns:r="http://schemas.openxmlformats.org/officeDocument/2006/relationships" xmlns:p="http://schemas.openxmlformats.org/presentationml/2006/main">
   <p:cSld>
     <p:spTree>
@@ -4889,20 +5151,61 @@
           <a:chExt cx="0" cy="0"/>
         </a:xfrm>
       </p:grpSpPr>
-      <p:sp>
-        <p:nvSpPr>
-          <p:cNvPr id="3" name="Content Placeholder 2"/>
+      <p:pic>
+        <p:nvPicPr>
+          <p:cNvPr id="1026" name="Picture 2" descr="Tethyx"/>
+          <p:cNvPicPr>
+            <a:picLocks noChangeAspect="1" noChangeArrowheads="1"/>
+          </p:cNvPicPr>
+          <p:nvPr/>
+        </p:nvPicPr>
+        <p:blipFill>
+          <a:blip r:embed="rId3">
+            <a:extLst>
+              <a:ext uri="{28A0092B-C50C-407E-A947-70E740481C1C}">
+                <a14:useLocalDpi xmlns:a14="http://schemas.microsoft.com/office/drawing/2010/main" val="0"/>
+              </a:ext>
+            </a:extLst>
+          </a:blip>
+          <a:srcRect/>
+          <a:stretch>
+            <a:fillRect/>
+          </a:stretch>
+        </p:blipFill>
+        <p:spPr bwMode="auto">
+          <a:xfrm flipH="1">
+            <a:off x="3029361" y="2566455"/>
+            <a:ext cx="3123397" cy="3127306"/>
+          </a:xfrm>
+          <a:prstGeom prst="rect">
+            <a:avLst/>
+          </a:prstGeom>
+          <a:noFill/>
+          <a:extLst>
+            <a:ext uri="{909E8E84-426E-40dd-AFC4-6F175D3DCCD1}">
+              <a14:hiddenFill xmlns:a14="http://schemas.microsoft.com/office/drawing/2010/main" xmlns="">
+                <a:solidFill>
+                  <a:srgbClr val="FFFFFF"/>
+                </a:solidFill>
+              </a14:hiddenFill>
+            </a:ext>
+          </a:extLst>
+        </p:spPr>
+      </p:pic>
+      <p:sp>
+        <p:nvSpPr>
+          <p:cNvPr id="4" name="Title 3"/>
           <p:cNvSpPr>
             <a:spLocks noGrp="1"/>
           </p:cNvSpPr>
           <p:nvPr>
-            <p:ph idx="1"/>
+            <p:ph type="ctrTitle"/>
           </p:nvPr>
         </p:nvSpPr>
         <p:spPr>
           <a:xfrm>
-            <a:off x="18982" y="394180"/>
-            <a:ext cx="9130193" cy="3795806"/>
+            <a:off x="345487" y="422275"/>
+            <a:ext cx="8458200" cy="6052387"/>
           </a:xfrm>
         </p:spPr>
         <p:txBody>
@@ -4911,6 +5214,535 @@
           </a:bodyPr>
           <a:lstStyle/>
           <a:p>
+            <a:r>
+              <a:rPr lang="en-US" sz="5400" dirty="0"/>
+              <a:t>Runway Task</a:t>
+            </a:r>
+            <a:br>
+              <a:rPr lang="en-US" sz="5400" dirty="0"/>
+            </a:br>
+            <a:br>
+              <a:rPr lang="en-US" sz="5400" dirty="0"/>
+            </a:br>
+            <a:br>
+              <a:rPr lang="en-US" sz="5400" dirty="0"/>
+            </a:br>
+            <a:br>
+              <a:rPr lang="en-US" sz="5400" dirty="0"/>
+            </a:br>
+            <a:br>
+              <a:rPr lang="en-US" sz="5400" dirty="0"/>
+            </a:br>
+            <a:br>
+              <a:rPr lang="en-US" sz="2400" dirty="0"/>
+            </a:br>
+            <a:br>
+              <a:rPr lang="en-US" sz="2400" dirty="0"/>
+            </a:br>
+            <a:endParaRPr lang="en-US" sz="2400" dirty="0"/>
+          </a:p>
+        </p:txBody>
+      </p:sp>
+      <p:sp>
+        <p:nvSpPr>
+          <p:cNvPr id="8" name="Subtitle 8"/>
+          <p:cNvSpPr txBox="1">
+            <a:spLocks/>
+          </p:cNvSpPr>
+          <p:nvPr/>
+        </p:nvSpPr>
+        <p:spPr>
+          <a:xfrm>
+            <a:off x="7616345" y="6073844"/>
+            <a:ext cx="1532830" cy="801636"/>
+          </a:xfrm>
+          <a:prstGeom prst="rect">
+            <a:avLst/>
+          </a:prstGeom>
+        </p:spPr>
+        <p:txBody>
+          <a:bodyPr vert="horz" lIns="91440" tIns="45720" rIns="91440" bIns="45720" rtlCol="0">
+            <a:normAutofit/>
+          </a:bodyPr>
+          <a:lstStyle>
+            <a:lvl1pPr marL="0" indent="0" algn="ctr" defTabSz="914400" rtl="0" eaLnBrk="1" latinLnBrk="0" hangingPunct="1">
+              <a:spcBef>
+                <a:spcPct val="20000"/>
+              </a:spcBef>
+              <a:buFont typeface="Arial" pitchFamily="34" charset="0"/>
+              <a:buNone/>
+              <a:defRPr sz="3200" kern="1200">
+                <a:solidFill>
+                  <a:schemeClr val="tx1">
+                    <a:tint val="75000"/>
+                  </a:schemeClr>
+                </a:solidFill>
+                <a:latin typeface="+mn-lt"/>
+                <a:ea typeface="+mn-ea"/>
+                <a:cs typeface="+mn-cs"/>
+              </a:defRPr>
+            </a:lvl1pPr>
+            <a:lvl2pPr marL="457200" indent="0" algn="ctr" defTabSz="914400" rtl="0" eaLnBrk="1" latinLnBrk="0" hangingPunct="1">
+              <a:spcBef>
+                <a:spcPct val="20000"/>
+              </a:spcBef>
+              <a:buFont typeface="Arial" pitchFamily="34" charset="0"/>
+              <a:buNone/>
+              <a:defRPr sz="2800" kern="1200">
+                <a:solidFill>
+                  <a:schemeClr val="tx1">
+                    <a:tint val="75000"/>
+                  </a:schemeClr>
+                </a:solidFill>
+                <a:latin typeface="+mn-lt"/>
+                <a:ea typeface="+mn-ea"/>
+                <a:cs typeface="+mn-cs"/>
+              </a:defRPr>
+            </a:lvl2pPr>
+            <a:lvl3pPr marL="914400" indent="0" algn="ctr" defTabSz="914400" rtl="0" eaLnBrk="1" latinLnBrk="0" hangingPunct="1">
+              <a:spcBef>
+                <a:spcPct val="20000"/>
+              </a:spcBef>
+              <a:buFont typeface="Arial" pitchFamily="34" charset="0"/>
+              <a:buNone/>
+              <a:defRPr sz="2400" kern="1200">
+                <a:solidFill>
+                  <a:schemeClr val="tx1">
+                    <a:tint val="75000"/>
+                  </a:schemeClr>
+                </a:solidFill>
+                <a:latin typeface="+mn-lt"/>
+                <a:ea typeface="+mn-ea"/>
+                <a:cs typeface="+mn-cs"/>
+              </a:defRPr>
+            </a:lvl3pPr>
+            <a:lvl4pPr marL="1371600" indent="0" algn="ctr" defTabSz="914400" rtl="0" eaLnBrk="1" latinLnBrk="0" hangingPunct="1">
+              <a:spcBef>
+                <a:spcPct val="20000"/>
+              </a:spcBef>
+              <a:buFont typeface="Arial" pitchFamily="34" charset="0"/>
+              <a:buNone/>
+              <a:defRPr sz="2000" kern="1200">
+                <a:solidFill>
+                  <a:schemeClr val="tx1">
+                    <a:tint val="75000"/>
+                  </a:schemeClr>
+                </a:solidFill>
+                <a:latin typeface="+mn-lt"/>
+                <a:ea typeface="+mn-ea"/>
+                <a:cs typeface="+mn-cs"/>
+              </a:defRPr>
+            </a:lvl4pPr>
+            <a:lvl5pPr marL="1828800" indent="0" algn="ctr" defTabSz="914400" rtl="0" eaLnBrk="1" latinLnBrk="0" hangingPunct="1">
+              <a:spcBef>
+                <a:spcPct val="20000"/>
+              </a:spcBef>
+              <a:buFont typeface="Arial" pitchFamily="34" charset="0"/>
+              <a:buNone/>
+              <a:defRPr sz="2000" kern="1200">
+                <a:solidFill>
+                  <a:schemeClr val="tx1">
+                    <a:tint val="75000"/>
+                  </a:schemeClr>
+                </a:solidFill>
+                <a:latin typeface="+mn-lt"/>
+                <a:ea typeface="+mn-ea"/>
+                <a:cs typeface="+mn-cs"/>
+              </a:defRPr>
+            </a:lvl5pPr>
+            <a:lvl6pPr marL="2286000" indent="0" algn="ctr" defTabSz="914400" rtl="0" eaLnBrk="1" latinLnBrk="0" hangingPunct="1">
+              <a:spcBef>
+                <a:spcPct val="20000"/>
+              </a:spcBef>
+              <a:buFont typeface="Arial" pitchFamily="34" charset="0"/>
+              <a:buNone/>
+              <a:defRPr sz="2000" kern="1200">
+                <a:solidFill>
+                  <a:schemeClr val="tx1">
+                    <a:tint val="75000"/>
+                  </a:schemeClr>
+                </a:solidFill>
+                <a:latin typeface="+mn-lt"/>
+                <a:ea typeface="+mn-ea"/>
+                <a:cs typeface="+mn-cs"/>
+              </a:defRPr>
+            </a:lvl6pPr>
+            <a:lvl7pPr marL="2743200" indent="0" algn="ctr" defTabSz="914400" rtl="0" eaLnBrk="1" latinLnBrk="0" hangingPunct="1">
+              <a:spcBef>
+                <a:spcPct val="20000"/>
+              </a:spcBef>
+              <a:buFont typeface="Arial" pitchFamily="34" charset="0"/>
+              <a:buNone/>
+              <a:defRPr sz="2000" kern="1200">
+                <a:solidFill>
+                  <a:schemeClr val="tx1">
+                    <a:tint val="75000"/>
+                  </a:schemeClr>
+                </a:solidFill>
+                <a:latin typeface="+mn-lt"/>
+                <a:ea typeface="+mn-ea"/>
+                <a:cs typeface="+mn-cs"/>
+              </a:defRPr>
+            </a:lvl7pPr>
+            <a:lvl8pPr marL="3200400" indent="0" algn="ctr" defTabSz="914400" rtl="0" eaLnBrk="1" latinLnBrk="0" hangingPunct="1">
+              <a:spcBef>
+                <a:spcPct val="20000"/>
+              </a:spcBef>
+              <a:buFont typeface="Arial" pitchFamily="34" charset="0"/>
+              <a:buNone/>
+              <a:defRPr sz="2000" kern="1200">
+                <a:solidFill>
+                  <a:schemeClr val="tx1">
+                    <a:tint val="75000"/>
+                  </a:schemeClr>
+                </a:solidFill>
+                <a:latin typeface="+mn-lt"/>
+                <a:ea typeface="+mn-ea"/>
+                <a:cs typeface="+mn-cs"/>
+              </a:defRPr>
+            </a:lvl8pPr>
+            <a:lvl9pPr marL="3657600" indent="0" algn="ctr" defTabSz="914400" rtl="0" eaLnBrk="1" latinLnBrk="0" hangingPunct="1">
+              <a:spcBef>
+                <a:spcPct val="20000"/>
+              </a:spcBef>
+              <a:buFont typeface="Arial" pitchFamily="34" charset="0"/>
+              <a:buNone/>
+              <a:defRPr sz="2000" kern="1200">
+                <a:solidFill>
+                  <a:schemeClr val="tx1">
+                    <a:tint val="75000"/>
+                  </a:schemeClr>
+                </a:solidFill>
+                <a:latin typeface="+mn-lt"/>
+                <a:ea typeface="+mn-ea"/>
+                <a:cs typeface="+mn-cs"/>
+              </a:defRPr>
+            </a:lvl9pPr>
+          </a:lstStyle>
+          <a:p>
+            <a:r>
+              <a:rPr lang="en-US" sz="1600" dirty="0">
+                <a:solidFill>
+                  <a:schemeClr val="bg2">
+                    <a:lumMod val="20000"/>
+                    <a:lumOff val="80000"/>
+                  </a:schemeClr>
+                </a:solidFill>
+              </a:rPr>
+              <a:t>TRIGGER</a:t>
+            </a:r>
+          </a:p>
+        </p:txBody>
+      </p:sp>
+      <p:sp>
+        <p:nvSpPr>
+          <p:cNvPr id="9" name="Right Arrow 8"/>
+          <p:cNvSpPr/>
+          <p:nvPr/>
+        </p:nvSpPr>
+        <p:spPr>
+          <a:xfrm>
+            <a:off x="8113318" y="6391826"/>
+            <a:ext cx="640200" cy="289763"/>
+          </a:xfrm>
+          <a:prstGeom prst="rightArrow">
+            <a:avLst/>
+          </a:prstGeom>
+        </p:spPr>
+        <p:style>
+          <a:lnRef idx="1">
+            <a:schemeClr val="accent1"/>
+          </a:lnRef>
+          <a:fillRef idx="3">
+            <a:schemeClr val="accent1"/>
+          </a:fillRef>
+          <a:effectRef idx="2">
+            <a:schemeClr val="accent1"/>
+          </a:effectRef>
+          <a:fontRef idx="minor">
+            <a:schemeClr val="lt1"/>
+          </a:fontRef>
+        </p:style>
+        <p:txBody>
+          <a:bodyPr rtlCol="0" anchor="ctr"/>
+          <a:lstStyle/>
+          <a:p>
+            <a:pPr algn="ctr"/>
+            <a:endParaRPr lang="en-US"/>
+          </a:p>
+        </p:txBody>
+      </p:sp>
+      <p:sp>
+        <p:nvSpPr>
+          <p:cNvPr id="10" name="Title 3"/>
+          <p:cNvSpPr txBox="1">
+            <a:spLocks/>
+          </p:cNvSpPr>
+          <p:nvPr/>
+        </p:nvSpPr>
+        <p:spPr>
+          <a:xfrm>
+            <a:off x="0" y="6201294"/>
+            <a:ext cx="9149174" cy="656705"/>
+          </a:xfrm>
+          <a:prstGeom prst="rect">
+            <a:avLst/>
+          </a:prstGeom>
+        </p:spPr>
+        <p:txBody>
+          <a:bodyPr vert="horz" lIns="91440" tIns="45720" rIns="91440" bIns="45720" rtlCol="0" anchor="ctr">
+            <a:normAutofit/>
+          </a:bodyPr>
+          <a:lstStyle>
+            <a:lvl1pPr algn="ctr" defTabSz="914400" rtl="0" eaLnBrk="1" latinLnBrk="0" hangingPunct="1">
+              <a:spcBef>
+                <a:spcPct val="0"/>
+              </a:spcBef>
+              <a:buNone/>
+              <a:defRPr sz="4400" kern="1200">
+                <a:solidFill>
+                  <a:schemeClr val="tx1"/>
+                </a:solidFill>
+                <a:latin typeface="+mj-lt"/>
+                <a:ea typeface="+mj-ea"/>
+                <a:cs typeface="+mj-cs"/>
+              </a:defRPr>
+            </a:lvl1pPr>
+          </a:lstStyle>
+          <a:p>
+            <a:r>
+              <a:rPr lang="en-US" sz="3000" dirty="0">
+                <a:solidFill>
+                  <a:srgbClr val="FF0000"/>
+                </a:solidFill>
+              </a:rPr>
+              <a:t>PRESS THE TRIGGER BUTTON TO CONTINUE</a:t>
+            </a:r>
+          </a:p>
+        </p:txBody>
+      </p:sp>
+      <p:sp>
+        <p:nvSpPr>
+          <p:cNvPr id="11" name="TextBox 10"/>
+          <p:cNvSpPr txBox="1"/>
+          <p:nvPr/>
+        </p:nvSpPr>
+        <p:spPr>
+          <a:xfrm>
+            <a:off x="7152492" y="2284225"/>
+            <a:ext cx="1251815" cy="369332"/>
+          </a:xfrm>
+          <a:prstGeom prst="rect">
+            <a:avLst/>
+          </a:prstGeom>
+          <a:noFill/>
+          <a:ln>
+            <a:solidFill>
+              <a:schemeClr val="tx1"/>
+            </a:solidFill>
+          </a:ln>
+        </p:spPr>
+        <p:txBody>
+          <a:bodyPr wrap="none" rtlCol="0">
+            <a:spAutoFit/>
+          </a:bodyPr>
+          <a:lstStyle/>
+          <a:p>
+            <a:r>
+              <a:rPr lang="en-US" b="1" dirty="0"/>
+              <a:t>Top Button</a:t>
+            </a:r>
+          </a:p>
+        </p:txBody>
+      </p:sp>
+      <p:sp>
+        <p:nvSpPr>
+          <p:cNvPr id="12" name="TextBox 11"/>
+          <p:cNvSpPr txBox="1"/>
+          <p:nvPr/>
+        </p:nvSpPr>
+        <p:spPr>
+          <a:xfrm>
+            <a:off x="840117" y="2284225"/>
+            <a:ext cx="1559742" cy="369332"/>
+          </a:xfrm>
+          <a:prstGeom prst="rect">
+            <a:avLst/>
+          </a:prstGeom>
+          <a:noFill/>
+          <a:ln>
+            <a:solidFill>
+              <a:schemeClr val="tx1"/>
+            </a:solidFill>
+          </a:ln>
+        </p:spPr>
+        <p:txBody>
+          <a:bodyPr wrap="none" rtlCol="0">
+            <a:spAutoFit/>
+          </a:bodyPr>
+          <a:lstStyle/>
+          <a:p>
+            <a:r>
+              <a:rPr lang="en-US" b="1" dirty="0"/>
+              <a:t>Trigger Button</a:t>
+            </a:r>
+          </a:p>
+        </p:txBody>
+      </p:sp>
+      <p:cxnSp>
+        <p:nvCxnSpPr>
+          <p:cNvPr id="13" name="Straight Arrow Connector 12"/>
+          <p:cNvCxnSpPr/>
+          <p:nvPr/>
+        </p:nvCxnSpPr>
+        <p:spPr>
+          <a:xfrm>
+            <a:off x="2399859" y="2480424"/>
+            <a:ext cx="1886391" cy="749951"/>
+          </a:xfrm>
+          <a:prstGeom prst="straightConnector1">
+            <a:avLst/>
+          </a:prstGeom>
+          <a:ln>
+            <a:solidFill>
+              <a:srgbClr val="FF0000"/>
+            </a:solidFill>
+            <a:tailEnd type="arrow"/>
+          </a:ln>
+        </p:spPr>
+        <p:style>
+          <a:lnRef idx="2">
+            <a:schemeClr val="accent1"/>
+          </a:lnRef>
+          <a:fillRef idx="0">
+            <a:schemeClr val="accent1"/>
+          </a:fillRef>
+          <a:effectRef idx="1">
+            <a:schemeClr val="accent1"/>
+          </a:effectRef>
+          <a:fontRef idx="minor">
+            <a:schemeClr val="tx1"/>
+          </a:fontRef>
+        </p:style>
+      </p:cxnSp>
+      <p:cxnSp>
+        <p:nvCxnSpPr>
+          <p:cNvPr id="14" name="Straight Arrow Connector 13"/>
+          <p:cNvCxnSpPr/>
+          <p:nvPr/>
+        </p:nvCxnSpPr>
+        <p:spPr>
+          <a:xfrm flipH="1">
+            <a:off x="5086350" y="2480424"/>
+            <a:ext cx="2066143" cy="327083"/>
+          </a:xfrm>
+          <a:prstGeom prst="straightConnector1">
+            <a:avLst/>
+          </a:prstGeom>
+          <a:ln>
+            <a:solidFill>
+              <a:srgbClr val="FF0000"/>
+            </a:solidFill>
+            <a:tailEnd type="arrow"/>
+          </a:ln>
+        </p:spPr>
+        <p:style>
+          <a:lnRef idx="2">
+            <a:schemeClr val="accent1"/>
+          </a:lnRef>
+          <a:fillRef idx="0">
+            <a:schemeClr val="accent1"/>
+          </a:fillRef>
+          <a:effectRef idx="1">
+            <a:schemeClr val="accent1"/>
+          </a:effectRef>
+          <a:fontRef idx="minor">
+            <a:schemeClr val="tx1"/>
+          </a:fontRef>
+        </p:style>
+      </p:cxnSp>
+    </p:spTree>
+    <p:extLst>
+      <p:ext uri="{BB962C8B-B14F-4D97-AF65-F5344CB8AC3E}">
+        <p14:creationId xmlns:p14="http://schemas.microsoft.com/office/powerpoint/2010/main" val="3444334496"/>
+      </p:ext>
+    </p:extLst>
+  </p:cSld>
+  <p:clrMapOvr>
+    <a:masterClrMapping/>
+  </p:clrMapOvr>
+</p:sld>
+</file>
+
+<file path=ppt/slides/slide11.xml><?xml version="1.0" encoding="utf-8"?>
+<p:sld xmlns:a="http://schemas.openxmlformats.org/drawingml/2006/main" xmlns:r="http://schemas.openxmlformats.org/officeDocument/2006/relationships" xmlns:p="http://schemas.openxmlformats.org/presentationml/2006/main">
+  <p:cSld>
+    <p:spTree>
+      <p:nvGrpSpPr>
+        <p:cNvPr id="1" name=""/>
+        <p:cNvGrpSpPr/>
+        <p:nvPr/>
+      </p:nvGrpSpPr>
+      <p:grpSpPr>
+        <a:xfrm>
+          <a:off x="0" y="0"/>
+          <a:ext cx="0" cy="0"/>
+          <a:chOff x="0" y="0"/>
+          <a:chExt cx="0" cy="0"/>
+        </a:xfrm>
+      </p:grpSpPr>
+      <p:sp>
+        <p:nvSpPr>
+          <p:cNvPr id="3" name="Content Placeholder 2"/>
+          <p:cNvSpPr>
+            <a:spLocks noGrp="1"/>
+          </p:cNvSpPr>
+          <p:nvPr>
+            <p:ph idx="1"/>
+          </p:nvPr>
+        </p:nvSpPr>
+        <p:spPr>
+          <a:xfrm>
+            <a:off x="-5174" y="1470385"/>
+            <a:ext cx="9130193" cy="4745031"/>
+          </a:xfrm>
+        </p:spPr>
+        <p:txBody>
+          <a:bodyPr>
+            <a:normAutofit lnSpcReduction="10000"/>
+          </a:bodyPr>
+          <a:lstStyle/>
+          <a:p>
+            <a:pPr marL="0" indent="0" algn="ctr">
+              <a:spcBef>
+                <a:spcPts val="0"/>
+              </a:spcBef>
+              <a:buNone/>
+            </a:pPr>
+            <a:endParaRPr lang="en-US" sz="2800" dirty="0"/>
+          </a:p>
+          <a:p>
+            <a:pPr marL="0" indent="0" algn="ctr">
+              <a:spcBef>
+                <a:spcPts val="0"/>
+              </a:spcBef>
+              <a:buNone/>
+            </a:pPr>
+            <a:endParaRPr lang="en-US" sz="2800" dirty="0"/>
+          </a:p>
+          <a:p>
+            <a:pPr marL="0" indent="0" algn="ctr">
+              <a:spcBef>
+                <a:spcPts val="0"/>
+              </a:spcBef>
+              <a:buNone/>
+            </a:pPr>
+            <a:r>
+              <a:rPr lang="en-US" sz="2800" dirty="0"/>
+              <a:t>Note that between each trial will be a cross “+”. Keep your focus on this cross when it appears.</a:t>
+            </a:r>
+          </a:p>
+          <a:p>
             <a:pPr marL="0" marR="0" indent="0" algn="ctr">
               <a:spcBef>
                 <a:spcPts val="0"/>
@@ -4920,13 +5752,7 @@
               </a:spcAft>
               <a:buNone/>
             </a:pPr>
-            <a:r>
-              <a:rPr lang="en-US" sz="2600" dirty="0" smtClean="0">
-                <a:ea typeface="Calibri"/>
-                <a:cs typeface="Times New Roman"/>
-              </a:rPr>
-              <a:t>For each runway, there will be two potential outcomes.</a:t>
-            </a:r>
+            <a:endParaRPr lang="en-US" sz="2800" dirty="0"/>
           </a:p>
           <a:p>
             <a:pPr marL="0" marR="0" indent="0" algn="ctr">
@@ -4938,143 +5764,78 @@
               </a:spcAft>
               <a:buNone/>
             </a:pPr>
-            <a:endParaRPr lang="en-US" sz="2600" dirty="0">
+            <a:r>
+              <a:rPr lang="en-US" sz="2800" dirty="0">
+                <a:solidFill>
+                  <a:srgbClr val="FFFF00"/>
+                </a:solidFill>
+              </a:rPr>
+              <a:t>Please let the administrator know now if </a:t>
+            </a:r>
+          </a:p>
+          <a:p>
+            <a:pPr marL="0" marR="0" indent="0" algn="ctr">
+              <a:spcBef>
+                <a:spcPts val="0"/>
+              </a:spcBef>
+              <a:spcAft>
+                <a:spcPts val="0"/>
+              </a:spcAft>
+              <a:buNone/>
+            </a:pPr>
+            <a:r>
+              <a:rPr lang="en-US" sz="2800" dirty="0">
+                <a:solidFill>
+                  <a:srgbClr val="FFFF00"/>
+                </a:solidFill>
+              </a:rPr>
+              <a:t>you have any questions. </a:t>
+            </a:r>
+          </a:p>
+          <a:p>
+            <a:pPr marL="0" indent="0" algn="ctr">
+              <a:spcBef>
+                <a:spcPts val="0"/>
+              </a:spcBef>
+              <a:buNone/>
+            </a:pPr>
+            <a:r>
+              <a:rPr lang="en-US" sz="2800" dirty="0"/>
+              <a:t> </a:t>
+            </a:r>
+          </a:p>
+          <a:p>
+            <a:pPr marL="0" indent="0" algn="ctr">
+              <a:spcBef>
+                <a:spcPts val="0"/>
+              </a:spcBef>
+              <a:buNone/>
+            </a:pPr>
+            <a:r>
+              <a:rPr lang="en-US" sz="4400" dirty="0"/>
+              <a:t>Otherwise press the trigger button when you are ready to begin.</a:t>
+            </a:r>
+          </a:p>
+          <a:p>
+            <a:pPr marL="0" marR="0" indent="0" algn="ctr">
+              <a:spcBef>
+                <a:spcPts val="0"/>
+              </a:spcBef>
+              <a:spcAft>
+                <a:spcPts val="0"/>
+              </a:spcAft>
+              <a:buNone/>
+            </a:pPr>
+            <a:endParaRPr lang="en-US" sz="2800" dirty="0">
               <a:ea typeface="Calibri"/>
               <a:cs typeface="Times New Roman"/>
             </a:endParaRPr>
           </a:p>
-          <a:p>
-            <a:pPr marL="0" marR="0" indent="0" algn="ctr">
-              <a:spcBef>
-                <a:spcPts val="0"/>
-              </a:spcBef>
-              <a:spcAft>
-                <a:spcPts val="0"/>
-              </a:spcAft>
-              <a:buNone/>
-            </a:pPr>
-            <a:r>
-              <a:rPr lang="en-US" sz="2600" dirty="0" smtClean="0">
-                <a:ea typeface="Calibri"/>
-                <a:cs typeface="Times New Roman"/>
-              </a:rPr>
-              <a:t>Each of the two outcomes include:</a:t>
-            </a:r>
-          </a:p>
-          <a:p>
-            <a:pPr algn="ctr">
-              <a:spcBef>
-                <a:spcPts val="0"/>
-              </a:spcBef>
-            </a:pPr>
-            <a:r>
-              <a:rPr lang="en-US" sz="2600" dirty="0" smtClean="0">
-                <a:ea typeface="Calibri"/>
-                <a:cs typeface="Times New Roman"/>
-              </a:rPr>
-              <a:t>a positive or negative image, represented by a sun or cloud.  </a:t>
-            </a:r>
-          </a:p>
-          <a:p>
-            <a:pPr algn="ctr">
-              <a:spcBef>
-                <a:spcPts val="0"/>
-              </a:spcBef>
-            </a:pPr>
-            <a:r>
-              <a:rPr lang="en-US" sz="2600" dirty="0">
-                <a:ea typeface="Calibri"/>
-                <a:cs typeface="Times New Roman"/>
-              </a:rPr>
-              <a:t>r</a:t>
-            </a:r>
-            <a:r>
-              <a:rPr lang="en-US" sz="2600" dirty="0" smtClean="0">
-                <a:ea typeface="Calibri"/>
-                <a:cs typeface="Times New Roman"/>
-              </a:rPr>
-              <a:t>eward cents, represented by the amount of red in the rectangle</a:t>
-            </a:r>
-            <a:r>
-              <a:rPr lang="en-US" sz="2600" b="1" dirty="0" smtClean="0">
-                <a:ea typeface="Calibri"/>
-                <a:cs typeface="Times New Roman"/>
-              </a:rPr>
-              <a:t>.</a:t>
-            </a:r>
-            <a:r>
-              <a:rPr lang="en-US" sz="2600" dirty="0" smtClean="0">
-                <a:ea typeface="Calibri"/>
-                <a:cs typeface="Times New Roman"/>
-              </a:rPr>
-              <a:t> </a:t>
-            </a:r>
-          </a:p>
-          <a:p>
-            <a:pPr marL="0" marR="0" indent="0" algn="ctr">
-              <a:spcBef>
-                <a:spcPts val="0"/>
-              </a:spcBef>
-              <a:spcAft>
-                <a:spcPts val="0"/>
-              </a:spcAft>
-              <a:buNone/>
-            </a:pPr>
-            <a:endParaRPr lang="en-US" sz="2600" dirty="0" smtClean="0">
-              <a:ea typeface="Calibri"/>
-              <a:cs typeface="Times New Roman"/>
-            </a:endParaRPr>
-          </a:p>
-          <a:p>
-            <a:pPr marL="0" marR="0" indent="0" algn="ctr">
-              <a:spcBef>
-                <a:spcPts val="0"/>
-              </a:spcBef>
-              <a:spcAft>
-                <a:spcPts val="0"/>
-              </a:spcAft>
-              <a:buNone/>
-            </a:pPr>
-            <a:endParaRPr lang="en-US" sz="2600" dirty="0" smtClean="0">
-              <a:ea typeface="Calibri"/>
-              <a:cs typeface="Times New Roman"/>
-            </a:endParaRPr>
-          </a:p>
-          <a:p>
-            <a:pPr marL="0" marR="0" indent="0" algn="ctr">
-              <a:spcBef>
-                <a:spcPts val="0"/>
-              </a:spcBef>
-              <a:spcAft>
-                <a:spcPts val="0"/>
-              </a:spcAft>
-              <a:buNone/>
-            </a:pPr>
-            <a:endParaRPr lang="en-US" sz="2600" dirty="0" smtClean="0">
-              <a:ea typeface="Calibri"/>
-              <a:cs typeface="Times New Roman"/>
-            </a:endParaRPr>
-          </a:p>
-          <a:p>
-            <a:pPr marL="0" marR="0" indent="0" algn="ctr">
-              <a:spcBef>
-                <a:spcPts val="0"/>
-              </a:spcBef>
-              <a:spcAft>
-                <a:spcPts val="0"/>
-              </a:spcAft>
-              <a:buNone/>
-            </a:pPr>
-            <a:endParaRPr lang="en-US" sz="2600" dirty="0">
-              <a:ea typeface="Calibri"/>
-              <a:cs typeface="Times New Roman"/>
-            </a:endParaRPr>
-          </a:p>
-        </p:txBody>
-      </p:sp>
-      <p:sp>
-        <p:nvSpPr>
-          <p:cNvPr id="7" name="Subtitle 8"/>
+        </p:txBody>
+      </p:sp>
+      <p:sp>
+        <p:nvSpPr>
+          <p:cNvPr id="8" name="Subtitle 8"/>
           <p:cNvSpPr txBox="1">
             <a:spLocks/>
           </p:cNvSpPr>
@@ -5250,7 +6011,7 @@
           </a:lstStyle>
           <a:p>
             <a:r>
-              <a:rPr lang="en-US" sz="1600" dirty="0" smtClean="0">
+              <a:rPr lang="en-US" sz="1600" dirty="0">
                 <a:solidFill>
                   <a:schemeClr val="bg2">
                     <a:lumMod val="20000"/>
@@ -5260,20 +6021,12 @@
               </a:rPr>
               <a:t>TOP</a:t>
             </a:r>
-            <a:endParaRPr lang="en-US" sz="1600" dirty="0">
-              <a:solidFill>
-                <a:schemeClr val="bg2">
-                  <a:lumMod val="20000"/>
-                  <a:lumOff val="80000"/>
-                </a:schemeClr>
-              </a:solidFill>
-            </a:endParaRPr>
-          </a:p>
-        </p:txBody>
-      </p:sp>
-      <p:sp>
-        <p:nvSpPr>
-          <p:cNvPr id="8" name="Right Arrow 7"/>
+          </a:p>
+        </p:txBody>
+      </p:sp>
+      <p:sp>
+        <p:nvSpPr>
+          <p:cNvPr id="9" name="Right Arrow 8"/>
           <p:cNvSpPr/>
           <p:nvPr/>
         </p:nvSpPr>
@@ -5311,7 +6064,7 @@
       </p:sp>
       <p:sp>
         <p:nvSpPr>
-          <p:cNvPr id="12" name="Subtitle 8"/>
+          <p:cNvPr id="10" name="Subtitle 8"/>
           <p:cNvSpPr txBox="1">
             <a:spLocks/>
           </p:cNvSpPr>
@@ -5487,7 +6240,7 @@
           </a:lstStyle>
           <a:p>
             <a:r>
-              <a:rPr lang="en-US" sz="1600" dirty="0" smtClean="0">
+              <a:rPr lang="en-US" sz="1600" dirty="0">
                 <a:solidFill>
                   <a:schemeClr val="bg2">
                     <a:lumMod val="20000"/>
@@ -5497,20 +6250,12 @@
               </a:rPr>
               <a:t>TRIGGER</a:t>
             </a:r>
-            <a:endParaRPr lang="en-US" sz="1600" dirty="0">
-              <a:solidFill>
-                <a:schemeClr val="bg2">
-                  <a:lumMod val="20000"/>
-                  <a:lumOff val="80000"/>
-                </a:schemeClr>
-              </a:solidFill>
-            </a:endParaRPr>
-          </a:p>
-        </p:txBody>
-      </p:sp>
-      <p:sp>
-        <p:nvSpPr>
-          <p:cNvPr id="13" name="Right Arrow 12"/>
+          </a:p>
+        </p:txBody>
+      </p:sp>
+      <p:sp>
+        <p:nvSpPr>
+          <p:cNvPr id="11" name="Right Arrow 10"/>
           <p:cNvSpPr/>
           <p:nvPr/>
         </p:nvSpPr>
@@ -5548,7 +6293,7 @@
       </p:sp>
       <p:sp>
         <p:nvSpPr>
-          <p:cNvPr id="14" name="Title 3"/>
+          <p:cNvPr id="12" name="Title 3"/>
           <p:cNvSpPr txBox="1">
             <a:spLocks/>
           </p:cNvSpPr>
@@ -5585,34 +6330,2207 @@
           </a:lstStyle>
           <a:p>
             <a:r>
-              <a:rPr lang="en-US" sz="3000" dirty="0" smtClean="0">
+              <a:rPr lang="en-US" sz="3000" dirty="0">
                 <a:solidFill>
                   <a:srgbClr val="FF0000"/>
                 </a:solidFill>
               </a:rPr>
-              <a:t>PRESS THE </a:t>
-            </a:r>
+              <a:t>PRESS THE TRIGGER BUTTON TO CONTINUE</a:t>
+            </a:r>
+          </a:p>
+        </p:txBody>
+      </p:sp>
+      <p:sp>
+        <p:nvSpPr>
+          <p:cNvPr id="13" name="Title 3">
+            <a:extLst>
+              <a:ext uri="{FF2B5EF4-FFF2-40B4-BE49-F238E27FC236}">
+                <a16:creationId xmlns:a16="http://schemas.microsoft.com/office/drawing/2014/main" id="{9BE8F7D2-B2D6-47A8-A159-C0C8A05892EC}"/>
+              </a:ext>
+            </a:extLst>
+          </p:cNvPr>
+          <p:cNvSpPr txBox="1">
+            <a:spLocks/>
+          </p:cNvSpPr>
+          <p:nvPr/>
+        </p:nvSpPr>
+        <p:spPr>
+          <a:xfrm>
+            <a:off x="-5174" y="1362074"/>
+            <a:ext cx="9149174" cy="656705"/>
+          </a:xfrm>
+          <a:prstGeom prst="rect">
+            <a:avLst/>
+          </a:prstGeom>
+        </p:spPr>
+        <p:txBody>
+          <a:bodyPr vert="horz" lIns="91440" tIns="45720" rIns="91440" bIns="45720" rtlCol="0" anchor="ctr">
+            <a:noAutofit/>
+          </a:bodyPr>
+          <a:lstStyle>
+            <a:lvl1pPr algn="ctr" defTabSz="914400" rtl="0" eaLnBrk="1" latinLnBrk="0" hangingPunct="1">
+              <a:spcBef>
+                <a:spcPct val="0"/>
+              </a:spcBef>
+              <a:buNone/>
+              <a:defRPr sz="4400" kern="1200">
+                <a:solidFill>
+                  <a:schemeClr val="tx1"/>
+                </a:solidFill>
+                <a:latin typeface="+mj-lt"/>
+                <a:ea typeface="+mj-ea"/>
+                <a:cs typeface="+mj-cs"/>
+              </a:defRPr>
+            </a:lvl1pPr>
+          </a:lstStyle>
+          <a:p>
+            <a:r>
+              <a:rPr lang="en-US" sz="7200" dirty="0">
+                <a:solidFill>
+                  <a:srgbClr val="FF0000"/>
+                </a:solidFill>
+              </a:rPr>
+              <a:t>This is run 6 of 8</a:t>
+            </a:r>
+          </a:p>
+        </p:txBody>
+      </p:sp>
+    </p:spTree>
+    <p:extLst>
+      <p:ext uri="{BB962C8B-B14F-4D97-AF65-F5344CB8AC3E}">
+        <p14:creationId xmlns:p14="http://schemas.microsoft.com/office/powerpoint/2010/main" val="2997672481"/>
+      </p:ext>
+    </p:extLst>
+  </p:cSld>
+  <p:clrMapOvr>
+    <a:masterClrMapping/>
+  </p:clrMapOvr>
+</p:sld>
+</file>
+
+<file path=ppt/slides/slide12.xml><?xml version="1.0" encoding="utf-8"?>
+<p:sld xmlns:a="http://schemas.openxmlformats.org/drawingml/2006/main" xmlns:r="http://schemas.openxmlformats.org/officeDocument/2006/relationships" xmlns:p="http://schemas.openxmlformats.org/presentationml/2006/main">
+  <p:cSld>
+    <p:spTree>
+      <p:nvGrpSpPr>
+        <p:cNvPr id="1" name=""/>
+        <p:cNvGrpSpPr/>
+        <p:nvPr/>
+      </p:nvGrpSpPr>
+      <p:grpSpPr>
+        <a:xfrm>
+          <a:off x="0" y="0"/>
+          <a:ext cx="0" cy="0"/>
+          <a:chOff x="0" y="0"/>
+          <a:chExt cx="0" cy="0"/>
+        </a:xfrm>
+      </p:grpSpPr>
+      <p:sp>
+        <p:nvSpPr>
+          <p:cNvPr id="3" name="Content Placeholder 2"/>
+          <p:cNvSpPr>
+            <a:spLocks noGrp="1"/>
+          </p:cNvSpPr>
+          <p:nvPr>
+            <p:ph idx="1"/>
+          </p:nvPr>
+        </p:nvSpPr>
+        <p:spPr>
+          <a:xfrm>
+            <a:off x="-5174" y="1470386"/>
+            <a:ext cx="9130193" cy="4305530"/>
+          </a:xfrm>
+        </p:spPr>
+        <p:txBody>
+          <a:bodyPr>
+            <a:normAutofit/>
+          </a:bodyPr>
+          <a:lstStyle/>
+          <a:p>
+            <a:pPr marL="0" indent="0" algn="ctr">
+              <a:spcBef>
+                <a:spcPts val="0"/>
+              </a:spcBef>
+              <a:buNone/>
+            </a:pPr>
+            <a:endParaRPr lang="en-US" sz="2800" dirty="0"/>
+          </a:p>
+          <a:p>
+            <a:pPr marL="0" marR="0" indent="0" algn="ctr">
+              <a:spcBef>
+                <a:spcPts val="0"/>
+              </a:spcBef>
+              <a:spcAft>
+                <a:spcPts val="0"/>
+              </a:spcAft>
+              <a:buNone/>
+            </a:pPr>
+            <a:endParaRPr lang="en-US" sz="2800" dirty="0"/>
+          </a:p>
+          <a:p>
+            <a:pPr marL="0" marR="0" indent="0" algn="ctr">
+              <a:spcBef>
+                <a:spcPts val="0"/>
+              </a:spcBef>
+              <a:spcAft>
+                <a:spcPts val="0"/>
+              </a:spcAft>
+              <a:buNone/>
+            </a:pPr>
+            <a:r>
+              <a:rPr lang="en-US" sz="2800" dirty="0">
+                <a:solidFill>
+                  <a:srgbClr val="FFFF00"/>
+                </a:solidFill>
+              </a:rPr>
+              <a:t>Please let the administrator know now if </a:t>
+            </a:r>
+          </a:p>
+          <a:p>
+            <a:pPr marL="0" marR="0" indent="0" algn="ctr">
+              <a:spcBef>
+                <a:spcPts val="0"/>
+              </a:spcBef>
+              <a:spcAft>
+                <a:spcPts val="0"/>
+              </a:spcAft>
+              <a:buNone/>
+            </a:pPr>
+            <a:r>
+              <a:rPr lang="en-US" sz="2800" dirty="0">
+                <a:solidFill>
+                  <a:srgbClr val="FFFF00"/>
+                </a:solidFill>
+              </a:rPr>
+              <a:t>you have any questions. </a:t>
+            </a:r>
+          </a:p>
+          <a:p>
+            <a:pPr marL="0" indent="0" algn="ctr">
+              <a:spcBef>
+                <a:spcPts val="0"/>
+              </a:spcBef>
+              <a:buNone/>
+            </a:pPr>
+            <a:r>
+              <a:rPr lang="en-US" sz="2800" dirty="0"/>
+              <a:t> </a:t>
+            </a:r>
+          </a:p>
+          <a:p>
+            <a:pPr marL="0" indent="0" algn="ctr">
+              <a:spcBef>
+                <a:spcPts val="0"/>
+              </a:spcBef>
+              <a:buNone/>
+            </a:pPr>
+            <a:r>
+              <a:rPr lang="en-US" sz="4400" dirty="0"/>
+              <a:t>Otherwise press the trigger button when you are ready to begin.</a:t>
+            </a:r>
+          </a:p>
+          <a:p>
+            <a:pPr marL="0" marR="0" indent="0" algn="ctr">
+              <a:spcBef>
+                <a:spcPts val="0"/>
+              </a:spcBef>
+              <a:spcAft>
+                <a:spcPts val="0"/>
+              </a:spcAft>
+              <a:buNone/>
+            </a:pPr>
+            <a:endParaRPr lang="en-US" sz="2800" dirty="0">
+              <a:ea typeface="Calibri"/>
+              <a:cs typeface="Times New Roman"/>
+            </a:endParaRPr>
+          </a:p>
+        </p:txBody>
+      </p:sp>
+      <p:sp>
+        <p:nvSpPr>
+          <p:cNvPr id="8" name="Subtitle 8"/>
+          <p:cNvSpPr txBox="1">
+            <a:spLocks/>
+          </p:cNvSpPr>
+          <p:nvPr/>
+        </p:nvSpPr>
+        <p:spPr>
+          <a:xfrm>
+            <a:off x="13806" y="6070227"/>
+            <a:ext cx="1532830" cy="801636"/>
+          </a:xfrm>
+          <a:prstGeom prst="rect">
+            <a:avLst/>
+          </a:prstGeom>
+        </p:spPr>
+        <p:txBody>
+          <a:bodyPr vert="horz" lIns="91440" tIns="45720" rIns="91440" bIns="45720" rtlCol="0">
+            <a:normAutofit/>
+          </a:bodyPr>
+          <a:lstStyle>
+            <a:lvl1pPr marL="0" indent="0" algn="ctr" defTabSz="914400" rtl="0" eaLnBrk="1" latinLnBrk="0" hangingPunct="1">
+              <a:spcBef>
+                <a:spcPct val="20000"/>
+              </a:spcBef>
+              <a:buFont typeface="Arial" pitchFamily="34" charset="0"/>
+              <a:buNone/>
+              <a:defRPr sz="3200" kern="1200">
+                <a:solidFill>
+                  <a:schemeClr val="tx1">
+                    <a:tint val="75000"/>
+                  </a:schemeClr>
+                </a:solidFill>
+                <a:latin typeface="+mn-lt"/>
+                <a:ea typeface="+mn-ea"/>
+                <a:cs typeface="+mn-cs"/>
+              </a:defRPr>
+            </a:lvl1pPr>
+            <a:lvl2pPr marL="457200" indent="0" algn="ctr" defTabSz="914400" rtl="0" eaLnBrk="1" latinLnBrk="0" hangingPunct="1">
+              <a:spcBef>
+                <a:spcPct val="20000"/>
+              </a:spcBef>
+              <a:buFont typeface="Arial" pitchFamily="34" charset="0"/>
+              <a:buNone/>
+              <a:defRPr sz="2800" kern="1200">
+                <a:solidFill>
+                  <a:schemeClr val="tx1">
+                    <a:tint val="75000"/>
+                  </a:schemeClr>
+                </a:solidFill>
+                <a:latin typeface="+mn-lt"/>
+                <a:ea typeface="+mn-ea"/>
+                <a:cs typeface="+mn-cs"/>
+              </a:defRPr>
+            </a:lvl2pPr>
+            <a:lvl3pPr marL="914400" indent="0" algn="ctr" defTabSz="914400" rtl="0" eaLnBrk="1" latinLnBrk="0" hangingPunct="1">
+              <a:spcBef>
+                <a:spcPct val="20000"/>
+              </a:spcBef>
+              <a:buFont typeface="Arial" pitchFamily="34" charset="0"/>
+              <a:buNone/>
+              <a:defRPr sz="2400" kern="1200">
+                <a:solidFill>
+                  <a:schemeClr val="tx1">
+                    <a:tint val="75000"/>
+                  </a:schemeClr>
+                </a:solidFill>
+                <a:latin typeface="+mn-lt"/>
+                <a:ea typeface="+mn-ea"/>
+                <a:cs typeface="+mn-cs"/>
+              </a:defRPr>
+            </a:lvl3pPr>
+            <a:lvl4pPr marL="1371600" indent="0" algn="ctr" defTabSz="914400" rtl="0" eaLnBrk="1" latinLnBrk="0" hangingPunct="1">
+              <a:spcBef>
+                <a:spcPct val="20000"/>
+              </a:spcBef>
+              <a:buFont typeface="Arial" pitchFamily="34" charset="0"/>
+              <a:buNone/>
+              <a:defRPr sz="2000" kern="1200">
+                <a:solidFill>
+                  <a:schemeClr val="tx1">
+                    <a:tint val="75000"/>
+                  </a:schemeClr>
+                </a:solidFill>
+                <a:latin typeface="+mn-lt"/>
+                <a:ea typeface="+mn-ea"/>
+                <a:cs typeface="+mn-cs"/>
+              </a:defRPr>
+            </a:lvl4pPr>
+            <a:lvl5pPr marL="1828800" indent="0" algn="ctr" defTabSz="914400" rtl="0" eaLnBrk="1" latinLnBrk="0" hangingPunct="1">
+              <a:spcBef>
+                <a:spcPct val="20000"/>
+              </a:spcBef>
+              <a:buFont typeface="Arial" pitchFamily="34" charset="0"/>
+              <a:buNone/>
+              <a:defRPr sz="2000" kern="1200">
+                <a:solidFill>
+                  <a:schemeClr val="tx1">
+                    <a:tint val="75000"/>
+                  </a:schemeClr>
+                </a:solidFill>
+                <a:latin typeface="+mn-lt"/>
+                <a:ea typeface="+mn-ea"/>
+                <a:cs typeface="+mn-cs"/>
+              </a:defRPr>
+            </a:lvl5pPr>
+            <a:lvl6pPr marL="2286000" indent="0" algn="ctr" defTabSz="914400" rtl="0" eaLnBrk="1" latinLnBrk="0" hangingPunct="1">
+              <a:spcBef>
+                <a:spcPct val="20000"/>
+              </a:spcBef>
+              <a:buFont typeface="Arial" pitchFamily="34" charset="0"/>
+              <a:buNone/>
+              <a:defRPr sz="2000" kern="1200">
+                <a:solidFill>
+                  <a:schemeClr val="tx1">
+                    <a:tint val="75000"/>
+                  </a:schemeClr>
+                </a:solidFill>
+                <a:latin typeface="+mn-lt"/>
+                <a:ea typeface="+mn-ea"/>
+                <a:cs typeface="+mn-cs"/>
+              </a:defRPr>
+            </a:lvl6pPr>
+            <a:lvl7pPr marL="2743200" indent="0" algn="ctr" defTabSz="914400" rtl="0" eaLnBrk="1" latinLnBrk="0" hangingPunct="1">
+              <a:spcBef>
+                <a:spcPct val="20000"/>
+              </a:spcBef>
+              <a:buFont typeface="Arial" pitchFamily="34" charset="0"/>
+              <a:buNone/>
+              <a:defRPr sz="2000" kern="1200">
+                <a:solidFill>
+                  <a:schemeClr val="tx1">
+                    <a:tint val="75000"/>
+                  </a:schemeClr>
+                </a:solidFill>
+                <a:latin typeface="+mn-lt"/>
+                <a:ea typeface="+mn-ea"/>
+                <a:cs typeface="+mn-cs"/>
+              </a:defRPr>
+            </a:lvl7pPr>
+            <a:lvl8pPr marL="3200400" indent="0" algn="ctr" defTabSz="914400" rtl="0" eaLnBrk="1" latinLnBrk="0" hangingPunct="1">
+              <a:spcBef>
+                <a:spcPct val="20000"/>
+              </a:spcBef>
+              <a:buFont typeface="Arial" pitchFamily="34" charset="0"/>
+              <a:buNone/>
+              <a:defRPr sz="2000" kern="1200">
+                <a:solidFill>
+                  <a:schemeClr val="tx1">
+                    <a:tint val="75000"/>
+                  </a:schemeClr>
+                </a:solidFill>
+                <a:latin typeface="+mn-lt"/>
+                <a:ea typeface="+mn-ea"/>
+                <a:cs typeface="+mn-cs"/>
+              </a:defRPr>
+            </a:lvl8pPr>
+            <a:lvl9pPr marL="3657600" indent="0" algn="ctr" defTabSz="914400" rtl="0" eaLnBrk="1" latinLnBrk="0" hangingPunct="1">
+              <a:spcBef>
+                <a:spcPct val="20000"/>
+              </a:spcBef>
+              <a:buFont typeface="Arial" pitchFamily="34" charset="0"/>
+              <a:buNone/>
+              <a:defRPr sz="2000" kern="1200">
+                <a:solidFill>
+                  <a:schemeClr val="tx1">
+                    <a:tint val="75000"/>
+                  </a:schemeClr>
+                </a:solidFill>
+                <a:latin typeface="+mn-lt"/>
+                <a:ea typeface="+mn-ea"/>
+                <a:cs typeface="+mn-cs"/>
+              </a:defRPr>
+            </a:lvl9pPr>
+          </a:lstStyle>
+          <a:p>
+            <a:r>
+              <a:rPr lang="en-US" sz="1600" dirty="0">
+                <a:solidFill>
+                  <a:schemeClr val="bg2">
+                    <a:lumMod val="20000"/>
+                    <a:lumOff val="80000"/>
+                  </a:schemeClr>
+                </a:solidFill>
+              </a:rPr>
+              <a:t>TOP</a:t>
+            </a:r>
+          </a:p>
+        </p:txBody>
+      </p:sp>
+      <p:sp>
+        <p:nvSpPr>
+          <p:cNvPr id="9" name="Right Arrow 8"/>
+          <p:cNvSpPr/>
+          <p:nvPr/>
+        </p:nvSpPr>
+        <p:spPr>
+          <a:xfrm rot="10800000">
+            <a:off x="400339" y="6388209"/>
+            <a:ext cx="640200" cy="289763"/>
+          </a:xfrm>
+          <a:prstGeom prst="rightArrow">
+            <a:avLst/>
+          </a:prstGeom>
+        </p:spPr>
+        <p:style>
+          <a:lnRef idx="1">
+            <a:schemeClr val="accent1"/>
+          </a:lnRef>
+          <a:fillRef idx="3">
+            <a:schemeClr val="accent1"/>
+          </a:fillRef>
+          <a:effectRef idx="2">
+            <a:schemeClr val="accent1"/>
+          </a:effectRef>
+          <a:fontRef idx="minor">
+            <a:schemeClr val="lt1"/>
+          </a:fontRef>
+        </p:style>
+        <p:txBody>
+          <a:bodyPr rtlCol="0" anchor="ctr"/>
+          <a:lstStyle/>
+          <a:p>
+            <a:pPr algn="ctr"/>
+            <a:endParaRPr lang="en-US"/>
+          </a:p>
+        </p:txBody>
+      </p:sp>
+      <p:sp>
+        <p:nvSpPr>
+          <p:cNvPr id="10" name="Subtitle 8"/>
+          <p:cNvSpPr txBox="1">
+            <a:spLocks/>
+          </p:cNvSpPr>
+          <p:nvPr/>
+        </p:nvSpPr>
+        <p:spPr>
+          <a:xfrm>
+            <a:off x="7616345" y="6073844"/>
+            <a:ext cx="1532830" cy="801636"/>
+          </a:xfrm>
+          <a:prstGeom prst="rect">
+            <a:avLst/>
+          </a:prstGeom>
+        </p:spPr>
+        <p:txBody>
+          <a:bodyPr vert="horz" lIns="91440" tIns="45720" rIns="91440" bIns="45720" rtlCol="0">
+            <a:normAutofit/>
+          </a:bodyPr>
+          <a:lstStyle>
+            <a:lvl1pPr marL="0" indent="0" algn="ctr" defTabSz="914400" rtl="0" eaLnBrk="1" latinLnBrk="0" hangingPunct="1">
+              <a:spcBef>
+                <a:spcPct val="20000"/>
+              </a:spcBef>
+              <a:buFont typeface="Arial" pitchFamily="34" charset="0"/>
+              <a:buNone/>
+              <a:defRPr sz="3200" kern="1200">
+                <a:solidFill>
+                  <a:schemeClr val="tx1">
+                    <a:tint val="75000"/>
+                  </a:schemeClr>
+                </a:solidFill>
+                <a:latin typeface="+mn-lt"/>
+                <a:ea typeface="+mn-ea"/>
+                <a:cs typeface="+mn-cs"/>
+              </a:defRPr>
+            </a:lvl1pPr>
+            <a:lvl2pPr marL="457200" indent="0" algn="ctr" defTabSz="914400" rtl="0" eaLnBrk="1" latinLnBrk="0" hangingPunct="1">
+              <a:spcBef>
+                <a:spcPct val="20000"/>
+              </a:spcBef>
+              <a:buFont typeface="Arial" pitchFamily="34" charset="0"/>
+              <a:buNone/>
+              <a:defRPr sz="2800" kern="1200">
+                <a:solidFill>
+                  <a:schemeClr val="tx1">
+                    <a:tint val="75000"/>
+                  </a:schemeClr>
+                </a:solidFill>
+                <a:latin typeface="+mn-lt"/>
+                <a:ea typeface="+mn-ea"/>
+                <a:cs typeface="+mn-cs"/>
+              </a:defRPr>
+            </a:lvl2pPr>
+            <a:lvl3pPr marL="914400" indent="0" algn="ctr" defTabSz="914400" rtl="0" eaLnBrk="1" latinLnBrk="0" hangingPunct="1">
+              <a:spcBef>
+                <a:spcPct val="20000"/>
+              </a:spcBef>
+              <a:buFont typeface="Arial" pitchFamily="34" charset="0"/>
+              <a:buNone/>
+              <a:defRPr sz="2400" kern="1200">
+                <a:solidFill>
+                  <a:schemeClr val="tx1">
+                    <a:tint val="75000"/>
+                  </a:schemeClr>
+                </a:solidFill>
+                <a:latin typeface="+mn-lt"/>
+                <a:ea typeface="+mn-ea"/>
+                <a:cs typeface="+mn-cs"/>
+              </a:defRPr>
+            </a:lvl3pPr>
+            <a:lvl4pPr marL="1371600" indent="0" algn="ctr" defTabSz="914400" rtl="0" eaLnBrk="1" latinLnBrk="0" hangingPunct="1">
+              <a:spcBef>
+                <a:spcPct val="20000"/>
+              </a:spcBef>
+              <a:buFont typeface="Arial" pitchFamily="34" charset="0"/>
+              <a:buNone/>
+              <a:defRPr sz="2000" kern="1200">
+                <a:solidFill>
+                  <a:schemeClr val="tx1">
+                    <a:tint val="75000"/>
+                  </a:schemeClr>
+                </a:solidFill>
+                <a:latin typeface="+mn-lt"/>
+                <a:ea typeface="+mn-ea"/>
+                <a:cs typeface="+mn-cs"/>
+              </a:defRPr>
+            </a:lvl4pPr>
+            <a:lvl5pPr marL="1828800" indent="0" algn="ctr" defTabSz="914400" rtl="0" eaLnBrk="1" latinLnBrk="0" hangingPunct="1">
+              <a:spcBef>
+                <a:spcPct val="20000"/>
+              </a:spcBef>
+              <a:buFont typeface="Arial" pitchFamily="34" charset="0"/>
+              <a:buNone/>
+              <a:defRPr sz="2000" kern="1200">
+                <a:solidFill>
+                  <a:schemeClr val="tx1">
+                    <a:tint val="75000"/>
+                  </a:schemeClr>
+                </a:solidFill>
+                <a:latin typeface="+mn-lt"/>
+                <a:ea typeface="+mn-ea"/>
+                <a:cs typeface="+mn-cs"/>
+              </a:defRPr>
+            </a:lvl5pPr>
+            <a:lvl6pPr marL="2286000" indent="0" algn="ctr" defTabSz="914400" rtl="0" eaLnBrk="1" latinLnBrk="0" hangingPunct="1">
+              <a:spcBef>
+                <a:spcPct val="20000"/>
+              </a:spcBef>
+              <a:buFont typeface="Arial" pitchFamily="34" charset="0"/>
+              <a:buNone/>
+              <a:defRPr sz="2000" kern="1200">
+                <a:solidFill>
+                  <a:schemeClr val="tx1">
+                    <a:tint val="75000"/>
+                  </a:schemeClr>
+                </a:solidFill>
+                <a:latin typeface="+mn-lt"/>
+                <a:ea typeface="+mn-ea"/>
+                <a:cs typeface="+mn-cs"/>
+              </a:defRPr>
+            </a:lvl6pPr>
+            <a:lvl7pPr marL="2743200" indent="0" algn="ctr" defTabSz="914400" rtl="0" eaLnBrk="1" latinLnBrk="0" hangingPunct="1">
+              <a:spcBef>
+                <a:spcPct val="20000"/>
+              </a:spcBef>
+              <a:buFont typeface="Arial" pitchFamily="34" charset="0"/>
+              <a:buNone/>
+              <a:defRPr sz="2000" kern="1200">
+                <a:solidFill>
+                  <a:schemeClr val="tx1">
+                    <a:tint val="75000"/>
+                  </a:schemeClr>
+                </a:solidFill>
+                <a:latin typeface="+mn-lt"/>
+                <a:ea typeface="+mn-ea"/>
+                <a:cs typeface="+mn-cs"/>
+              </a:defRPr>
+            </a:lvl7pPr>
+            <a:lvl8pPr marL="3200400" indent="0" algn="ctr" defTabSz="914400" rtl="0" eaLnBrk="1" latinLnBrk="0" hangingPunct="1">
+              <a:spcBef>
+                <a:spcPct val="20000"/>
+              </a:spcBef>
+              <a:buFont typeface="Arial" pitchFamily="34" charset="0"/>
+              <a:buNone/>
+              <a:defRPr sz="2000" kern="1200">
+                <a:solidFill>
+                  <a:schemeClr val="tx1">
+                    <a:tint val="75000"/>
+                  </a:schemeClr>
+                </a:solidFill>
+                <a:latin typeface="+mn-lt"/>
+                <a:ea typeface="+mn-ea"/>
+                <a:cs typeface="+mn-cs"/>
+              </a:defRPr>
+            </a:lvl8pPr>
+            <a:lvl9pPr marL="3657600" indent="0" algn="ctr" defTabSz="914400" rtl="0" eaLnBrk="1" latinLnBrk="0" hangingPunct="1">
+              <a:spcBef>
+                <a:spcPct val="20000"/>
+              </a:spcBef>
+              <a:buFont typeface="Arial" pitchFamily="34" charset="0"/>
+              <a:buNone/>
+              <a:defRPr sz="2000" kern="1200">
+                <a:solidFill>
+                  <a:schemeClr val="tx1">
+                    <a:tint val="75000"/>
+                  </a:schemeClr>
+                </a:solidFill>
+                <a:latin typeface="+mn-lt"/>
+                <a:ea typeface="+mn-ea"/>
+                <a:cs typeface="+mn-cs"/>
+              </a:defRPr>
+            </a:lvl9pPr>
+          </a:lstStyle>
+          <a:p>
+            <a:r>
+              <a:rPr lang="en-US" sz="1600" dirty="0">
+                <a:solidFill>
+                  <a:schemeClr val="bg2">
+                    <a:lumMod val="20000"/>
+                    <a:lumOff val="80000"/>
+                  </a:schemeClr>
+                </a:solidFill>
+              </a:rPr>
+              <a:t>TRIGGER</a:t>
+            </a:r>
+          </a:p>
+        </p:txBody>
+      </p:sp>
+      <p:sp>
+        <p:nvSpPr>
+          <p:cNvPr id="11" name="Right Arrow 10"/>
+          <p:cNvSpPr/>
+          <p:nvPr/>
+        </p:nvSpPr>
+        <p:spPr>
+          <a:xfrm>
+            <a:off x="8113318" y="6391826"/>
+            <a:ext cx="640200" cy="289763"/>
+          </a:xfrm>
+          <a:prstGeom prst="rightArrow">
+            <a:avLst/>
+          </a:prstGeom>
+        </p:spPr>
+        <p:style>
+          <a:lnRef idx="1">
+            <a:schemeClr val="accent1"/>
+          </a:lnRef>
+          <a:fillRef idx="3">
+            <a:schemeClr val="accent1"/>
+          </a:fillRef>
+          <a:effectRef idx="2">
+            <a:schemeClr val="accent1"/>
+          </a:effectRef>
+          <a:fontRef idx="minor">
+            <a:schemeClr val="lt1"/>
+          </a:fontRef>
+        </p:style>
+        <p:txBody>
+          <a:bodyPr rtlCol="0" anchor="ctr"/>
+          <a:lstStyle/>
+          <a:p>
+            <a:pPr algn="ctr"/>
+            <a:endParaRPr lang="en-US"/>
+          </a:p>
+        </p:txBody>
+      </p:sp>
+      <p:sp>
+        <p:nvSpPr>
+          <p:cNvPr id="12" name="Title 3"/>
+          <p:cNvSpPr txBox="1">
+            <a:spLocks/>
+          </p:cNvSpPr>
+          <p:nvPr/>
+        </p:nvSpPr>
+        <p:spPr>
+          <a:xfrm>
+            <a:off x="0" y="6201294"/>
+            <a:ext cx="9149174" cy="656705"/>
+          </a:xfrm>
+          <a:prstGeom prst="rect">
+            <a:avLst/>
+          </a:prstGeom>
+        </p:spPr>
+        <p:txBody>
+          <a:bodyPr vert="horz" lIns="91440" tIns="45720" rIns="91440" bIns="45720" rtlCol="0" anchor="ctr">
+            <a:normAutofit/>
+          </a:bodyPr>
+          <a:lstStyle>
+            <a:lvl1pPr algn="ctr" defTabSz="914400" rtl="0" eaLnBrk="1" latinLnBrk="0" hangingPunct="1">
+              <a:spcBef>
+                <a:spcPct val="0"/>
+              </a:spcBef>
+              <a:buNone/>
+              <a:defRPr sz="4400" kern="1200">
+                <a:solidFill>
+                  <a:schemeClr val="tx1"/>
+                </a:solidFill>
+                <a:latin typeface="+mj-lt"/>
+                <a:ea typeface="+mj-ea"/>
+                <a:cs typeface="+mj-cs"/>
+              </a:defRPr>
+            </a:lvl1pPr>
+          </a:lstStyle>
+          <a:p>
             <a:r>
               <a:rPr lang="en-US" sz="3000" dirty="0">
                 <a:solidFill>
                   <a:srgbClr val="FF0000"/>
                 </a:solidFill>
               </a:rPr>
-              <a:t>TRIGGER BUTTON TO </a:t>
-            </a:r>
-            <a:r>
-              <a:rPr lang="en-US" sz="3000" dirty="0" smtClean="0">
+              <a:t>PRESS THE TRIGGER BUTTON TO CONTINUE</a:t>
+            </a:r>
+          </a:p>
+        </p:txBody>
+      </p:sp>
+      <p:sp>
+        <p:nvSpPr>
+          <p:cNvPr id="13" name="Title 3">
+            <a:extLst>
+              <a:ext uri="{FF2B5EF4-FFF2-40B4-BE49-F238E27FC236}">
+                <a16:creationId xmlns:a16="http://schemas.microsoft.com/office/drawing/2014/main" id="{9BE8F7D2-B2D6-47A8-A159-C0C8A05892EC}"/>
+              </a:ext>
+            </a:extLst>
+          </p:cNvPr>
+          <p:cNvSpPr txBox="1">
+            <a:spLocks/>
+          </p:cNvSpPr>
+          <p:nvPr/>
+        </p:nvSpPr>
+        <p:spPr>
+          <a:xfrm>
+            <a:off x="-5174" y="1362074"/>
+            <a:ext cx="9149174" cy="656705"/>
+          </a:xfrm>
+          <a:prstGeom prst="rect">
+            <a:avLst/>
+          </a:prstGeom>
+        </p:spPr>
+        <p:txBody>
+          <a:bodyPr vert="horz" lIns="91440" tIns="45720" rIns="91440" bIns="45720" rtlCol="0" anchor="ctr">
+            <a:noAutofit/>
+          </a:bodyPr>
+          <a:lstStyle>
+            <a:lvl1pPr algn="ctr" defTabSz="914400" rtl="0" eaLnBrk="1" latinLnBrk="0" hangingPunct="1">
+              <a:spcBef>
+                <a:spcPct val="0"/>
+              </a:spcBef>
+              <a:buNone/>
+              <a:defRPr sz="4400" kern="1200">
+                <a:solidFill>
+                  <a:schemeClr val="tx1"/>
+                </a:solidFill>
+                <a:latin typeface="+mj-lt"/>
+                <a:ea typeface="+mj-ea"/>
+                <a:cs typeface="+mj-cs"/>
+              </a:defRPr>
+            </a:lvl1pPr>
+          </a:lstStyle>
+          <a:p>
+            <a:r>
+              <a:rPr lang="en-US" sz="7200" dirty="0">
                 <a:solidFill>
                   <a:srgbClr val="FF0000"/>
                 </a:solidFill>
               </a:rPr>
-              <a:t>CONTINUE</a:t>
-            </a:r>
-            <a:endParaRPr lang="en-US" sz="3000" dirty="0">
-              <a:solidFill>
-                <a:srgbClr val="FF0000"/>
-              </a:solidFill>
+              <a:t>This is run 7 of 8</a:t>
+            </a:r>
+          </a:p>
+        </p:txBody>
+      </p:sp>
+    </p:spTree>
+    <p:extLst>
+      <p:ext uri="{BB962C8B-B14F-4D97-AF65-F5344CB8AC3E}">
+        <p14:creationId xmlns:p14="http://schemas.microsoft.com/office/powerpoint/2010/main" val="1716391075"/>
+      </p:ext>
+    </p:extLst>
+  </p:cSld>
+  <p:clrMapOvr>
+    <a:masterClrMapping/>
+  </p:clrMapOvr>
+</p:sld>
+</file>
+
+<file path=ppt/slides/slide13.xml><?xml version="1.0" encoding="utf-8"?>
+<p:sld xmlns:a="http://schemas.openxmlformats.org/drawingml/2006/main" xmlns:r="http://schemas.openxmlformats.org/officeDocument/2006/relationships" xmlns:p="http://schemas.openxmlformats.org/presentationml/2006/main">
+  <p:cSld>
+    <p:spTree>
+      <p:nvGrpSpPr>
+        <p:cNvPr id="1" name=""/>
+        <p:cNvGrpSpPr/>
+        <p:nvPr/>
+      </p:nvGrpSpPr>
+      <p:grpSpPr>
+        <a:xfrm>
+          <a:off x="0" y="0"/>
+          <a:ext cx="0" cy="0"/>
+          <a:chOff x="0" y="0"/>
+          <a:chExt cx="0" cy="0"/>
+        </a:xfrm>
+      </p:grpSpPr>
+      <p:sp>
+        <p:nvSpPr>
+          <p:cNvPr id="3" name="Content Placeholder 2"/>
+          <p:cNvSpPr>
+            <a:spLocks noGrp="1"/>
+          </p:cNvSpPr>
+          <p:nvPr>
+            <p:ph idx="1"/>
+          </p:nvPr>
+        </p:nvSpPr>
+        <p:spPr>
+          <a:xfrm>
+            <a:off x="-5174" y="1470386"/>
+            <a:ext cx="9130193" cy="4305530"/>
+          </a:xfrm>
+        </p:spPr>
+        <p:txBody>
+          <a:bodyPr>
+            <a:normAutofit/>
+          </a:bodyPr>
+          <a:lstStyle/>
+          <a:p>
+            <a:pPr marL="0" indent="0" algn="ctr">
+              <a:spcBef>
+                <a:spcPts val="0"/>
+              </a:spcBef>
+              <a:buNone/>
+            </a:pPr>
+            <a:endParaRPr lang="en-US" sz="2800" dirty="0"/>
+          </a:p>
+          <a:p>
+            <a:pPr marL="0" marR="0" indent="0" algn="ctr">
+              <a:spcBef>
+                <a:spcPts val="0"/>
+              </a:spcBef>
+              <a:spcAft>
+                <a:spcPts val="0"/>
+              </a:spcAft>
+              <a:buNone/>
+            </a:pPr>
+            <a:endParaRPr lang="en-US" sz="2800" dirty="0"/>
+          </a:p>
+          <a:p>
+            <a:pPr marL="0" marR="0" indent="0" algn="ctr">
+              <a:spcBef>
+                <a:spcPts val="0"/>
+              </a:spcBef>
+              <a:spcAft>
+                <a:spcPts val="0"/>
+              </a:spcAft>
+              <a:buNone/>
+            </a:pPr>
+            <a:r>
+              <a:rPr lang="en-US" sz="2800" dirty="0">
+                <a:solidFill>
+                  <a:srgbClr val="FFFF00"/>
+                </a:solidFill>
+              </a:rPr>
+              <a:t>Please let the administrator know now if </a:t>
+            </a:r>
+          </a:p>
+          <a:p>
+            <a:pPr marL="0" marR="0" indent="0" algn="ctr">
+              <a:spcBef>
+                <a:spcPts val="0"/>
+              </a:spcBef>
+              <a:spcAft>
+                <a:spcPts val="0"/>
+              </a:spcAft>
+              <a:buNone/>
+            </a:pPr>
+            <a:r>
+              <a:rPr lang="en-US" sz="2800" dirty="0">
+                <a:solidFill>
+                  <a:srgbClr val="FFFF00"/>
+                </a:solidFill>
+              </a:rPr>
+              <a:t>you have any questions. </a:t>
+            </a:r>
+          </a:p>
+          <a:p>
+            <a:pPr marL="0" indent="0" algn="ctr">
+              <a:spcBef>
+                <a:spcPts val="0"/>
+              </a:spcBef>
+              <a:buNone/>
+            </a:pPr>
+            <a:r>
+              <a:rPr lang="en-US" sz="2800" dirty="0"/>
+              <a:t> </a:t>
+            </a:r>
+          </a:p>
+          <a:p>
+            <a:pPr marL="0" indent="0" algn="ctr">
+              <a:spcBef>
+                <a:spcPts val="0"/>
+              </a:spcBef>
+              <a:buNone/>
+            </a:pPr>
+            <a:r>
+              <a:rPr lang="en-US" sz="4400" dirty="0"/>
+              <a:t>Otherwise press the trigger button when you are ready to begin.</a:t>
+            </a:r>
+          </a:p>
+          <a:p>
+            <a:pPr marL="0" marR="0" indent="0" algn="ctr">
+              <a:spcBef>
+                <a:spcPts val="0"/>
+              </a:spcBef>
+              <a:spcAft>
+                <a:spcPts val="0"/>
+              </a:spcAft>
+              <a:buNone/>
+            </a:pPr>
+            <a:endParaRPr lang="en-US" sz="2800" dirty="0">
+              <a:ea typeface="Calibri"/>
+              <a:cs typeface="Times New Roman"/>
             </a:endParaRPr>
+          </a:p>
+        </p:txBody>
+      </p:sp>
+      <p:sp>
+        <p:nvSpPr>
+          <p:cNvPr id="8" name="Subtitle 8"/>
+          <p:cNvSpPr txBox="1">
+            <a:spLocks/>
+          </p:cNvSpPr>
+          <p:nvPr/>
+        </p:nvSpPr>
+        <p:spPr>
+          <a:xfrm>
+            <a:off x="13806" y="6070227"/>
+            <a:ext cx="1532830" cy="801636"/>
+          </a:xfrm>
+          <a:prstGeom prst="rect">
+            <a:avLst/>
+          </a:prstGeom>
+        </p:spPr>
+        <p:txBody>
+          <a:bodyPr vert="horz" lIns="91440" tIns="45720" rIns="91440" bIns="45720" rtlCol="0">
+            <a:normAutofit/>
+          </a:bodyPr>
+          <a:lstStyle>
+            <a:lvl1pPr marL="0" indent="0" algn="ctr" defTabSz="914400" rtl="0" eaLnBrk="1" latinLnBrk="0" hangingPunct="1">
+              <a:spcBef>
+                <a:spcPct val="20000"/>
+              </a:spcBef>
+              <a:buFont typeface="Arial" pitchFamily="34" charset="0"/>
+              <a:buNone/>
+              <a:defRPr sz="3200" kern="1200">
+                <a:solidFill>
+                  <a:schemeClr val="tx1">
+                    <a:tint val="75000"/>
+                  </a:schemeClr>
+                </a:solidFill>
+                <a:latin typeface="+mn-lt"/>
+                <a:ea typeface="+mn-ea"/>
+                <a:cs typeface="+mn-cs"/>
+              </a:defRPr>
+            </a:lvl1pPr>
+            <a:lvl2pPr marL="457200" indent="0" algn="ctr" defTabSz="914400" rtl="0" eaLnBrk="1" latinLnBrk="0" hangingPunct="1">
+              <a:spcBef>
+                <a:spcPct val="20000"/>
+              </a:spcBef>
+              <a:buFont typeface="Arial" pitchFamily="34" charset="0"/>
+              <a:buNone/>
+              <a:defRPr sz="2800" kern="1200">
+                <a:solidFill>
+                  <a:schemeClr val="tx1">
+                    <a:tint val="75000"/>
+                  </a:schemeClr>
+                </a:solidFill>
+                <a:latin typeface="+mn-lt"/>
+                <a:ea typeface="+mn-ea"/>
+                <a:cs typeface="+mn-cs"/>
+              </a:defRPr>
+            </a:lvl2pPr>
+            <a:lvl3pPr marL="914400" indent="0" algn="ctr" defTabSz="914400" rtl="0" eaLnBrk="1" latinLnBrk="0" hangingPunct="1">
+              <a:spcBef>
+                <a:spcPct val="20000"/>
+              </a:spcBef>
+              <a:buFont typeface="Arial" pitchFamily="34" charset="0"/>
+              <a:buNone/>
+              <a:defRPr sz="2400" kern="1200">
+                <a:solidFill>
+                  <a:schemeClr val="tx1">
+                    <a:tint val="75000"/>
+                  </a:schemeClr>
+                </a:solidFill>
+                <a:latin typeface="+mn-lt"/>
+                <a:ea typeface="+mn-ea"/>
+                <a:cs typeface="+mn-cs"/>
+              </a:defRPr>
+            </a:lvl3pPr>
+            <a:lvl4pPr marL="1371600" indent="0" algn="ctr" defTabSz="914400" rtl="0" eaLnBrk="1" latinLnBrk="0" hangingPunct="1">
+              <a:spcBef>
+                <a:spcPct val="20000"/>
+              </a:spcBef>
+              <a:buFont typeface="Arial" pitchFamily="34" charset="0"/>
+              <a:buNone/>
+              <a:defRPr sz="2000" kern="1200">
+                <a:solidFill>
+                  <a:schemeClr val="tx1">
+                    <a:tint val="75000"/>
+                  </a:schemeClr>
+                </a:solidFill>
+                <a:latin typeface="+mn-lt"/>
+                <a:ea typeface="+mn-ea"/>
+                <a:cs typeface="+mn-cs"/>
+              </a:defRPr>
+            </a:lvl4pPr>
+            <a:lvl5pPr marL="1828800" indent="0" algn="ctr" defTabSz="914400" rtl="0" eaLnBrk="1" latinLnBrk="0" hangingPunct="1">
+              <a:spcBef>
+                <a:spcPct val="20000"/>
+              </a:spcBef>
+              <a:buFont typeface="Arial" pitchFamily="34" charset="0"/>
+              <a:buNone/>
+              <a:defRPr sz="2000" kern="1200">
+                <a:solidFill>
+                  <a:schemeClr val="tx1">
+                    <a:tint val="75000"/>
+                  </a:schemeClr>
+                </a:solidFill>
+                <a:latin typeface="+mn-lt"/>
+                <a:ea typeface="+mn-ea"/>
+                <a:cs typeface="+mn-cs"/>
+              </a:defRPr>
+            </a:lvl5pPr>
+            <a:lvl6pPr marL="2286000" indent="0" algn="ctr" defTabSz="914400" rtl="0" eaLnBrk="1" latinLnBrk="0" hangingPunct="1">
+              <a:spcBef>
+                <a:spcPct val="20000"/>
+              </a:spcBef>
+              <a:buFont typeface="Arial" pitchFamily="34" charset="0"/>
+              <a:buNone/>
+              <a:defRPr sz="2000" kern="1200">
+                <a:solidFill>
+                  <a:schemeClr val="tx1">
+                    <a:tint val="75000"/>
+                  </a:schemeClr>
+                </a:solidFill>
+                <a:latin typeface="+mn-lt"/>
+                <a:ea typeface="+mn-ea"/>
+                <a:cs typeface="+mn-cs"/>
+              </a:defRPr>
+            </a:lvl6pPr>
+            <a:lvl7pPr marL="2743200" indent="0" algn="ctr" defTabSz="914400" rtl="0" eaLnBrk="1" latinLnBrk="0" hangingPunct="1">
+              <a:spcBef>
+                <a:spcPct val="20000"/>
+              </a:spcBef>
+              <a:buFont typeface="Arial" pitchFamily="34" charset="0"/>
+              <a:buNone/>
+              <a:defRPr sz="2000" kern="1200">
+                <a:solidFill>
+                  <a:schemeClr val="tx1">
+                    <a:tint val="75000"/>
+                  </a:schemeClr>
+                </a:solidFill>
+                <a:latin typeface="+mn-lt"/>
+                <a:ea typeface="+mn-ea"/>
+                <a:cs typeface="+mn-cs"/>
+              </a:defRPr>
+            </a:lvl7pPr>
+            <a:lvl8pPr marL="3200400" indent="0" algn="ctr" defTabSz="914400" rtl="0" eaLnBrk="1" latinLnBrk="0" hangingPunct="1">
+              <a:spcBef>
+                <a:spcPct val="20000"/>
+              </a:spcBef>
+              <a:buFont typeface="Arial" pitchFamily="34" charset="0"/>
+              <a:buNone/>
+              <a:defRPr sz="2000" kern="1200">
+                <a:solidFill>
+                  <a:schemeClr val="tx1">
+                    <a:tint val="75000"/>
+                  </a:schemeClr>
+                </a:solidFill>
+                <a:latin typeface="+mn-lt"/>
+                <a:ea typeface="+mn-ea"/>
+                <a:cs typeface="+mn-cs"/>
+              </a:defRPr>
+            </a:lvl8pPr>
+            <a:lvl9pPr marL="3657600" indent="0" algn="ctr" defTabSz="914400" rtl="0" eaLnBrk="1" latinLnBrk="0" hangingPunct="1">
+              <a:spcBef>
+                <a:spcPct val="20000"/>
+              </a:spcBef>
+              <a:buFont typeface="Arial" pitchFamily="34" charset="0"/>
+              <a:buNone/>
+              <a:defRPr sz="2000" kern="1200">
+                <a:solidFill>
+                  <a:schemeClr val="tx1">
+                    <a:tint val="75000"/>
+                  </a:schemeClr>
+                </a:solidFill>
+                <a:latin typeface="+mn-lt"/>
+                <a:ea typeface="+mn-ea"/>
+                <a:cs typeface="+mn-cs"/>
+              </a:defRPr>
+            </a:lvl9pPr>
+          </a:lstStyle>
+          <a:p>
+            <a:r>
+              <a:rPr lang="en-US" sz="1600" dirty="0">
+                <a:solidFill>
+                  <a:schemeClr val="bg2">
+                    <a:lumMod val="20000"/>
+                    <a:lumOff val="80000"/>
+                  </a:schemeClr>
+                </a:solidFill>
+              </a:rPr>
+              <a:t>TOP</a:t>
+            </a:r>
+          </a:p>
+        </p:txBody>
+      </p:sp>
+      <p:sp>
+        <p:nvSpPr>
+          <p:cNvPr id="9" name="Right Arrow 8"/>
+          <p:cNvSpPr/>
+          <p:nvPr/>
+        </p:nvSpPr>
+        <p:spPr>
+          <a:xfrm rot="10800000">
+            <a:off x="400339" y="6388209"/>
+            <a:ext cx="640200" cy="289763"/>
+          </a:xfrm>
+          <a:prstGeom prst="rightArrow">
+            <a:avLst/>
+          </a:prstGeom>
+        </p:spPr>
+        <p:style>
+          <a:lnRef idx="1">
+            <a:schemeClr val="accent1"/>
+          </a:lnRef>
+          <a:fillRef idx="3">
+            <a:schemeClr val="accent1"/>
+          </a:fillRef>
+          <a:effectRef idx="2">
+            <a:schemeClr val="accent1"/>
+          </a:effectRef>
+          <a:fontRef idx="minor">
+            <a:schemeClr val="lt1"/>
+          </a:fontRef>
+        </p:style>
+        <p:txBody>
+          <a:bodyPr rtlCol="0" anchor="ctr"/>
+          <a:lstStyle/>
+          <a:p>
+            <a:pPr algn="ctr"/>
+            <a:endParaRPr lang="en-US"/>
+          </a:p>
+        </p:txBody>
+      </p:sp>
+      <p:sp>
+        <p:nvSpPr>
+          <p:cNvPr id="10" name="Subtitle 8"/>
+          <p:cNvSpPr txBox="1">
+            <a:spLocks/>
+          </p:cNvSpPr>
+          <p:nvPr/>
+        </p:nvSpPr>
+        <p:spPr>
+          <a:xfrm>
+            <a:off x="7616345" y="6073844"/>
+            <a:ext cx="1532830" cy="801636"/>
+          </a:xfrm>
+          <a:prstGeom prst="rect">
+            <a:avLst/>
+          </a:prstGeom>
+        </p:spPr>
+        <p:txBody>
+          <a:bodyPr vert="horz" lIns="91440" tIns="45720" rIns="91440" bIns="45720" rtlCol="0">
+            <a:normAutofit/>
+          </a:bodyPr>
+          <a:lstStyle>
+            <a:lvl1pPr marL="0" indent="0" algn="ctr" defTabSz="914400" rtl="0" eaLnBrk="1" latinLnBrk="0" hangingPunct="1">
+              <a:spcBef>
+                <a:spcPct val="20000"/>
+              </a:spcBef>
+              <a:buFont typeface="Arial" pitchFamily="34" charset="0"/>
+              <a:buNone/>
+              <a:defRPr sz="3200" kern="1200">
+                <a:solidFill>
+                  <a:schemeClr val="tx1">
+                    <a:tint val="75000"/>
+                  </a:schemeClr>
+                </a:solidFill>
+                <a:latin typeface="+mn-lt"/>
+                <a:ea typeface="+mn-ea"/>
+                <a:cs typeface="+mn-cs"/>
+              </a:defRPr>
+            </a:lvl1pPr>
+            <a:lvl2pPr marL="457200" indent="0" algn="ctr" defTabSz="914400" rtl="0" eaLnBrk="1" latinLnBrk="0" hangingPunct="1">
+              <a:spcBef>
+                <a:spcPct val="20000"/>
+              </a:spcBef>
+              <a:buFont typeface="Arial" pitchFamily="34" charset="0"/>
+              <a:buNone/>
+              <a:defRPr sz="2800" kern="1200">
+                <a:solidFill>
+                  <a:schemeClr val="tx1">
+                    <a:tint val="75000"/>
+                  </a:schemeClr>
+                </a:solidFill>
+                <a:latin typeface="+mn-lt"/>
+                <a:ea typeface="+mn-ea"/>
+                <a:cs typeface="+mn-cs"/>
+              </a:defRPr>
+            </a:lvl2pPr>
+            <a:lvl3pPr marL="914400" indent="0" algn="ctr" defTabSz="914400" rtl="0" eaLnBrk="1" latinLnBrk="0" hangingPunct="1">
+              <a:spcBef>
+                <a:spcPct val="20000"/>
+              </a:spcBef>
+              <a:buFont typeface="Arial" pitchFamily="34" charset="0"/>
+              <a:buNone/>
+              <a:defRPr sz="2400" kern="1200">
+                <a:solidFill>
+                  <a:schemeClr val="tx1">
+                    <a:tint val="75000"/>
+                  </a:schemeClr>
+                </a:solidFill>
+                <a:latin typeface="+mn-lt"/>
+                <a:ea typeface="+mn-ea"/>
+                <a:cs typeface="+mn-cs"/>
+              </a:defRPr>
+            </a:lvl3pPr>
+            <a:lvl4pPr marL="1371600" indent="0" algn="ctr" defTabSz="914400" rtl="0" eaLnBrk="1" latinLnBrk="0" hangingPunct="1">
+              <a:spcBef>
+                <a:spcPct val="20000"/>
+              </a:spcBef>
+              <a:buFont typeface="Arial" pitchFamily="34" charset="0"/>
+              <a:buNone/>
+              <a:defRPr sz="2000" kern="1200">
+                <a:solidFill>
+                  <a:schemeClr val="tx1">
+                    <a:tint val="75000"/>
+                  </a:schemeClr>
+                </a:solidFill>
+                <a:latin typeface="+mn-lt"/>
+                <a:ea typeface="+mn-ea"/>
+                <a:cs typeface="+mn-cs"/>
+              </a:defRPr>
+            </a:lvl4pPr>
+            <a:lvl5pPr marL="1828800" indent="0" algn="ctr" defTabSz="914400" rtl="0" eaLnBrk="1" latinLnBrk="0" hangingPunct="1">
+              <a:spcBef>
+                <a:spcPct val="20000"/>
+              </a:spcBef>
+              <a:buFont typeface="Arial" pitchFamily="34" charset="0"/>
+              <a:buNone/>
+              <a:defRPr sz="2000" kern="1200">
+                <a:solidFill>
+                  <a:schemeClr val="tx1">
+                    <a:tint val="75000"/>
+                  </a:schemeClr>
+                </a:solidFill>
+                <a:latin typeface="+mn-lt"/>
+                <a:ea typeface="+mn-ea"/>
+                <a:cs typeface="+mn-cs"/>
+              </a:defRPr>
+            </a:lvl5pPr>
+            <a:lvl6pPr marL="2286000" indent="0" algn="ctr" defTabSz="914400" rtl="0" eaLnBrk="1" latinLnBrk="0" hangingPunct="1">
+              <a:spcBef>
+                <a:spcPct val="20000"/>
+              </a:spcBef>
+              <a:buFont typeface="Arial" pitchFamily="34" charset="0"/>
+              <a:buNone/>
+              <a:defRPr sz="2000" kern="1200">
+                <a:solidFill>
+                  <a:schemeClr val="tx1">
+                    <a:tint val="75000"/>
+                  </a:schemeClr>
+                </a:solidFill>
+                <a:latin typeface="+mn-lt"/>
+                <a:ea typeface="+mn-ea"/>
+                <a:cs typeface="+mn-cs"/>
+              </a:defRPr>
+            </a:lvl6pPr>
+            <a:lvl7pPr marL="2743200" indent="0" algn="ctr" defTabSz="914400" rtl="0" eaLnBrk="1" latinLnBrk="0" hangingPunct="1">
+              <a:spcBef>
+                <a:spcPct val="20000"/>
+              </a:spcBef>
+              <a:buFont typeface="Arial" pitchFamily="34" charset="0"/>
+              <a:buNone/>
+              <a:defRPr sz="2000" kern="1200">
+                <a:solidFill>
+                  <a:schemeClr val="tx1">
+                    <a:tint val="75000"/>
+                  </a:schemeClr>
+                </a:solidFill>
+                <a:latin typeface="+mn-lt"/>
+                <a:ea typeface="+mn-ea"/>
+                <a:cs typeface="+mn-cs"/>
+              </a:defRPr>
+            </a:lvl7pPr>
+            <a:lvl8pPr marL="3200400" indent="0" algn="ctr" defTabSz="914400" rtl="0" eaLnBrk="1" latinLnBrk="0" hangingPunct="1">
+              <a:spcBef>
+                <a:spcPct val="20000"/>
+              </a:spcBef>
+              <a:buFont typeface="Arial" pitchFamily="34" charset="0"/>
+              <a:buNone/>
+              <a:defRPr sz="2000" kern="1200">
+                <a:solidFill>
+                  <a:schemeClr val="tx1">
+                    <a:tint val="75000"/>
+                  </a:schemeClr>
+                </a:solidFill>
+                <a:latin typeface="+mn-lt"/>
+                <a:ea typeface="+mn-ea"/>
+                <a:cs typeface="+mn-cs"/>
+              </a:defRPr>
+            </a:lvl8pPr>
+            <a:lvl9pPr marL="3657600" indent="0" algn="ctr" defTabSz="914400" rtl="0" eaLnBrk="1" latinLnBrk="0" hangingPunct="1">
+              <a:spcBef>
+                <a:spcPct val="20000"/>
+              </a:spcBef>
+              <a:buFont typeface="Arial" pitchFamily="34" charset="0"/>
+              <a:buNone/>
+              <a:defRPr sz="2000" kern="1200">
+                <a:solidFill>
+                  <a:schemeClr val="tx1">
+                    <a:tint val="75000"/>
+                  </a:schemeClr>
+                </a:solidFill>
+                <a:latin typeface="+mn-lt"/>
+                <a:ea typeface="+mn-ea"/>
+                <a:cs typeface="+mn-cs"/>
+              </a:defRPr>
+            </a:lvl9pPr>
+          </a:lstStyle>
+          <a:p>
+            <a:r>
+              <a:rPr lang="en-US" sz="1600" dirty="0">
+                <a:solidFill>
+                  <a:schemeClr val="bg2">
+                    <a:lumMod val="20000"/>
+                    <a:lumOff val="80000"/>
+                  </a:schemeClr>
+                </a:solidFill>
+              </a:rPr>
+              <a:t>TRIGGER</a:t>
+            </a:r>
+          </a:p>
+        </p:txBody>
+      </p:sp>
+      <p:sp>
+        <p:nvSpPr>
+          <p:cNvPr id="11" name="Right Arrow 10"/>
+          <p:cNvSpPr/>
+          <p:nvPr/>
+        </p:nvSpPr>
+        <p:spPr>
+          <a:xfrm>
+            <a:off x="8113318" y="6391826"/>
+            <a:ext cx="640200" cy="289763"/>
+          </a:xfrm>
+          <a:prstGeom prst="rightArrow">
+            <a:avLst/>
+          </a:prstGeom>
+        </p:spPr>
+        <p:style>
+          <a:lnRef idx="1">
+            <a:schemeClr val="accent1"/>
+          </a:lnRef>
+          <a:fillRef idx="3">
+            <a:schemeClr val="accent1"/>
+          </a:fillRef>
+          <a:effectRef idx="2">
+            <a:schemeClr val="accent1"/>
+          </a:effectRef>
+          <a:fontRef idx="minor">
+            <a:schemeClr val="lt1"/>
+          </a:fontRef>
+        </p:style>
+        <p:txBody>
+          <a:bodyPr rtlCol="0" anchor="ctr"/>
+          <a:lstStyle/>
+          <a:p>
+            <a:pPr algn="ctr"/>
+            <a:endParaRPr lang="en-US"/>
+          </a:p>
+        </p:txBody>
+      </p:sp>
+      <p:sp>
+        <p:nvSpPr>
+          <p:cNvPr id="12" name="Title 3"/>
+          <p:cNvSpPr txBox="1">
+            <a:spLocks/>
+          </p:cNvSpPr>
+          <p:nvPr/>
+        </p:nvSpPr>
+        <p:spPr>
+          <a:xfrm>
+            <a:off x="0" y="6201294"/>
+            <a:ext cx="9149174" cy="656705"/>
+          </a:xfrm>
+          <a:prstGeom prst="rect">
+            <a:avLst/>
+          </a:prstGeom>
+        </p:spPr>
+        <p:txBody>
+          <a:bodyPr vert="horz" lIns="91440" tIns="45720" rIns="91440" bIns="45720" rtlCol="0" anchor="ctr">
+            <a:normAutofit/>
+          </a:bodyPr>
+          <a:lstStyle>
+            <a:lvl1pPr algn="ctr" defTabSz="914400" rtl="0" eaLnBrk="1" latinLnBrk="0" hangingPunct="1">
+              <a:spcBef>
+                <a:spcPct val="0"/>
+              </a:spcBef>
+              <a:buNone/>
+              <a:defRPr sz="4400" kern="1200">
+                <a:solidFill>
+                  <a:schemeClr val="tx1"/>
+                </a:solidFill>
+                <a:latin typeface="+mj-lt"/>
+                <a:ea typeface="+mj-ea"/>
+                <a:cs typeface="+mj-cs"/>
+              </a:defRPr>
+            </a:lvl1pPr>
+          </a:lstStyle>
+          <a:p>
+            <a:r>
+              <a:rPr lang="en-US" sz="3000" dirty="0">
+                <a:solidFill>
+                  <a:srgbClr val="FF0000"/>
+                </a:solidFill>
+              </a:rPr>
+              <a:t>PRESS THE TRIGGER BUTTON TO CONTINUE</a:t>
+            </a:r>
+          </a:p>
+        </p:txBody>
+      </p:sp>
+      <p:sp>
+        <p:nvSpPr>
+          <p:cNvPr id="13" name="Title 3">
+            <a:extLst>
+              <a:ext uri="{FF2B5EF4-FFF2-40B4-BE49-F238E27FC236}">
+                <a16:creationId xmlns:a16="http://schemas.microsoft.com/office/drawing/2014/main" id="{9BE8F7D2-B2D6-47A8-A159-C0C8A05892EC}"/>
+              </a:ext>
+            </a:extLst>
+          </p:cNvPr>
+          <p:cNvSpPr txBox="1">
+            <a:spLocks/>
+          </p:cNvSpPr>
+          <p:nvPr/>
+        </p:nvSpPr>
+        <p:spPr>
+          <a:xfrm>
+            <a:off x="-5174" y="1362074"/>
+            <a:ext cx="9149174" cy="656705"/>
+          </a:xfrm>
+          <a:prstGeom prst="rect">
+            <a:avLst/>
+          </a:prstGeom>
+        </p:spPr>
+        <p:txBody>
+          <a:bodyPr vert="horz" lIns="91440" tIns="45720" rIns="91440" bIns="45720" rtlCol="0" anchor="ctr">
+            <a:noAutofit/>
+          </a:bodyPr>
+          <a:lstStyle>
+            <a:lvl1pPr algn="ctr" defTabSz="914400" rtl="0" eaLnBrk="1" latinLnBrk="0" hangingPunct="1">
+              <a:spcBef>
+                <a:spcPct val="0"/>
+              </a:spcBef>
+              <a:buNone/>
+              <a:defRPr sz="4400" kern="1200">
+                <a:solidFill>
+                  <a:schemeClr val="tx1"/>
+                </a:solidFill>
+                <a:latin typeface="+mj-lt"/>
+                <a:ea typeface="+mj-ea"/>
+                <a:cs typeface="+mj-cs"/>
+              </a:defRPr>
+            </a:lvl1pPr>
+          </a:lstStyle>
+          <a:p>
+            <a:r>
+              <a:rPr lang="en-US" sz="7200" dirty="0">
+                <a:solidFill>
+                  <a:srgbClr val="FF0000"/>
+                </a:solidFill>
+              </a:rPr>
+              <a:t>This is run 8 of 8</a:t>
+            </a:r>
+          </a:p>
+        </p:txBody>
+      </p:sp>
+    </p:spTree>
+    <p:extLst>
+      <p:ext uri="{BB962C8B-B14F-4D97-AF65-F5344CB8AC3E}">
+        <p14:creationId xmlns:p14="http://schemas.microsoft.com/office/powerpoint/2010/main" val="1370631581"/>
+      </p:ext>
+    </p:extLst>
+  </p:cSld>
+  <p:clrMapOvr>
+    <a:masterClrMapping/>
+  </p:clrMapOvr>
+</p:sld>
+</file>
+
+<file path=ppt/slides/slide2.xml><?xml version="1.0" encoding="utf-8"?>
+<p:sld xmlns:a="http://schemas.openxmlformats.org/drawingml/2006/main" xmlns:r="http://schemas.openxmlformats.org/officeDocument/2006/relationships" xmlns:p="http://schemas.openxmlformats.org/presentationml/2006/main">
+  <p:cSld>
+    <p:spTree>
+      <p:nvGrpSpPr>
+        <p:cNvPr id="1" name=""/>
+        <p:cNvGrpSpPr/>
+        <p:nvPr/>
+      </p:nvGrpSpPr>
+      <p:grpSpPr>
+        <a:xfrm>
+          <a:off x="0" y="0"/>
+          <a:ext cx="0" cy="0"/>
+          <a:chOff x="0" y="0"/>
+          <a:chExt cx="0" cy="0"/>
+        </a:xfrm>
+      </p:grpSpPr>
+      <p:sp>
+        <p:nvSpPr>
+          <p:cNvPr id="3" name="Content Placeholder 2"/>
+          <p:cNvSpPr>
+            <a:spLocks noGrp="1"/>
+          </p:cNvSpPr>
+          <p:nvPr>
+            <p:ph idx="1"/>
+          </p:nvPr>
+        </p:nvSpPr>
+        <p:spPr>
+          <a:xfrm>
+            <a:off x="18982" y="394180"/>
+            <a:ext cx="9130193" cy="3795806"/>
+          </a:xfrm>
+        </p:spPr>
+        <p:txBody>
+          <a:bodyPr>
+            <a:normAutofit/>
+          </a:bodyPr>
+          <a:lstStyle/>
+          <a:p>
+            <a:pPr marL="0" marR="0" indent="0" algn="ctr">
+              <a:spcBef>
+                <a:spcPts val="0"/>
+              </a:spcBef>
+              <a:spcAft>
+                <a:spcPts val="0"/>
+              </a:spcAft>
+              <a:buNone/>
+            </a:pPr>
+            <a:r>
+              <a:rPr lang="en-US" sz="2600" dirty="0">
+                <a:ea typeface="Calibri"/>
+                <a:cs typeface="Times New Roman"/>
+              </a:rPr>
+              <a:t>For each runway, there will be two potential outcomes.</a:t>
+            </a:r>
+          </a:p>
+          <a:p>
+            <a:pPr marL="0" marR="0" indent="0" algn="ctr">
+              <a:spcBef>
+                <a:spcPts val="0"/>
+              </a:spcBef>
+              <a:spcAft>
+                <a:spcPts val="0"/>
+              </a:spcAft>
+              <a:buNone/>
+            </a:pPr>
+            <a:endParaRPr lang="en-US" sz="2600" dirty="0">
+              <a:ea typeface="Calibri"/>
+              <a:cs typeface="Times New Roman"/>
+            </a:endParaRPr>
+          </a:p>
+          <a:p>
+            <a:pPr marL="0" marR="0" indent="0" algn="ctr">
+              <a:spcBef>
+                <a:spcPts val="0"/>
+              </a:spcBef>
+              <a:spcAft>
+                <a:spcPts val="0"/>
+              </a:spcAft>
+              <a:buNone/>
+            </a:pPr>
+            <a:r>
+              <a:rPr lang="en-US" sz="2600" dirty="0">
+                <a:ea typeface="Calibri"/>
+                <a:cs typeface="Times New Roman"/>
+              </a:rPr>
+              <a:t>Each of the two outcomes include:</a:t>
+            </a:r>
+          </a:p>
+          <a:p>
+            <a:pPr algn="ctr">
+              <a:spcBef>
+                <a:spcPts val="0"/>
+              </a:spcBef>
+            </a:pPr>
+            <a:r>
+              <a:rPr lang="en-US" sz="2600" dirty="0">
+                <a:ea typeface="Calibri"/>
+                <a:cs typeface="Times New Roman"/>
+              </a:rPr>
+              <a:t>a positive or negative image, represented by a sun or cloud.  </a:t>
+            </a:r>
+          </a:p>
+          <a:p>
+            <a:pPr algn="ctr">
+              <a:spcBef>
+                <a:spcPts val="0"/>
+              </a:spcBef>
+            </a:pPr>
+            <a:r>
+              <a:rPr lang="en-US" sz="2600" dirty="0">
+                <a:ea typeface="Calibri"/>
+                <a:cs typeface="Times New Roman"/>
+              </a:rPr>
+              <a:t>reward cents, represented by the amount of red in the rectangle</a:t>
+            </a:r>
+            <a:r>
+              <a:rPr lang="en-US" sz="2600" b="1" dirty="0">
+                <a:ea typeface="Calibri"/>
+                <a:cs typeface="Times New Roman"/>
+              </a:rPr>
+              <a:t>.</a:t>
+            </a:r>
+            <a:r>
+              <a:rPr lang="en-US" sz="2600" dirty="0">
+                <a:ea typeface="Calibri"/>
+                <a:cs typeface="Times New Roman"/>
+              </a:rPr>
+              <a:t> </a:t>
+            </a:r>
+          </a:p>
+          <a:p>
+            <a:pPr marL="0" marR="0" indent="0" algn="ctr">
+              <a:spcBef>
+                <a:spcPts val="0"/>
+              </a:spcBef>
+              <a:spcAft>
+                <a:spcPts val="0"/>
+              </a:spcAft>
+              <a:buNone/>
+            </a:pPr>
+            <a:endParaRPr lang="en-US" sz="2600" dirty="0">
+              <a:ea typeface="Calibri"/>
+              <a:cs typeface="Times New Roman"/>
+            </a:endParaRPr>
+          </a:p>
+          <a:p>
+            <a:pPr marL="0" marR="0" indent="0" algn="ctr">
+              <a:spcBef>
+                <a:spcPts val="0"/>
+              </a:spcBef>
+              <a:spcAft>
+                <a:spcPts val="0"/>
+              </a:spcAft>
+              <a:buNone/>
+            </a:pPr>
+            <a:endParaRPr lang="en-US" sz="2600" dirty="0">
+              <a:ea typeface="Calibri"/>
+              <a:cs typeface="Times New Roman"/>
+            </a:endParaRPr>
+          </a:p>
+          <a:p>
+            <a:pPr marL="0" marR="0" indent="0" algn="ctr">
+              <a:spcBef>
+                <a:spcPts val="0"/>
+              </a:spcBef>
+              <a:spcAft>
+                <a:spcPts val="0"/>
+              </a:spcAft>
+              <a:buNone/>
+            </a:pPr>
+            <a:endParaRPr lang="en-US" sz="2600" dirty="0">
+              <a:ea typeface="Calibri"/>
+              <a:cs typeface="Times New Roman"/>
+            </a:endParaRPr>
+          </a:p>
+          <a:p>
+            <a:pPr marL="0" marR="0" indent="0" algn="ctr">
+              <a:spcBef>
+                <a:spcPts val="0"/>
+              </a:spcBef>
+              <a:spcAft>
+                <a:spcPts val="0"/>
+              </a:spcAft>
+              <a:buNone/>
+            </a:pPr>
+            <a:endParaRPr lang="en-US" sz="2600" dirty="0">
+              <a:ea typeface="Calibri"/>
+              <a:cs typeface="Times New Roman"/>
+            </a:endParaRPr>
+          </a:p>
+        </p:txBody>
+      </p:sp>
+      <p:sp>
+        <p:nvSpPr>
+          <p:cNvPr id="7" name="Subtitle 8"/>
+          <p:cNvSpPr txBox="1">
+            <a:spLocks/>
+          </p:cNvSpPr>
+          <p:nvPr/>
+        </p:nvSpPr>
+        <p:spPr>
+          <a:xfrm>
+            <a:off x="13806" y="6070227"/>
+            <a:ext cx="1532830" cy="801636"/>
+          </a:xfrm>
+          <a:prstGeom prst="rect">
+            <a:avLst/>
+          </a:prstGeom>
+        </p:spPr>
+        <p:txBody>
+          <a:bodyPr vert="horz" lIns="91440" tIns="45720" rIns="91440" bIns="45720" rtlCol="0">
+            <a:normAutofit/>
+          </a:bodyPr>
+          <a:lstStyle>
+            <a:lvl1pPr marL="0" indent="0" algn="ctr" defTabSz="914400" rtl="0" eaLnBrk="1" latinLnBrk="0" hangingPunct="1">
+              <a:spcBef>
+                <a:spcPct val="20000"/>
+              </a:spcBef>
+              <a:buFont typeface="Arial" pitchFamily="34" charset="0"/>
+              <a:buNone/>
+              <a:defRPr sz="3200" kern="1200">
+                <a:solidFill>
+                  <a:schemeClr val="tx1">
+                    <a:tint val="75000"/>
+                  </a:schemeClr>
+                </a:solidFill>
+                <a:latin typeface="+mn-lt"/>
+                <a:ea typeface="+mn-ea"/>
+                <a:cs typeface="+mn-cs"/>
+              </a:defRPr>
+            </a:lvl1pPr>
+            <a:lvl2pPr marL="457200" indent="0" algn="ctr" defTabSz="914400" rtl="0" eaLnBrk="1" latinLnBrk="0" hangingPunct="1">
+              <a:spcBef>
+                <a:spcPct val="20000"/>
+              </a:spcBef>
+              <a:buFont typeface="Arial" pitchFamily="34" charset="0"/>
+              <a:buNone/>
+              <a:defRPr sz="2800" kern="1200">
+                <a:solidFill>
+                  <a:schemeClr val="tx1">
+                    <a:tint val="75000"/>
+                  </a:schemeClr>
+                </a:solidFill>
+                <a:latin typeface="+mn-lt"/>
+                <a:ea typeface="+mn-ea"/>
+                <a:cs typeface="+mn-cs"/>
+              </a:defRPr>
+            </a:lvl2pPr>
+            <a:lvl3pPr marL="914400" indent="0" algn="ctr" defTabSz="914400" rtl="0" eaLnBrk="1" latinLnBrk="0" hangingPunct="1">
+              <a:spcBef>
+                <a:spcPct val="20000"/>
+              </a:spcBef>
+              <a:buFont typeface="Arial" pitchFamily="34" charset="0"/>
+              <a:buNone/>
+              <a:defRPr sz="2400" kern="1200">
+                <a:solidFill>
+                  <a:schemeClr val="tx1">
+                    <a:tint val="75000"/>
+                  </a:schemeClr>
+                </a:solidFill>
+                <a:latin typeface="+mn-lt"/>
+                <a:ea typeface="+mn-ea"/>
+                <a:cs typeface="+mn-cs"/>
+              </a:defRPr>
+            </a:lvl3pPr>
+            <a:lvl4pPr marL="1371600" indent="0" algn="ctr" defTabSz="914400" rtl="0" eaLnBrk="1" latinLnBrk="0" hangingPunct="1">
+              <a:spcBef>
+                <a:spcPct val="20000"/>
+              </a:spcBef>
+              <a:buFont typeface="Arial" pitchFamily="34" charset="0"/>
+              <a:buNone/>
+              <a:defRPr sz="2000" kern="1200">
+                <a:solidFill>
+                  <a:schemeClr val="tx1">
+                    <a:tint val="75000"/>
+                  </a:schemeClr>
+                </a:solidFill>
+                <a:latin typeface="+mn-lt"/>
+                <a:ea typeface="+mn-ea"/>
+                <a:cs typeface="+mn-cs"/>
+              </a:defRPr>
+            </a:lvl4pPr>
+            <a:lvl5pPr marL="1828800" indent="0" algn="ctr" defTabSz="914400" rtl="0" eaLnBrk="1" latinLnBrk="0" hangingPunct="1">
+              <a:spcBef>
+                <a:spcPct val="20000"/>
+              </a:spcBef>
+              <a:buFont typeface="Arial" pitchFamily="34" charset="0"/>
+              <a:buNone/>
+              <a:defRPr sz="2000" kern="1200">
+                <a:solidFill>
+                  <a:schemeClr val="tx1">
+                    <a:tint val="75000"/>
+                  </a:schemeClr>
+                </a:solidFill>
+                <a:latin typeface="+mn-lt"/>
+                <a:ea typeface="+mn-ea"/>
+                <a:cs typeface="+mn-cs"/>
+              </a:defRPr>
+            </a:lvl5pPr>
+            <a:lvl6pPr marL="2286000" indent="0" algn="ctr" defTabSz="914400" rtl="0" eaLnBrk="1" latinLnBrk="0" hangingPunct="1">
+              <a:spcBef>
+                <a:spcPct val="20000"/>
+              </a:spcBef>
+              <a:buFont typeface="Arial" pitchFamily="34" charset="0"/>
+              <a:buNone/>
+              <a:defRPr sz="2000" kern="1200">
+                <a:solidFill>
+                  <a:schemeClr val="tx1">
+                    <a:tint val="75000"/>
+                  </a:schemeClr>
+                </a:solidFill>
+                <a:latin typeface="+mn-lt"/>
+                <a:ea typeface="+mn-ea"/>
+                <a:cs typeface="+mn-cs"/>
+              </a:defRPr>
+            </a:lvl6pPr>
+            <a:lvl7pPr marL="2743200" indent="0" algn="ctr" defTabSz="914400" rtl="0" eaLnBrk="1" latinLnBrk="0" hangingPunct="1">
+              <a:spcBef>
+                <a:spcPct val="20000"/>
+              </a:spcBef>
+              <a:buFont typeface="Arial" pitchFamily="34" charset="0"/>
+              <a:buNone/>
+              <a:defRPr sz="2000" kern="1200">
+                <a:solidFill>
+                  <a:schemeClr val="tx1">
+                    <a:tint val="75000"/>
+                  </a:schemeClr>
+                </a:solidFill>
+                <a:latin typeface="+mn-lt"/>
+                <a:ea typeface="+mn-ea"/>
+                <a:cs typeface="+mn-cs"/>
+              </a:defRPr>
+            </a:lvl7pPr>
+            <a:lvl8pPr marL="3200400" indent="0" algn="ctr" defTabSz="914400" rtl="0" eaLnBrk="1" latinLnBrk="0" hangingPunct="1">
+              <a:spcBef>
+                <a:spcPct val="20000"/>
+              </a:spcBef>
+              <a:buFont typeface="Arial" pitchFamily="34" charset="0"/>
+              <a:buNone/>
+              <a:defRPr sz="2000" kern="1200">
+                <a:solidFill>
+                  <a:schemeClr val="tx1">
+                    <a:tint val="75000"/>
+                  </a:schemeClr>
+                </a:solidFill>
+                <a:latin typeface="+mn-lt"/>
+                <a:ea typeface="+mn-ea"/>
+                <a:cs typeface="+mn-cs"/>
+              </a:defRPr>
+            </a:lvl8pPr>
+            <a:lvl9pPr marL="3657600" indent="0" algn="ctr" defTabSz="914400" rtl="0" eaLnBrk="1" latinLnBrk="0" hangingPunct="1">
+              <a:spcBef>
+                <a:spcPct val="20000"/>
+              </a:spcBef>
+              <a:buFont typeface="Arial" pitchFamily="34" charset="0"/>
+              <a:buNone/>
+              <a:defRPr sz="2000" kern="1200">
+                <a:solidFill>
+                  <a:schemeClr val="tx1">
+                    <a:tint val="75000"/>
+                  </a:schemeClr>
+                </a:solidFill>
+                <a:latin typeface="+mn-lt"/>
+                <a:ea typeface="+mn-ea"/>
+                <a:cs typeface="+mn-cs"/>
+              </a:defRPr>
+            </a:lvl9pPr>
+          </a:lstStyle>
+          <a:p>
+            <a:r>
+              <a:rPr lang="en-US" sz="1600" dirty="0">
+                <a:solidFill>
+                  <a:schemeClr val="bg2">
+                    <a:lumMod val="20000"/>
+                    <a:lumOff val="80000"/>
+                  </a:schemeClr>
+                </a:solidFill>
+              </a:rPr>
+              <a:t>TOP</a:t>
+            </a:r>
+          </a:p>
+        </p:txBody>
+      </p:sp>
+      <p:sp>
+        <p:nvSpPr>
+          <p:cNvPr id="8" name="Right Arrow 7"/>
+          <p:cNvSpPr/>
+          <p:nvPr/>
+        </p:nvSpPr>
+        <p:spPr>
+          <a:xfrm rot="10800000">
+            <a:off x="400339" y="6388209"/>
+            <a:ext cx="640200" cy="289763"/>
+          </a:xfrm>
+          <a:prstGeom prst="rightArrow">
+            <a:avLst/>
+          </a:prstGeom>
+        </p:spPr>
+        <p:style>
+          <a:lnRef idx="1">
+            <a:schemeClr val="accent1"/>
+          </a:lnRef>
+          <a:fillRef idx="3">
+            <a:schemeClr val="accent1"/>
+          </a:fillRef>
+          <a:effectRef idx="2">
+            <a:schemeClr val="accent1"/>
+          </a:effectRef>
+          <a:fontRef idx="minor">
+            <a:schemeClr val="lt1"/>
+          </a:fontRef>
+        </p:style>
+        <p:txBody>
+          <a:bodyPr rtlCol="0" anchor="ctr"/>
+          <a:lstStyle/>
+          <a:p>
+            <a:pPr algn="ctr"/>
+            <a:endParaRPr lang="en-US"/>
+          </a:p>
+        </p:txBody>
+      </p:sp>
+      <p:sp>
+        <p:nvSpPr>
+          <p:cNvPr id="12" name="Subtitle 8"/>
+          <p:cNvSpPr txBox="1">
+            <a:spLocks/>
+          </p:cNvSpPr>
+          <p:nvPr/>
+        </p:nvSpPr>
+        <p:spPr>
+          <a:xfrm>
+            <a:off x="7616345" y="6073844"/>
+            <a:ext cx="1532830" cy="801636"/>
+          </a:xfrm>
+          <a:prstGeom prst="rect">
+            <a:avLst/>
+          </a:prstGeom>
+        </p:spPr>
+        <p:txBody>
+          <a:bodyPr vert="horz" lIns="91440" tIns="45720" rIns="91440" bIns="45720" rtlCol="0">
+            <a:normAutofit/>
+          </a:bodyPr>
+          <a:lstStyle>
+            <a:lvl1pPr marL="0" indent="0" algn="ctr" defTabSz="914400" rtl="0" eaLnBrk="1" latinLnBrk="0" hangingPunct="1">
+              <a:spcBef>
+                <a:spcPct val="20000"/>
+              </a:spcBef>
+              <a:buFont typeface="Arial" pitchFamily="34" charset="0"/>
+              <a:buNone/>
+              <a:defRPr sz="3200" kern="1200">
+                <a:solidFill>
+                  <a:schemeClr val="tx1">
+                    <a:tint val="75000"/>
+                  </a:schemeClr>
+                </a:solidFill>
+                <a:latin typeface="+mn-lt"/>
+                <a:ea typeface="+mn-ea"/>
+                <a:cs typeface="+mn-cs"/>
+              </a:defRPr>
+            </a:lvl1pPr>
+            <a:lvl2pPr marL="457200" indent="0" algn="ctr" defTabSz="914400" rtl="0" eaLnBrk="1" latinLnBrk="0" hangingPunct="1">
+              <a:spcBef>
+                <a:spcPct val="20000"/>
+              </a:spcBef>
+              <a:buFont typeface="Arial" pitchFamily="34" charset="0"/>
+              <a:buNone/>
+              <a:defRPr sz="2800" kern="1200">
+                <a:solidFill>
+                  <a:schemeClr val="tx1">
+                    <a:tint val="75000"/>
+                  </a:schemeClr>
+                </a:solidFill>
+                <a:latin typeface="+mn-lt"/>
+                <a:ea typeface="+mn-ea"/>
+                <a:cs typeface="+mn-cs"/>
+              </a:defRPr>
+            </a:lvl2pPr>
+            <a:lvl3pPr marL="914400" indent="0" algn="ctr" defTabSz="914400" rtl="0" eaLnBrk="1" latinLnBrk="0" hangingPunct="1">
+              <a:spcBef>
+                <a:spcPct val="20000"/>
+              </a:spcBef>
+              <a:buFont typeface="Arial" pitchFamily="34" charset="0"/>
+              <a:buNone/>
+              <a:defRPr sz="2400" kern="1200">
+                <a:solidFill>
+                  <a:schemeClr val="tx1">
+                    <a:tint val="75000"/>
+                  </a:schemeClr>
+                </a:solidFill>
+                <a:latin typeface="+mn-lt"/>
+                <a:ea typeface="+mn-ea"/>
+                <a:cs typeface="+mn-cs"/>
+              </a:defRPr>
+            </a:lvl3pPr>
+            <a:lvl4pPr marL="1371600" indent="0" algn="ctr" defTabSz="914400" rtl="0" eaLnBrk="1" latinLnBrk="0" hangingPunct="1">
+              <a:spcBef>
+                <a:spcPct val="20000"/>
+              </a:spcBef>
+              <a:buFont typeface="Arial" pitchFamily="34" charset="0"/>
+              <a:buNone/>
+              <a:defRPr sz="2000" kern="1200">
+                <a:solidFill>
+                  <a:schemeClr val="tx1">
+                    <a:tint val="75000"/>
+                  </a:schemeClr>
+                </a:solidFill>
+                <a:latin typeface="+mn-lt"/>
+                <a:ea typeface="+mn-ea"/>
+                <a:cs typeface="+mn-cs"/>
+              </a:defRPr>
+            </a:lvl4pPr>
+            <a:lvl5pPr marL="1828800" indent="0" algn="ctr" defTabSz="914400" rtl="0" eaLnBrk="1" latinLnBrk="0" hangingPunct="1">
+              <a:spcBef>
+                <a:spcPct val="20000"/>
+              </a:spcBef>
+              <a:buFont typeface="Arial" pitchFamily="34" charset="0"/>
+              <a:buNone/>
+              <a:defRPr sz="2000" kern="1200">
+                <a:solidFill>
+                  <a:schemeClr val="tx1">
+                    <a:tint val="75000"/>
+                  </a:schemeClr>
+                </a:solidFill>
+                <a:latin typeface="+mn-lt"/>
+                <a:ea typeface="+mn-ea"/>
+                <a:cs typeface="+mn-cs"/>
+              </a:defRPr>
+            </a:lvl5pPr>
+            <a:lvl6pPr marL="2286000" indent="0" algn="ctr" defTabSz="914400" rtl="0" eaLnBrk="1" latinLnBrk="0" hangingPunct="1">
+              <a:spcBef>
+                <a:spcPct val="20000"/>
+              </a:spcBef>
+              <a:buFont typeface="Arial" pitchFamily="34" charset="0"/>
+              <a:buNone/>
+              <a:defRPr sz="2000" kern="1200">
+                <a:solidFill>
+                  <a:schemeClr val="tx1">
+                    <a:tint val="75000"/>
+                  </a:schemeClr>
+                </a:solidFill>
+                <a:latin typeface="+mn-lt"/>
+                <a:ea typeface="+mn-ea"/>
+                <a:cs typeface="+mn-cs"/>
+              </a:defRPr>
+            </a:lvl6pPr>
+            <a:lvl7pPr marL="2743200" indent="0" algn="ctr" defTabSz="914400" rtl="0" eaLnBrk="1" latinLnBrk="0" hangingPunct="1">
+              <a:spcBef>
+                <a:spcPct val="20000"/>
+              </a:spcBef>
+              <a:buFont typeface="Arial" pitchFamily="34" charset="0"/>
+              <a:buNone/>
+              <a:defRPr sz="2000" kern="1200">
+                <a:solidFill>
+                  <a:schemeClr val="tx1">
+                    <a:tint val="75000"/>
+                  </a:schemeClr>
+                </a:solidFill>
+                <a:latin typeface="+mn-lt"/>
+                <a:ea typeface="+mn-ea"/>
+                <a:cs typeface="+mn-cs"/>
+              </a:defRPr>
+            </a:lvl7pPr>
+            <a:lvl8pPr marL="3200400" indent="0" algn="ctr" defTabSz="914400" rtl="0" eaLnBrk="1" latinLnBrk="0" hangingPunct="1">
+              <a:spcBef>
+                <a:spcPct val="20000"/>
+              </a:spcBef>
+              <a:buFont typeface="Arial" pitchFamily="34" charset="0"/>
+              <a:buNone/>
+              <a:defRPr sz="2000" kern="1200">
+                <a:solidFill>
+                  <a:schemeClr val="tx1">
+                    <a:tint val="75000"/>
+                  </a:schemeClr>
+                </a:solidFill>
+                <a:latin typeface="+mn-lt"/>
+                <a:ea typeface="+mn-ea"/>
+                <a:cs typeface="+mn-cs"/>
+              </a:defRPr>
+            </a:lvl8pPr>
+            <a:lvl9pPr marL="3657600" indent="0" algn="ctr" defTabSz="914400" rtl="0" eaLnBrk="1" latinLnBrk="0" hangingPunct="1">
+              <a:spcBef>
+                <a:spcPct val="20000"/>
+              </a:spcBef>
+              <a:buFont typeface="Arial" pitchFamily="34" charset="0"/>
+              <a:buNone/>
+              <a:defRPr sz="2000" kern="1200">
+                <a:solidFill>
+                  <a:schemeClr val="tx1">
+                    <a:tint val="75000"/>
+                  </a:schemeClr>
+                </a:solidFill>
+                <a:latin typeface="+mn-lt"/>
+                <a:ea typeface="+mn-ea"/>
+                <a:cs typeface="+mn-cs"/>
+              </a:defRPr>
+            </a:lvl9pPr>
+          </a:lstStyle>
+          <a:p>
+            <a:r>
+              <a:rPr lang="en-US" sz="1600" dirty="0">
+                <a:solidFill>
+                  <a:schemeClr val="bg2">
+                    <a:lumMod val="20000"/>
+                    <a:lumOff val="80000"/>
+                  </a:schemeClr>
+                </a:solidFill>
+              </a:rPr>
+              <a:t>TRIGGER</a:t>
+            </a:r>
+          </a:p>
+        </p:txBody>
+      </p:sp>
+      <p:sp>
+        <p:nvSpPr>
+          <p:cNvPr id="13" name="Right Arrow 12"/>
+          <p:cNvSpPr/>
+          <p:nvPr/>
+        </p:nvSpPr>
+        <p:spPr>
+          <a:xfrm>
+            <a:off x="8113318" y="6391826"/>
+            <a:ext cx="640200" cy="289763"/>
+          </a:xfrm>
+          <a:prstGeom prst="rightArrow">
+            <a:avLst/>
+          </a:prstGeom>
+        </p:spPr>
+        <p:style>
+          <a:lnRef idx="1">
+            <a:schemeClr val="accent1"/>
+          </a:lnRef>
+          <a:fillRef idx="3">
+            <a:schemeClr val="accent1"/>
+          </a:fillRef>
+          <a:effectRef idx="2">
+            <a:schemeClr val="accent1"/>
+          </a:effectRef>
+          <a:fontRef idx="minor">
+            <a:schemeClr val="lt1"/>
+          </a:fontRef>
+        </p:style>
+        <p:txBody>
+          <a:bodyPr rtlCol="0" anchor="ctr"/>
+          <a:lstStyle/>
+          <a:p>
+            <a:pPr algn="ctr"/>
+            <a:endParaRPr lang="en-US"/>
+          </a:p>
+        </p:txBody>
+      </p:sp>
+      <p:sp>
+        <p:nvSpPr>
+          <p:cNvPr id="14" name="Title 3"/>
+          <p:cNvSpPr txBox="1">
+            <a:spLocks/>
+          </p:cNvSpPr>
+          <p:nvPr/>
+        </p:nvSpPr>
+        <p:spPr>
+          <a:xfrm>
+            <a:off x="0" y="6201294"/>
+            <a:ext cx="9149174" cy="656705"/>
+          </a:xfrm>
+          <a:prstGeom prst="rect">
+            <a:avLst/>
+          </a:prstGeom>
+        </p:spPr>
+        <p:txBody>
+          <a:bodyPr vert="horz" lIns="91440" tIns="45720" rIns="91440" bIns="45720" rtlCol="0" anchor="ctr">
+            <a:normAutofit/>
+          </a:bodyPr>
+          <a:lstStyle>
+            <a:lvl1pPr algn="ctr" defTabSz="914400" rtl="0" eaLnBrk="1" latinLnBrk="0" hangingPunct="1">
+              <a:spcBef>
+                <a:spcPct val="0"/>
+              </a:spcBef>
+              <a:buNone/>
+              <a:defRPr sz="4400" kern="1200">
+                <a:solidFill>
+                  <a:schemeClr val="tx1"/>
+                </a:solidFill>
+                <a:latin typeface="+mj-lt"/>
+                <a:ea typeface="+mj-ea"/>
+                <a:cs typeface="+mj-cs"/>
+              </a:defRPr>
+            </a:lvl1pPr>
+          </a:lstStyle>
+          <a:p>
+            <a:r>
+              <a:rPr lang="en-US" sz="3000" dirty="0">
+                <a:solidFill>
+                  <a:srgbClr val="FF0000"/>
+                </a:solidFill>
+              </a:rPr>
+              <a:t>PRESS THE TRIGGER BUTTON TO CONTINUE</a:t>
+            </a:r>
           </a:p>
         </p:txBody>
       </p:sp>
@@ -5747,10 +8665,9 @@
           <a:p>
             <a:pPr algn="ctr"/>
             <a:r>
-              <a:rPr lang="en-US" sz="1400" dirty="0" smtClean="0"/>
+              <a:rPr lang="en-US" sz="1400" dirty="0"/>
               <a:t>If the outcome associated with this side occurred, you would see a positive picture but would get 0 cents.</a:t>
             </a:r>
-            <a:endParaRPr lang="en-US" sz="1400" dirty="0"/>
           </a:p>
         </p:txBody>
       </p:sp>
@@ -5783,17 +8700,16 @@
           <a:p>
             <a:pPr algn="ctr"/>
             <a:r>
-              <a:rPr lang="en-US" sz="1400" dirty="0" smtClean="0"/>
+              <a:rPr lang="en-US" sz="1400" dirty="0"/>
               <a:t>If the outcome associated </a:t>
             </a:r>
           </a:p>
           <a:p>
             <a:pPr algn="ctr"/>
             <a:r>
-              <a:rPr lang="en-US" sz="1400" dirty="0" smtClean="0"/>
+              <a:rPr lang="en-US" sz="1400" dirty="0"/>
               <a:t>with this side occurred, you would see a negative picture but would get a few cents</a:t>
             </a:r>
-            <a:endParaRPr lang="en-US" sz="1400" dirty="0"/>
           </a:p>
         </p:txBody>
       </p:sp>
@@ -5893,13 +8809,6 @@
   <p:clrMapOvr>
     <a:masterClrMapping/>
   </p:clrMapOvr>
-  <p:timing>
-    <p:tnLst>
-      <p:par>
-        <p:cTn xmlns:p14="http://schemas.microsoft.com/office/powerpoint/2010/main" id="1" dur="indefinite" restart="never" nodeType="tmRoot"/>
-      </p:par>
-    </p:tnLst>
-  </p:timing>
 </p:sld>
 </file>
 
@@ -5956,29 +8865,52 @@
                 <a:ea typeface="Calibri"/>
                 <a:cs typeface="Times New Roman"/>
               </a:rPr>
-              <a:t>For each trial, you </a:t>
-            </a:r>
-            <a:r>
-              <a:rPr lang="en-US" sz="2800" dirty="0" smtClean="0">
-                <a:ea typeface="Calibri"/>
-                <a:cs typeface="Times New Roman"/>
-              </a:rPr>
-              <a:t>will have 4 seconds to move </a:t>
-            </a:r>
+              <a:t>For each trial, you will have 4 seconds to move the figure on the screen using the joystick. </a:t>
+            </a:r>
+          </a:p>
+          <a:p>
+            <a:pPr marL="0" marR="0" indent="0" algn="ctr">
+              <a:spcBef>
+                <a:spcPts val="0"/>
+              </a:spcBef>
+              <a:spcAft>
+                <a:spcPts val="0"/>
+              </a:spcAft>
+              <a:buNone/>
+            </a:pPr>
+            <a:endParaRPr lang="en-US" sz="2800" dirty="0">
+              <a:ea typeface="Calibri"/>
+              <a:cs typeface="Times New Roman"/>
+            </a:endParaRPr>
+          </a:p>
+          <a:p>
+            <a:pPr marL="0" marR="0" indent="0" algn="ctr">
+              <a:spcBef>
+                <a:spcPts val="0"/>
+              </a:spcBef>
+              <a:spcAft>
+                <a:spcPts val="0"/>
+              </a:spcAft>
+              <a:buNone/>
+            </a:pPr>
             <a:r>
               <a:rPr lang="en-US" sz="2800" dirty="0">
                 <a:ea typeface="Calibri"/>
                 <a:cs typeface="Times New Roman"/>
               </a:rPr>
-              <a:t>the figure on the </a:t>
-            </a:r>
-            <a:r>
-              <a:rPr lang="en-US" sz="2800" dirty="0" smtClean="0">
-                <a:ea typeface="Calibri"/>
-                <a:cs typeface="Times New Roman"/>
-              </a:rPr>
-              <a:t>screen</a:t>
-            </a:r>
+              <a:t>As soon as you have the figure where you want,</a:t>
+            </a:r>
+          </a:p>
+          <a:p>
+            <a:pPr marL="0" marR="0" indent="0" algn="ctr">
+              <a:spcBef>
+                <a:spcPts val="0"/>
+              </a:spcBef>
+              <a:spcAft>
+                <a:spcPts val="0"/>
+              </a:spcAft>
+              <a:buNone/>
+            </a:pPr>
             <a:r>
               <a:rPr lang="en-US" sz="2800" dirty="0">
                 <a:ea typeface="Calibri"/>
@@ -5987,11 +8919,18 @@
               <a:t> </a:t>
             </a:r>
             <a:r>
-              <a:rPr lang="en-US" sz="2800" dirty="0" smtClean="0">
+              <a:rPr lang="en-US" sz="2800" u="sng" dirty="0">
                 <a:ea typeface="Calibri"/>
                 <a:cs typeface="Times New Roman"/>
               </a:rPr>
-              <a:t>using the joystick. </a:t>
+              <a:t>lock in your answer using the trigger button</a:t>
+            </a:r>
+            <a:r>
+              <a:rPr lang="en-US" sz="2800" dirty="0">
+                <a:ea typeface="Calibri"/>
+                <a:cs typeface="Times New Roman"/>
+              </a:rPr>
+              <a:t>. </a:t>
             </a:r>
           </a:p>
           <a:p>
@@ -6024,81 +8963,8 @@
                 <a:ea typeface="Calibri"/>
                 <a:cs typeface="Times New Roman"/>
               </a:rPr>
-              <a:t>As soon as you have the figure where you want,</a:t>
-            </a:r>
-          </a:p>
-          <a:p>
-            <a:pPr marL="0" marR="0" indent="0" algn="ctr">
-              <a:spcBef>
-                <a:spcPts val="0"/>
-              </a:spcBef>
-              <a:spcAft>
-                <a:spcPts val="0"/>
-              </a:spcAft>
-              <a:buNone/>
-            </a:pPr>
-            <a:r>
-              <a:rPr lang="en-US" sz="2800" dirty="0">
-                <a:ea typeface="Calibri"/>
-                <a:cs typeface="Times New Roman"/>
-              </a:rPr>
               <a:t> </a:t>
             </a:r>
-            <a:r>
-              <a:rPr lang="en-US" sz="2800" u="sng" dirty="0">
-                <a:ea typeface="Calibri"/>
-                <a:cs typeface="Times New Roman"/>
-              </a:rPr>
-              <a:t>lock in your answer using the trigger button</a:t>
-            </a:r>
-            <a:r>
-              <a:rPr lang="en-US" sz="2800" dirty="0">
-                <a:ea typeface="Calibri"/>
-                <a:cs typeface="Times New Roman"/>
-              </a:rPr>
-              <a:t>. </a:t>
-            </a:r>
-            <a:endParaRPr lang="en-US" sz="2800" dirty="0" smtClean="0">
-              <a:ea typeface="Calibri"/>
-              <a:cs typeface="Times New Roman"/>
-            </a:endParaRPr>
-          </a:p>
-          <a:p>
-            <a:pPr marL="0" marR="0" indent="0" algn="ctr">
-              <a:spcBef>
-                <a:spcPts val="0"/>
-              </a:spcBef>
-              <a:spcAft>
-                <a:spcPts val="0"/>
-              </a:spcAft>
-              <a:buNone/>
-            </a:pPr>
-            <a:endParaRPr lang="en-US" sz="2800" dirty="0">
-              <a:ea typeface="Calibri"/>
-              <a:cs typeface="Times New Roman"/>
-            </a:endParaRPr>
-          </a:p>
-          <a:p>
-            <a:pPr marL="0" marR="0" indent="0" algn="ctr">
-              <a:spcBef>
-                <a:spcPts val="0"/>
-              </a:spcBef>
-              <a:spcAft>
-                <a:spcPts val="0"/>
-              </a:spcAft>
-              <a:buNone/>
-            </a:pPr>
-            <a:r>
-              <a:rPr lang="en-US" sz="2800" dirty="0" smtClean="0">
-                <a:ea typeface="Calibri"/>
-                <a:cs typeface="Times New Roman"/>
-              </a:rPr>
-              <a:t> </a:t>
-            </a:r>
-            <a:endParaRPr lang="en-US" sz="2800" dirty="0">
-              <a:ea typeface="Calibri"/>
-              <a:cs typeface="Times New Roman"/>
-            </a:endParaRPr>
           </a:p>
           <a:p>
             <a:pPr marL="0" marR="0" indent="0" algn="ctr">
@@ -6412,7 +9278,7 @@
           </a:lstStyle>
           <a:p>
             <a:r>
-              <a:rPr lang="en-US" sz="1600" dirty="0" smtClean="0">
+              <a:rPr lang="en-US" sz="1600" dirty="0">
                 <a:solidFill>
                   <a:schemeClr val="bg2">
                     <a:lumMod val="20000"/>
@@ -6422,14 +9288,6 @@
               </a:rPr>
               <a:t>TOP</a:t>
             </a:r>
-            <a:endParaRPr lang="en-US" sz="1600" dirty="0">
-              <a:solidFill>
-                <a:schemeClr val="bg2">
-                  <a:lumMod val="20000"/>
-                  <a:lumOff val="80000"/>
-                </a:schemeClr>
-              </a:solidFill>
-            </a:endParaRPr>
           </a:p>
         </p:txBody>
       </p:sp>
@@ -6649,7 +9507,7 @@
           </a:lstStyle>
           <a:p>
             <a:r>
-              <a:rPr lang="en-US" sz="1600" dirty="0" smtClean="0">
+              <a:rPr lang="en-US" sz="1600" dirty="0">
                 <a:solidFill>
                   <a:schemeClr val="bg2">
                     <a:lumMod val="20000"/>
@@ -6659,14 +9517,6 @@
               </a:rPr>
               <a:t>TRIGGER</a:t>
             </a:r>
-            <a:endParaRPr lang="en-US" sz="1600" dirty="0">
-              <a:solidFill>
-                <a:schemeClr val="bg2">
-                  <a:lumMod val="20000"/>
-                  <a:lumOff val="80000"/>
-                </a:schemeClr>
-              </a:solidFill>
-            </a:endParaRPr>
           </a:p>
         </p:txBody>
       </p:sp>
@@ -6747,34 +9597,13 @@
           </a:lstStyle>
           <a:p>
             <a:r>
-              <a:rPr lang="en-US" sz="3000" dirty="0" smtClean="0">
+              <a:rPr lang="en-US" sz="3000" dirty="0">
                 <a:solidFill>
                   <a:srgbClr val="FF0000"/>
                 </a:solidFill>
               </a:rPr>
-              <a:t>PRESS THE </a:t>
-            </a:r>
-            <a:r>
-              <a:rPr lang="en-US" sz="3000" dirty="0">
-                <a:solidFill>
-                  <a:srgbClr val="FF0000"/>
-                </a:solidFill>
-              </a:rPr>
-              <a:t>TRIGGER BUTTON TO </a:t>
-            </a:r>
-            <a:r>
-              <a:rPr lang="en-US" sz="3000" dirty="0" smtClean="0">
-                <a:solidFill>
-                  <a:srgbClr val="FF0000"/>
-                </a:solidFill>
-              </a:rPr>
-              <a:t>CONTINUE</a:t>
-            </a:r>
-            <a:endParaRPr lang="en-US" sz="3000" dirty="0">
-              <a:solidFill>
-                <a:srgbClr val="FF0000"/>
-              </a:solidFill>
-            </a:endParaRPr>
+              <a:t>PRESS THE TRIGGER BUTTON TO CONTINUE</a:t>
+            </a:r>
           </a:p>
         </p:txBody>
       </p:sp>
@@ -6817,13 +9646,6 @@
   <p:clrMapOvr>
     <a:masterClrMapping/>
   </p:clrMapOvr>
-  <p:timing>
-    <p:tnLst>
-      <p:par>
-        <p:cTn xmlns:p14="http://schemas.microsoft.com/office/powerpoint/2010/main" id="1" dur="indefinite" restart="never" nodeType="tmRoot"/>
-      </p:par>
-    </p:tnLst>
-  </p:timing>
 </p:sld>
 </file>
 
@@ -6872,7 +9694,7 @@
               </a:spcBef>
               <a:buNone/>
             </a:pPr>
-            <a:endParaRPr lang="en-US" sz="2800" dirty="0" smtClean="0"/>
+            <a:endParaRPr lang="en-US" sz="2800" dirty="0"/>
           </a:p>
           <a:p>
             <a:pPr marL="0" indent="0" algn="ctr">
@@ -6907,11 +9729,6 @@
               </a:rPr>
               <a:t>It is completely up to you what decision you make on </a:t>
             </a:r>
-            <a:endParaRPr lang="en-US" sz="2800" dirty="0" smtClean="0">
-              <a:solidFill>
-                <a:srgbClr val="FFFF66"/>
-              </a:solidFill>
-            </a:endParaRPr>
           </a:p>
           <a:p>
             <a:pPr marL="0" indent="0" algn="ctr">
@@ -6921,26 +9738,17 @@
               <a:buNone/>
             </a:pPr>
             <a:r>
-              <a:rPr lang="en-US" sz="2800" dirty="0" smtClean="0">
+              <a:rPr lang="en-US" sz="2800" dirty="0">
                 <a:solidFill>
                   <a:srgbClr val="FFFF66"/>
                 </a:solidFill>
               </a:rPr>
-              <a:t>each </a:t>
-            </a:r>
-            <a:r>
-              <a:rPr lang="en-US" sz="2800" dirty="0">
-                <a:solidFill>
-                  <a:srgbClr val="FFFF66"/>
-                </a:solidFill>
-              </a:rPr>
-              <a:t>trial. </a:t>
+              <a:t>each trial. </a:t>
             </a:r>
             <a:r>
               <a:rPr lang="en-US" sz="2800" dirty="0"/>
               <a:t>So, on each trial, you should consider whether </a:t>
             </a:r>
-            <a:endParaRPr lang="en-US" sz="2800" dirty="0" smtClean="0"/>
           </a:p>
           <a:p>
             <a:pPr marL="0" indent="0" algn="ctr">
@@ -6950,48 +9758,31 @@
               <a:buNone/>
             </a:pPr>
             <a:r>
-              <a:rPr lang="en-US" sz="2800" dirty="0" smtClean="0"/>
-              <a:t>you </a:t>
-            </a:r>
-            <a:r>
               <a:rPr lang="en-US" sz="2800" dirty="0"/>
-              <a:t>want the </a:t>
-            </a:r>
-            <a:r>
-              <a:rPr lang="en-US" sz="2800" dirty="0" smtClean="0"/>
-              <a:t>cents </a:t>
-            </a:r>
+              <a:t>you want the cents that are offered or whether you would </a:t>
+            </a:r>
+          </a:p>
+          <a:p>
+            <a:pPr marL="0" indent="0" algn="ctr">
+              <a:spcBef>
+                <a:spcPts val="0"/>
+              </a:spcBef>
+              <a:buNone/>
+            </a:pPr>
             <a:r>
               <a:rPr lang="en-US" sz="2800" dirty="0"/>
-              <a:t>that are offered or whether you would </a:t>
-            </a:r>
-            <a:endParaRPr lang="en-US" sz="2800" dirty="0" smtClean="0"/>
-          </a:p>
-          <a:p>
-            <a:pPr marL="0" indent="0" algn="ctr">
+              <a:t>rather view a positive picture. It is completely up to you. </a:t>
+            </a:r>
+          </a:p>
+          <a:p>
+            <a:pPr marL="0" marR="0" indent="0" algn="ctr">
               <a:spcBef>
                 <a:spcPts val="0"/>
               </a:spcBef>
               <a:buNone/>
             </a:pPr>
             <a:r>
-              <a:rPr lang="en-US" sz="2800" dirty="0" smtClean="0"/>
-              <a:t>rather </a:t>
-            </a:r>
-            <a:r>
-              <a:rPr lang="en-US" sz="2800" dirty="0"/>
-              <a:t>view a positive picture. It is completely up to you. </a:t>
-            </a:r>
-          </a:p>
-          <a:p>
-            <a:pPr marL="0" marR="0" indent="0" algn="ctr">
-              <a:spcBef>
-                <a:spcPts val="0"/>
-              </a:spcBef>
-              <a:buNone/>
-            </a:pPr>
-            <a:r>
-              <a:rPr lang="en-US" sz="2800" dirty="0" smtClean="0">
+              <a:rPr lang="en-US" sz="2800" dirty="0">
                 <a:ea typeface="Calibri"/>
                 <a:cs typeface="Times New Roman"/>
               </a:rPr>
@@ -7193,7 +9984,7 @@
           </a:lstStyle>
           <a:p>
             <a:r>
-              <a:rPr lang="en-US" sz="1600" dirty="0" smtClean="0">
+              <a:rPr lang="en-US" sz="1600" dirty="0">
                 <a:solidFill>
                   <a:schemeClr val="bg2">
                     <a:lumMod val="20000"/>
@@ -7203,14 +9994,6 @@
               </a:rPr>
               <a:t>TOP</a:t>
             </a:r>
-            <a:endParaRPr lang="en-US" sz="1600" dirty="0">
-              <a:solidFill>
-                <a:schemeClr val="bg2">
-                  <a:lumMod val="20000"/>
-                  <a:lumOff val="80000"/>
-                </a:schemeClr>
-              </a:solidFill>
-            </a:endParaRPr>
           </a:p>
         </p:txBody>
       </p:sp>
@@ -7430,7 +10213,7 @@
           </a:lstStyle>
           <a:p>
             <a:r>
-              <a:rPr lang="en-US" sz="1600" dirty="0" smtClean="0">
+              <a:rPr lang="en-US" sz="1600" dirty="0">
                 <a:solidFill>
                   <a:schemeClr val="bg2">
                     <a:lumMod val="20000"/>
@@ -7440,14 +10223,6 @@
               </a:rPr>
               <a:t>TRIGGER</a:t>
             </a:r>
-            <a:endParaRPr lang="en-US" sz="1600" dirty="0">
-              <a:solidFill>
-                <a:schemeClr val="bg2">
-                  <a:lumMod val="20000"/>
-                  <a:lumOff val="80000"/>
-                </a:schemeClr>
-              </a:solidFill>
-            </a:endParaRPr>
           </a:p>
         </p:txBody>
       </p:sp>
@@ -7528,18 +10303,13 @@
           </a:lstStyle>
           <a:p>
             <a:r>
-              <a:rPr lang="en-US" sz="3000" dirty="0" smtClean="0">
+              <a:rPr lang="en-US" sz="3000" dirty="0">
                 <a:solidFill>
                   <a:srgbClr val="FF0000"/>
                 </a:solidFill>
               </a:rPr>
               <a:t>PRESS THE TRIGGER BUTTON TO CONTINUE</a:t>
             </a:r>
-            <a:endParaRPr lang="en-US" sz="3000" dirty="0">
-              <a:solidFill>
-                <a:srgbClr val="FF0000"/>
-              </a:solidFill>
-            </a:endParaRPr>
           </a:p>
         </p:txBody>
       </p:sp>
@@ -7553,13 +10323,6 @@
   <p:clrMapOvr>
     <a:masterClrMapping/>
   </p:clrMapOvr>
-  <p:timing>
-    <p:tnLst>
-      <p:par>
-        <p:cTn xmlns:p14="http://schemas.microsoft.com/office/powerpoint/2010/main" id="1" dur="indefinite" restart="never" nodeType="tmRoot"/>
-      </p:par>
-    </p:tnLst>
-  </p:timing>
 </p:sld>
 </file>
 
@@ -7609,7 +10372,7 @@
               <a:buNone/>
             </a:pPr>
             <a:r>
-              <a:rPr lang="en-US" sz="2800" dirty="0" smtClean="0"/>
+              <a:rPr lang="en-US" sz="2800" dirty="0"/>
               <a:t>Note that between each trial will be a cross “+”. Keep your focus on this cross when it appears.</a:t>
             </a:r>
           </a:p>
@@ -7671,11 +10434,6 @@
               </a:rPr>
               <a:t>you have any questions on this task. </a:t>
             </a:r>
-            <a:endParaRPr lang="en-US" sz="2800" dirty="0" smtClean="0">
-              <a:solidFill>
-                <a:srgbClr val="FFFF00"/>
-              </a:solidFill>
-            </a:endParaRPr>
           </a:p>
           <a:p>
             <a:pPr marL="0" marR="0" indent="0" algn="ctr">
@@ -7687,7 +10445,7 @@
               </a:spcAft>
               <a:buNone/>
             </a:pPr>
-            <a:endParaRPr lang="en-US" sz="3000" b="1" dirty="0" smtClean="0"/>
+            <a:endParaRPr lang="en-US" sz="3000" b="1" dirty="0"/>
           </a:p>
           <a:p>
             <a:pPr marL="0" marR="0" indent="0" algn="ctr">
@@ -7713,17 +10471,8 @@
             </a:pPr>
             <a:r>
               <a:rPr lang="en-US" sz="3000" b="1" dirty="0"/>
-              <a:t>Otherwise press the </a:t>
-            </a:r>
-            <a:r>
-              <a:rPr lang="en-US" sz="3000" b="1" dirty="0" smtClean="0"/>
-              <a:t>trigger </a:t>
-            </a:r>
-            <a:r>
-              <a:rPr lang="en-US" sz="3000" b="1" dirty="0"/>
-              <a:t>button </a:t>
-            </a:r>
-            <a:endParaRPr lang="en-US" sz="3000" b="1" dirty="0" smtClean="0"/>
+              <a:t>Otherwise press the trigger button </a:t>
+            </a:r>
           </a:p>
           <a:p>
             <a:pPr marL="0" marR="0" indent="0" algn="ctr">
@@ -7736,12 +10485,8 @@
               <a:buNone/>
             </a:pPr>
             <a:r>
-              <a:rPr lang="en-US" sz="3000" b="1" dirty="0" smtClean="0"/>
-              <a:t>when </a:t>
-            </a:r>
-            <a:r>
               <a:rPr lang="en-US" sz="3000" b="1" dirty="0"/>
-              <a:t>you are ready to begin.</a:t>
+              <a:t>when you are ready to begin.</a:t>
             </a:r>
           </a:p>
           <a:p>
@@ -7768,10 +10513,9 @@
               <a:buNone/>
             </a:pPr>
             <a:r>
-              <a:rPr lang="en-US" sz="2800" dirty="0" smtClean="0"/>
+              <a:rPr lang="en-US" sz="2800" dirty="0"/>
               <a:t> </a:t>
             </a:r>
-            <a:endParaRPr lang="en-US" sz="2800" dirty="0"/>
           </a:p>
           <a:p>
             <a:pPr marL="0" marR="0" indent="0" algn="ctr">
@@ -7968,7 +10712,7 @@
           </a:lstStyle>
           <a:p>
             <a:r>
-              <a:rPr lang="en-US" sz="1600" dirty="0" smtClean="0">
+              <a:rPr lang="en-US" sz="1600" dirty="0">
                 <a:solidFill>
                   <a:schemeClr val="bg2">
                     <a:lumMod val="20000"/>
@@ -7978,14 +10722,6 @@
               </a:rPr>
               <a:t>TOP</a:t>
             </a:r>
-            <a:endParaRPr lang="en-US" sz="1600" dirty="0">
-              <a:solidFill>
-                <a:schemeClr val="bg2">
-                  <a:lumMod val="20000"/>
-                  <a:lumOff val="80000"/>
-                </a:schemeClr>
-              </a:solidFill>
-            </a:endParaRPr>
           </a:p>
         </p:txBody>
       </p:sp>
@@ -8205,7 +10941,7 @@
           </a:lstStyle>
           <a:p>
             <a:r>
-              <a:rPr lang="en-US" sz="1600" dirty="0" smtClean="0">
+              <a:rPr lang="en-US" sz="1600" dirty="0">
                 <a:solidFill>
                   <a:schemeClr val="bg2">
                     <a:lumMod val="20000"/>
@@ -8215,14 +10951,6 @@
               </a:rPr>
               <a:t>TRIGGER</a:t>
             </a:r>
-            <a:endParaRPr lang="en-US" sz="1600" dirty="0">
-              <a:solidFill>
-                <a:schemeClr val="bg2">
-                  <a:lumMod val="20000"/>
-                  <a:lumOff val="80000"/>
-                </a:schemeClr>
-              </a:solidFill>
-            </a:endParaRPr>
           </a:p>
         </p:txBody>
       </p:sp>
@@ -8303,18 +11031,13 @@
           </a:lstStyle>
           <a:p>
             <a:r>
-              <a:rPr lang="en-US" sz="3000" dirty="0" smtClean="0">
+              <a:rPr lang="en-US" sz="3000" dirty="0">
                 <a:solidFill>
                   <a:srgbClr val="FF0000"/>
                 </a:solidFill>
               </a:rPr>
               <a:t>PRESS THE TRIGGER BUTTON TO CONTINUE</a:t>
             </a:r>
-            <a:endParaRPr lang="en-US" sz="3000" dirty="0">
-              <a:solidFill>
-                <a:srgbClr val="FF0000"/>
-              </a:solidFill>
-            </a:endParaRPr>
           </a:p>
         </p:txBody>
       </p:sp>
@@ -8328,13 +11051,6 @@
   <p:clrMapOvr>
     <a:masterClrMapping/>
   </p:clrMapOvr>
-  <p:timing>
-    <p:tnLst>
-      <p:par>
-        <p:cTn xmlns:p14="http://schemas.microsoft.com/office/powerpoint/2010/main" id="1" dur="indefinite" restart="never" nodeType="tmRoot"/>
-      </p:par>
-    </p:tnLst>
-  </p:timing>
 </p:sld>
 </file>
 
@@ -8387,7 +11103,7 @@
           <a:noFill/>
           <a:extLst>
             <a:ext uri="{909E8E84-426E-40dd-AFC4-6F175D3DCCD1}">
-              <a14:hiddenFill xmlns:a14="http://schemas.microsoft.com/office/drawing/2010/main">
+              <a14:hiddenFill xmlns:a14="http://schemas.microsoft.com/office/drawing/2010/main" xmlns="">
                 <a:solidFill>
                   <a:srgbClr val="FFFFFF"/>
                 </a:solidFill>
@@ -8419,41 +11135,24 @@
           <a:lstStyle/>
           <a:p>
             <a:r>
-              <a:rPr lang="en-US" sz="2400" dirty="0" smtClean="0">
+              <a:rPr lang="en-US" sz="2400" dirty="0">
                 <a:solidFill>
                   <a:srgbClr val="FF0000"/>
                 </a:solidFill>
               </a:rPr>
-              <a:t>Run 3 out of </a:t>
-            </a:r>
-            <a:r>
-              <a:rPr lang="en-US" sz="2400" dirty="0" smtClean="0">
-                <a:solidFill>
-                  <a:srgbClr val="FF0000"/>
-                </a:solidFill>
-              </a:rPr>
-              <a:t>7</a:t>
-            </a:r>
-            <a:r>
-              <a:rPr lang="en-US" sz="2400" dirty="0" smtClean="0">
-                <a:solidFill>
-                  <a:srgbClr val="FF0000"/>
-                </a:solidFill>
-              </a:rPr>
-              <a:t/>
+              <a:t>Run 3 out of 7</a:t>
             </a:r>
             <a:br>
-              <a:rPr lang="en-US" sz="2400" dirty="0" smtClean="0">
+              <a:rPr lang="en-US" sz="2400" dirty="0">
                 <a:solidFill>
                   <a:srgbClr val="FF0000"/>
                 </a:solidFill>
               </a:rPr>
             </a:br>
             <a:r>
-              <a:rPr lang="en-US" sz="5400" dirty="0" smtClean="0"/>
+              <a:rPr lang="en-US" sz="5400" dirty="0"/>
               <a:t>Runway Task (2/3)</a:t>
             </a:r>
-            <a:endParaRPr lang="en-US" sz="5400" dirty="0"/>
           </a:p>
         </p:txBody>
       </p:sp>
@@ -8635,7 +11334,7 @@
           </a:lstStyle>
           <a:p>
             <a:r>
-              <a:rPr lang="en-US" sz="1600" dirty="0" smtClean="0">
+              <a:rPr lang="en-US" sz="1600" dirty="0">
                 <a:solidFill>
                   <a:schemeClr val="bg2">
                     <a:lumMod val="20000"/>
@@ -8645,14 +11344,6 @@
               </a:rPr>
               <a:t>TRIGGER</a:t>
             </a:r>
-            <a:endParaRPr lang="en-US" sz="1600" dirty="0">
-              <a:solidFill>
-                <a:schemeClr val="bg2">
-                  <a:lumMod val="20000"/>
-                  <a:lumOff val="80000"/>
-                </a:schemeClr>
-              </a:solidFill>
-            </a:endParaRPr>
           </a:p>
         </p:txBody>
       </p:sp>
@@ -8733,34 +11424,13 @@
           </a:lstStyle>
           <a:p>
             <a:r>
-              <a:rPr lang="en-US" sz="3000" dirty="0" smtClean="0">
+              <a:rPr lang="en-US" sz="3000" dirty="0">
                 <a:solidFill>
                   <a:srgbClr val="FF0000"/>
                 </a:solidFill>
               </a:rPr>
-              <a:t>PRESS THE </a:t>
-            </a:r>
-            <a:r>
-              <a:rPr lang="en-US" sz="3000" dirty="0">
-                <a:solidFill>
-                  <a:srgbClr val="FF0000"/>
-                </a:solidFill>
-              </a:rPr>
-              <a:t>TRIGGER BUTTON </a:t>
-            </a:r>
-            <a:r>
-              <a:rPr lang="en-US" sz="3000" dirty="0" smtClean="0">
-                <a:solidFill>
-                  <a:srgbClr val="FF0000"/>
-                </a:solidFill>
-              </a:rPr>
-              <a:t>TO CONTINUE</a:t>
-            </a:r>
-            <a:endParaRPr lang="en-US" sz="3000" dirty="0">
-              <a:solidFill>
-                <a:srgbClr val="FF0000"/>
-              </a:solidFill>
-            </a:endParaRPr>
+              <a:t>PRESS THE TRIGGER BUTTON TO CONTINUE</a:t>
+            </a:r>
           </a:p>
         </p:txBody>
       </p:sp>
@@ -8792,10 +11462,9 @@
           <a:lstStyle/>
           <a:p>
             <a:r>
-              <a:rPr lang="en-US" b="1" dirty="0" smtClean="0"/>
+              <a:rPr lang="en-US" b="1" dirty="0"/>
               <a:t>Top Button</a:t>
             </a:r>
-            <a:endParaRPr lang="en-US" b="1" dirty="0"/>
           </a:p>
         </p:txBody>
       </p:sp>
@@ -8827,10 +11496,9 @@
           <a:lstStyle/>
           <a:p>
             <a:r>
-              <a:rPr lang="en-US" b="1" dirty="0" smtClean="0"/>
+              <a:rPr lang="en-US" b="1" dirty="0"/>
               <a:t>Trigger Button</a:t>
             </a:r>
-            <a:endParaRPr lang="en-US" b="1" dirty="0"/>
           </a:p>
         </p:txBody>
       </p:sp>
@@ -8916,13 +11584,6 @@
   <p:clrMapOvr>
     <a:masterClrMapping/>
   </p:clrMapOvr>
-  <p:timing>
-    <p:tnLst>
-      <p:par>
-        <p:cTn xmlns:p14="http://schemas.microsoft.com/office/powerpoint/2010/main" id="1" dur="indefinite" restart="never" nodeType="tmRoot"/>
-      </p:par>
-    </p:tnLst>
-  </p:timing>
 </p:sld>
 </file>
 
@@ -8971,7 +11632,7 @@
               </a:spcBef>
               <a:buNone/>
             </a:pPr>
-            <a:endParaRPr lang="en-US" sz="2800" dirty="0" smtClean="0"/>
+            <a:endParaRPr lang="en-US" sz="2800" dirty="0"/>
           </a:p>
           <a:p>
             <a:pPr marL="0" marR="0" indent="0" algn="ctr">
@@ -9020,21 +11681,8 @@
                   <a:srgbClr val="FFFF00"/>
                 </a:solidFill>
               </a:rPr>
-              <a:t>you have any </a:t>
-            </a:r>
-            <a:r>
-              <a:rPr lang="en-US" sz="2800" dirty="0" smtClean="0">
-                <a:solidFill>
-                  <a:srgbClr val="FFFF00"/>
-                </a:solidFill>
-              </a:rPr>
-              <a:t>questions. </a:t>
-            </a:r>
-            <a:endParaRPr lang="en-US" sz="2800" dirty="0">
-              <a:solidFill>
-                <a:srgbClr val="FFFF00"/>
-              </a:solidFill>
-            </a:endParaRPr>
+              <a:t>you have any questions. </a:t>
+            </a:r>
           </a:p>
           <a:p>
             <a:pPr marL="0" indent="0" algn="ctr">
@@ -9044,7 +11692,7 @@
               <a:buNone/>
             </a:pPr>
             <a:r>
-              <a:rPr lang="en-US" sz="2800" dirty="0" smtClean="0"/>
+              <a:rPr lang="en-US" sz="2800" dirty="0"/>
               <a:t> </a:t>
             </a:r>
           </a:p>
@@ -9056,12 +11704,8 @@
               <a:buNone/>
             </a:pPr>
             <a:r>
-              <a:rPr lang="en-US" sz="4400" dirty="0" smtClean="0"/>
-              <a:t>Otherwise press </a:t>
-            </a:r>
-            <a:r>
               <a:rPr lang="en-US" sz="4400" dirty="0"/>
-              <a:t>the trigger button when you are ready to begin.</a:t>
+              <a:t>Otherwise press the trigger button when you are ready to begin.</a:t>
             </a:r>
           </a:p>
           <a:p>
@@ -9259,7 +11903,7 @@
           </a:lstStyle>
           <a:p>
             <a:r>
-              <a:rPr lang="en-US" sz="1600" dirty="0" smtClean="0">
+              <a:rPr lang="en-US" sz="1600" dirty="0">
                 <a:solidFill>
                   <a:schemeClr val="bg2">
                     <a:lumMod val="20000"/>
@@ -9269,14 +11913,6 @@
               </a:rPr>
               <a:t>TOP</a:t>
             </a:r>
-            <a:endParaRPr lang="en-US" sz="1600" dirty="0">
-              <a:solidFill>
-                <a:schemeClr val="bg2">
-                  <a:lumMod val="20000"/>
-                  <a:lumOff val="80000"/>
-                </a:schemeClr>
-              </a:solidFill>
-            </a:endParaRPr>
           </a:p>
         </p:txBody>
       </p:sp>
@@ -9496,7 +12132,7 @@
           </a:lstStyle>
           <a:p>
             <a:r>
-              <a:rPr lang="en-US" sz="1600" dirty="0" smtClean="0">
+              <a:rPr lang="en-US" sz="1600" dirty="0">
                 <a:solidFill>
                   <a:schemeClr val="bg2">
                     <a:lumMod val="20000"/>
@@ -9506,14 +12142,6 @@
               </a:rPr>
               <a:t>TRIGGER</a:t>
             </a:r>
-            <a:endParaRPr lang="en-US" sz="1600" dirty="0">
-              <a:solidFill>
-                <a:schemeClr val="bg2">
-                  <a:lumMod val="20000"/>
-                  <a:lumOff val="80000"/>
-                </a:schemeClr>
-              </a:solidFill>
-            </a:endParaRPr>
           </a:p>
         </p:txBody>
       </p:sp>
@@ -9594,18 +12222,13 @@
           </a:lstStyle>
           <a:p>
             <a:r>
-              <a:rPr lang="en-US" sz="3000" dirty="0" smtClean="0">
+              <a:rPr lang="en-US" sz="3000" dirty="0">
                 <a:solidFill>
                   <a:srgbClr val="FF0000"/>
                 </a:solidFill>
               </a:rPr>
               <a:t>PRESS THE TRIGGER BUTTON TO CONTINUE</a:t>
             </a:r>
-            <a:endParaRPr lang="en-US" sz="3000" dirty="0">
-              <a:solidFill>
-                <a:srgbClr val="FF0000"/>
-              </a:solidFill>
-            </a:endParaRPr>
           </a:p>
         </p:txBody>
       </p:sp>
@@ -9619,13 +12242,6 @@
   <p:clrMapOvr>
     <a:masterClrMapping/>
   </p:clrMapOvr>
-  <p:timing>
-    <p:tnLst>
-      <p:par>
-        <p:cTn xmlns:p14="http://schemas.microsoft.com/office/powerpoint/2010/main" id="1" dur="indefinite" restart="never" nodeType="tmRoot"/>
-      </p:par>
-    </p:tnLst>
-  </p:timing>
 </p:sld>
 </file>
 
@@ -9678,7 +12294,7 @@
           <a:noFill/>
           <a:extLst>
             <a:ext uri="{909E8E84-426E-40dd-AFC4-6F175D3DCCD1}">
-              <a14:hiddenFill xmlns:a14="http://schemas.microsoft.com/office/drawing/2010/main">
+              <a14:hiddenFill xmlns:a14="http://schemas.microsoft.com/office/drawing/2010/main" xmlns="">
                 <a:solidFill>
                   <a:srgbClr val="FFFFFF"/>
                 </a:solidFill>
@@ -9710,41 +12326,24 @@
           <a:lstStyle/>
           <a:p>
             <a:r>
-              <a:rPr lang="en-US" sz="2400" dirty="0" smtClean="0">
+              <a:rPr lang="en-US" sz="2400" dirty="0">
                 <a:solidFill>
                   <a:srgbClr val="FF0000"/>
                 </a:solidFill>
               </a:rPr>
-              <a:t>Run 4 out of </a:t>
-            </a:r>
-            <a:r>
-              <a:rPr lang="en-US" sz="2400" dirty="0" smtClean="0">
-                <a:solidFill>
-                  <a:srgbClr val="FF0000"/>
-                </a:solidFill>
-              </a:rPr>
-              <a:t>7</a:t>
-            </a:r>
-            <a:r>
-              <a:rPr lang="en-US" sz="2400" dirty="0" smtClean="0">
-                <a:solidFill>
-                  <a:srgbClr val="FF0000"/>
-                </a:solidFill>
-              </a:rPr>
-              <a:t/>
+              <a:t>Run 4 out of 7</a:t>
             </a:r>
             <a:br>
-              <a:rPr lang="en-US" sz="2400" dirty="0" smtClean="0">
+              <a:rPr lang="en-US" sz="2400" dirty="0">
                 <a:solidFill>
                   <a:srgbClr val="FF0000"/>
                 </a:solidFill>
               </a:rPr>
             </a:br>
             <a:r>
-              <a:rPr lang="en-US" sz="5400" dirty="0" smtClean="0"/>
+              <a:rPr lang="en-US" sz="5400" dirty="0"/>
               <a:t>Runway Task (3/3)</a:t>
             </a:r>
-            <a:endParaRPr lang="en-US" sz="5400" dirty="0"/>
           </a:p>
         </p:txBody>
       </p:sp>
@@ -9926,7 +12525,7 @@
           </a:lstStyle>
           <a:p>
             <a:r>
-              <a:rPr lang="en-US" sz="1600" dirty="0" smtClean="0">
+              <a:rPr lang="en-US" sz="1600" dirty="0">
                 <a:solidFill>
                   <a:schemeClr val="bg2">
                     <a:lumMod val="20000"/>
@@ -9936,14 +12535,6 @@
               </a:rPr>
               <a:t>TRIGGER</a:t>
             </a:r>
-            <a:endParaRPr lang="en-US" sz="1600" dirty="0">
-              <a:solidFill>
-                <a:schemeClr val="bg2">
-                  <a:lumMod val="20000"/>
-                  <a:lumOff val="80000"/>
-                </a:schemeClr>
-              </a:solidFill>
-            </a:endParaRPr>
           </a:p>
         </p:txBody>
       </p:sp>
@@ -10024,34 +12615,13 @@
           </a:lstStyle>
           <a:p>
             <a:r>
-              <a:rPr lang="en-US" sz="3000" dirty="0" smtClean="0">
+              <a:rPr lang="en-US" sz="3000" dirty="0">
                 <a:solidFill>
                   <a:srgbClr val="FF0000"/>
                 </a:solidFill>
               </a:rPr>
-              <a:t>PRESS THE </a:t>
-            </a:r>
-            <a:r>
-              <a:rPr lang="en-US" sz="3000" dirty="0">
-                <a:solidFill>
-                  <a:srgbClr val="FF0000"/>
-                </a:solidFill>
-              </a:rPr>
-              <a:t>TRIGGER BUTTON </a:t>
-            </a:r>
-            <a:r>
-              <a:rPr lang="en-US" sz="3000" dirty="0" smtClean="0">
-                <a:solidFill>
-                  <a:srgbClr val="FF0000"/>
-                </a:solidFill>
-              </a:rPr>
-              <a:t>TO CONTINUE</a:t>
-            </a:r>
-            <a:endParaRPr lang="en-US" sz="3000" dirty="0">
-              <a:solidFill>
-                <a:srgbClr val="FF0000"/>
-              </a:solidFill>
-            </a:endParaRPr>
+              <a:t>PRESS THE TRIGGER BUTTON TO CONTINUE</a:t>
+            </a:r>
           </a:p>
         </p:txBody>
       </p:sp>
@@ -10083,10 +12653,9 @@
           <a:lstStyle/>
           <a:p>
             <a:r>
-              <a:rPr lang="en-US" b="1" dirty="0" smtClean="0"/>
+              <a:rPr lang="en-US" b="1" dirty="0"/>
               <a:t>Top Button</a:t>
             </a:r>
-            <a:endParaRPr lang="en-US" b="1" dirty="0"/>
           </a:p>
         </p:txBody>
       </p:sp>
@@ -10118,10 +12687,9 @@
           <a:lstStyle/>
           <a:p>
             <a:r>
-              <a:rPr lang="en-US" b="1" dirty="0" smtClean="0"/>
+              <a:rPr lang="en-US" b="1" dirty="0"/>
               <a:t>Trigger Button</a:t>
             </a:r>
-            <a:endParaRPr lang="en-US" b="1" dirty="0"/>
           </a:p>
         </p:txBody>
       </p:sp>
@@ -10207,13 +12775,6 @@
   <p:clrMapOvr>
     <a:masterClrMapping/>
   </p:clrMapOvr>
-  <p:timing>
-    <p:tnLst>
-      <p:par>
-        <p:cTn xmlns:p14="http://schemas.microsoft.com/office/powerpoint/2010/main" id="1" dur="indefinite" restart="never" nodeType="tmRoot"/>
-      </p:par>
-    </p:tnLst>
-  </p:timing>
 </p:sld>
 </file>
 
@@ -10262,7 +12823,7 @@
               </a:spcBef>
               <a:buNone/>
             </a:pPr>
-            <a:endParaRPr lang="en-US" sz="2800" dirty="0" smtClean="0"/>
+            <a:endParaRPr lang="en-US" sz="2800" dirty="0"/>
           </a:p>
           <a:p>
             <a:pPr marL="0" marR="0" indent="0" algn="ctr">
@@ -10311,21 +12872,8 @@
                   <a:srgbClr val="FFFF00"/>
                 </a:solidFill>
               </a:rPr>
-              <a:t>you have any </a:t>
-            </a:r>
-            <a:r>
-              <a:rPr lang="en-US" sz="2800" dirty="0" smtClean="0">
-                <a:solidFill>
-                  <a:srgbClr val="FFFF00"/>
-                </a:solidFill>
-              </a:rPr>
-              <a:t>questions. </a:t>
-            </a:r>
-            <a:endParaRPr lang="en-US" sz="2800" dirty="0">
-              <a:solidFill>
-                <a:srgbClr val="FFFF00"/>
-              </a:solidFill>
-            </a:endParaRPr>
+              <a:t>you have any questions. </a:t>
+            </a:r>
           </a:p>
           <a:p>
             <a:pPr marL="0" indent="0" algn="ctr">
@@ -10335,7 +12883,7 @@
               <a:buNone/>
             </a:pPr>
             <a:r>
-              <a:rPr lang="en-US" sz="2800" dirty="0" smtClean="0"/>
+              <a:rPr lang="en-US" sz="2800" dirty="0"/>
               <a:t> </a:t>
             </a:r>
           </a:p>
@@ -10347,12 +12895,8 @@
               <a:buNone/>
             </a:pPr>
             <a:r>
-              <a:rPr lang="en-US" sz="4400" dirty="0" smtClean="0"/>
-              <a:t>Otherwise press </a:t>
-            </a:r>
-            <a:r>
               <a:rPr lang="en-US" sz="4400" dirty="0"/>
-              <a:t>the trigger button when you are ready to begin.</a:t>
+              <a:t>Otherwise press the trigger button when you are ready to begin.</a:t>
             </a:r>
           </a:p>
           <a:p>
@@ -10550,7 +13094,7 @@
           </a:lstStyle>
           <a:p>
             <a:r>
-              <a:rPr lang="en-US" sz="1600" dirty="0" smtClean="0">
+              <a:rPr lang="en-US" sz="1600" dirty="0">
                 <a:solidFill>
                   <a:schemeClr val="bg2">
                     <a:lumMod val="20000"/>
@@ -10560,14 +13104,6 @@
               </a:rPr>
               <a:t>TOP</a:t>
             </a:r>
-            <a:endParaRPr lang="en-US" sz="1600" dirty="0">
-              <a:solidFill>
-                <a:schemeClr val="bg2">
-                  <a:lumMod val="20000"/>
-                  <a:lumOff val="80000"/>
-                </a:schemeClr>
-              </a:solidFill>
-            </a:endParaRPr>
           </a:p>
         </p:txBody>
       </p:sp>
@@ -10787,7 +13323,7 @@
           </a:lstStyle>
           <a:p>
             <a:r>
-              <a:rPr lang="en-US" sz="1600" dirty="0" smtClean="0">
+              <a:rPr lang="en-US" sz="1600" dirty="0">
                 <a:solidFill>
                   <a:schemeClr val="bg2">
                     <a:lumMod val="20000"/>
@@ -10797,14 +13333,6 @@
               </a:rPr>
               <a:t>TRIGGER</a:t>
             </a:r>
-            <a:endParaRPr lang="en-US" sz="1600" dirty="0">
-              <a:solidFill>
-                <a:schemeClr val="bg2">
-                  <a:lumMod val="20000"/>
-                  <a:lumOff val="80000"/>
-                </a:schemeClr>
-              </a:solidFill>
-            </a:endParaRPr>
           </a:p>
         </p:txBody>
       </p:sp>
@@ -10885,18 +13413,13 @@
           </a:lstStyle>
           <a:p>
             <a:r>
-              <a:rPr lang="en-US" sz="3000" dirty="0" smtClean="0">
+              <a:rPr lang="en-US" sz="3000" dirty="0">
                 <a:solidFill>
                   <a:srgbClr val="FF0000"/>
                 </a:solidFill>
               </a:rPr>
               <a:t>PRESS THE TRIGGER BUTTON TO CONTINUE</a:t>
             </a:r>
-            <a:endParaRPr lang="en-US" sz="3000" dirty="0">
-              <a:solidFill>
-                <a:srgbClr val="FF0000"/>
-              </a:solidFill>
-            </a:endParaRPr>
           </a:p>
         </p:txBody>
       </p:sp>
@@ -10910,13 +13433,6 @@
   <p:clrMapOvr>
     <a:masterClrMapping/>
   </p:clrMapOvr>
-  <p:timing>
-    <p:tnLst>
-      <p:par>
-        <p:cTn xmlns:p14="http://schemas.microsoft.com/office/powerpoint/2010/main" id="1" dur="indefinite" restart="never" nodeType="tmRoot"/>
-      </p:par>
-    </p:tnLst>
-  </p:timing>
 </p:sld>
 </file>
 
